--- a/Presentatie/Microservices 102.pptx
+++ b/Presentatie/Microservices 102.pptx
@@ -232,7 +232,7 @@
           <a:p>
             <a:fld id="{4FDA5BBF-9A9E-E34C-87D2-CD6D1CA60245}" type="datetime1">
               <a:rPr lang="en-US" smtClean="0"/>
-              <a:t>9/13/2017</a:t>
+              <a:t>11/8/2017</a:t>
             </a:fld>
             <a:endParaRPr lang="en-US" dirty="0"/>
           </a:p>
@@ -398,7 +398,7 @@
           <a:p>
             <a:fld id="{FE5FB5CF-D153-1544-8329-2FC1F4ABF24D}" type="datetime1">
               <a:rPr lang="en-US" smtClean="0"/>
-              <a:t>9/13/2017</a:t>
+              <a:t>11/8/2017</a:t>
             </a:fld>
             <a:endParaRPr lang="nl-NL" dirty="0"/>
           </a:p>
@@ -908,8 +908,68 @@
           <a:p>
             <a:r>
               <a:rPr lang="en-US" baseline="0" dirty="0" smtClean="0"/>
-              <a:t>Inter-service communicatie obv REST of MQ</a:t>
-            </a:r>
+              <a:t>Inter-service communicatie obv REST of </a:t>
+            </a:r>
+            <a:r>
+              <a:rPr lang="en-US" baseline="0" dirty="0" smtClean="0"/>
+              <a:t>MQ</a:t>
+            </a:r>
+          </a:p>
+          <a:p>
+            <a:endParaRPr lang="en-US" baseline="0" dirty="0" smtClean="0"/>
+          </a:p>
+          <a:p>
+            <a:r>
+              <a:rPr lang="en-US" baseline="0" dirty="0" smtClean="0"/>
+              <a:t>Client-</a:t>
+            </a:r>
+            <a:r>
+              <a:rPr lang="en-US" baseline="0" dirty="0" err="1" smtClean="0"/>
+              <a:t>applicatie</a:t>
+            </a:r>
+            <a:r>
+              <a:rPr lang="en-US" baseline="0" dirty="0" smtClean="0"/>
+              <a:t> </a:t>
+            </a:r>
+            <a:r>
+              <a:rPr lang="en-US" baseline="0" dirty="0" err="1" smtClean="0"/>
+              <a:t>kan</a:t>
+            </a:r>
+            <a:r>
+              <a:rPr lang="en-US" baseline="0" dirty="0" smtClean="0"/>
+              <a:t> in 2 </a:t>
+            </a:r>
+            <a:r>
+              <a:rPr lang="en-US" baseline="0" dirty="0" err="1" smtClean="0"/>
+              <a:t>delen</a:t>
+            </a:r>
+            <a:r>
+              <a:rPr lang="en-US" baseline="0" dirty="0" smtClean="0"/>
+              <a:t> (web-client-app </a:t>
+            </a:r>
+            <a:r>
+              <a:rPr lang="en-US" baseline="0" dirty="0" err="1" smtClean="0"/>
+              <a:t>en</a:t>
+            </a:r>
+            <a:r>
+              <a:rPr lang="en-US" baseline="0" dirty="0" smtClean="0"/>
+              <a:t> REST-gateway) </a:t>
+            </a:r>
+            <a:r>
+              <a:rPr lang="en-US" baseline="0" dirty="0" err="1" smtClean="0"/>
+              <a:t>zijn</a:t>
+            </a:r>
+            <a:r>
+              <a:rPr lang="en-US" baseline="0" dirty="0" smtClean="0"/>
+              <a:t> </a:t>
+            </a:r>
+            <a:r>
+              <a:rPr lang="en-US" baseline="0" dirty="0" err="1" smtClean="0"/>
+              <a:t>opgesplitst</a:t>
+            </a:r>
+            <a:endParaRPr lang="en-US" baseline="0" smtClean="0"/>
+          </a:p>
+          <a:p>
             <a:endParaRPr lang="nl-NL" dirty="0"/>
           </a:p>
         </p:txBody>
@@ -1884,7 +1944,7 @@
           <a:p>
             <a:fld id="{69E2E37C-AA1E-43B2-B213-E688D587CE49}" type="datetime4">
               <a:rPr lang="nl-NL" smtClean="0"/>
-              <a:t>13 september 2017</a:t>
+              <a:t>8 november 2017</a:t>
             </a:fld>
             <a:endParaRPr lang="nl-NL" dirty="0"/>
           </a:p>
@@ -2009,7 +2069,7 @@
           <a:p>
             <a:fld id="{96BF97C2-7262-427C-9F3E-B0D6D33F54E2}" type="datetime4">
               <a:rPr lang="nl-NL" smtClean="0"/>
-              <a:t>13 september 2017</a:t>
+              <a:t>8 november 2017</a:t>
             </a:fld>
             <a:endParaRPr lang="nl-NL" dirty="0"/>
           </a:p>
@@ -2240,7 +2300,7 @@
           <a:p>
             <a:fld id="{AB63B3A2-628B-479E-BF05-5959017C6A02}" type="datetime4">
               <a:rPr lang="nl-NL" smtClean="0"/>
-              <a:t>13 september 2017</a:t>
+              <a:t>8 november 2017</a:t>
             </a:fld>
             <a:endParaRPr lang="nl-NL" dirty="0"/>
           </a:p>
@@ -2516,7 +2576,7 @@
             <a:fld id="{249B52C1-75DC-496B-AF3F-4978B95BB865}" type="datetime4">
               <a:rPr lang="nl-NL" smtClean="0"/>
               <a:pPr/>
-              <a:t>13 september 2017</a:t>
+              <a:t>8 november 2017</a:t>
             </a:fld>
             <a:endParaRPr lang="nl-NL" dirty="0"/>
           </a:p>
@@ -2619,7 +2679,7 @@
           <a:p>
             <a:fld id="{8D31B592-DB5E-43FC-B016-67E26C01643F}" type="datetime4">
               <a:rPr lang="nl-NL" smtClean="0"/>
-              <a:t>13 september 2017</a:t>
+              <a:t>8 november 2017</a:t>
             </a:fld>
             <a:endParaRPr lang="nl-NL" dirty="0"/>
           </a:p>
@@ -2838,7 +2898,7 @@
           <a:p>
             <a:fld id="{92E94904-3BB7-4874-AB8B-F31F00F8A078}" type="datetime4">
               <a:rPr lang="nl-NL" smtClean="0"/>
-              <a:t>13 september 2017</a:t>
+              <a:t>8 november 2017</a:t>
             </a:fld>
             <a:endParaRPr lang="nl-NL" dirty="0"/>
           </a:p>
@@ -3027,7 +3087,7 @@
           <a:p>
             <a:fld id="{A9642D5E-8E53-4D94-8479-CCF9387ED904}" type="datetime4">
               <a:rPr lang="nl-NL" smtClean="0"/>
-              <a:t>13 september 2017</a:t>
+              <a:t>8 november 2017</a:t>
             </a:fld>
             <a:endParaRPr lang="nl-NL" dirty="0"/>
           </a:p>
@@ -3251,7 +3311,7 @@
           <a:p>
             <a:fld id="{87D76D0B-AA25-481F-9FCE-BD155C5A6085}" type="datetime4">
               <a:rPr lang="nl-NL" smtClean="0"/>
-              <a:t>13 september 2017</a:t>
+              <a:t>8 november 2017</a:t>
             </a:fld>
             <a:endParaRPr lang="nl-NL" dirty="0"/>
           </a:p>
@@ -3471,7 +3531,7 @@
           <a:p>
             <a:fld id="{88C11819-B839-4C27-8B45-7170CEF46D62}" type="datetime4">
               <a:rPr lang="nl-NL" smtClean="0"/>
-              <a:t>13 september 2017</a:t>
+              <a:t>8 november 2017</a:t>
             </a:fld>
             <a:endParaRPr lang="nl-NL" dirty="0"/>
           </a:p>
@@ -3694,7 +3754,7 @@
           <a:p>
             <a:fld id="{174613E7-29CA-4C1D-88BD-FA51696C19FE}" type="datetime4">
               <a:rPr lang="nl-NL" smtClean="0"/>
-              <a:t>13 september 2017</a:t>
+              <a:t>8 november 2017</a:t>
             </a:fld>
             <a:endParaRPr lang="nl-NL" dirty="0"/>
           </a:p>
@@ -3894,7 +3954,7 @@
           <a:p>
             <a:fld id="{9F389A9C-5452-4AF4-8D69-2209042ED2AB}" type="datetime4">
               <a:rPr lang="nl-NL" smtClean="0"/>
-              <a:t>13 september 2017</a:t>
+              <a:t>8 november 2017</a:t>
             </a:fld>
             <a:endParaRPr lang="nl-NL" dirty="0"/>
           </a:p>
@@ -4105,7 +4165,7 @@
           <a:p>
             <a:fld id="{59ABBC3E-A20C-4DEE-9D7A-437B797B148A}" type="datetime4">
               <a:rPr lang="nl-NL" smtClean="0"/>
-              <a:t>13 september 2017</a:t>
+              <a:t>8 november 2017</a:t>
             </a:fld>
             <a:r>
               <a:rPr lang="en-US" smtClean="0"/>
@@ -4611,7 +4671,7 @@
           <a:p>
             <a:fld id="{E8809DAD-F941-4A15-ABB1-44FA32742BE9}" type="datetime4">
               <a:rPr lang="nl-NL" smtClean="0"/>
-              <a:t>13 september 2017</a:t>
+              <a:t>8 november 2017</a:t>
             </a:fld>
             <a:endParaRPr lang="nl-NL" dirty="0"/>
           </a:p>
@@ -5243,7 +5303,7 @@
                   <a:srgbClr val="009036"/>
                 </a:solidFill>
               </a:rPr>
-              <a:t>13 september 2017</a:t>
+              <a:t>8 november 2017</a:t>
             </a:fld>
             <a:endParaRPr lang="nl-NL" sz="900" cap="all" dirty="0">
               <a:solidFill>
@@ -5322,16 +5382,16 @@
       </p:grpSpPr>
       <p:sp>
         <p:nvSpPr>
-          <p:cNvPr id="34" name="Stroomdiagram: Proces 33"/>
+          <p:cNvPr id="46" name="Rechthoek 45"/>
           <p:cNvSpPr/>
           <p:nvPr/>
         </p:nvSpPr>
         <p:spPr>
           <a:xfrm>
-            <a:off x="4035742" y="2186673"/>
-            <a:ext cx="1291908" cy="725703"/>
-          </a:xfrm>
-          <a:prstGeom prst="flowChartProcess">
+            <a:off x="2741748" y="1630007"/>
+            <a:ext cx="1291908" cy="762000"/>
+          </a:xfrm>
+          <a:prstGeom prst="rect">
             <a:avLst/>
           </a:prstGeom>
           <a:solidFill>
@@ -5366,9 +5426,62 @@
             <a:pPr algn="ctr"/>
             <a:r>
               <a:rPr lang="nl-NL" dirty="0" smtClean="0"/>
+              <a:t>logica</a:t>
+            </a:r>
+            <a:endParaRPr lang="nl-NL" dirty="0"/>
+          </a:p>
+        </p:txBody>
+      </p:sp>
+      <p:sp>
+        <p:nvSpPr>
+          <p:cNvPr id="34" name="Stroomdiagram: Proces 33"/>
+          <p:cNvSpPr/>
+          <p:nvPr/>
+        </p:nvSpPr>
+        <p:spPr>
+          <a:xfrm>
+            <a:off x="4035742" y="2186673"/>
+            <a:ext cx="1291908" cy="725703"/>
+          </a:xfrm>
+          <a:prstGeom prst="flowChartProcess">
+            <a:avLst/>
+          </a:prstGeom>
+          <a:ln/>
+        </p:spPr>
+        <p:style>
+          <a:lnRef idx="2">
+            <a:schemeClr val="accent5">
+              <a:shade val="50000"/>
+            </a:schemeClr>
+          </a:lnRef>
+          <a:fillRef idx="1">
+            <a:schemeClr val="accent5"/>
+          </a:fillRef>
+          <a:effectRef idx="0">
+            <a:schemeClr val="accent5"/>
+          </a:effectRef>
+          <a:fontRef idx="minor">
+            <a:schemeClr val="lt1"/>
+          </a:fontRef>
+        </p:style>
+        <p:txBody>
+          <a:bodyPr rtlCol="0" anchor="ctr"/>
+          <a:lstStyle/>
+          <a:p>
+            <a:pPr algn="ctr"/>
+            <a:r>
+              <a:rPr lang="nl-NL" dirty="0">
+                <a:solidFill>
+                  <a:schemeClr val="tx1"/>
+                </a:solidFill>
+              </a:rPr>
               <a:t>presentatie</a:t>
             </a:r>
-            <a:endParaRPr lang="nl-NL" dirty="0"/>
+            <a:endParaRPr lang="nl-NL" dirty="0">
+              <a:solidFill>
+                <a:schemeClr val="tx1"/>
+              </a:solidFill>
+            </a:endParaRPr>
           </a:p>
         </p:txBody>
       </p:sp>
@@ -5508,16 +5621,16 @@
       </p:sp>
       <p:sp>
         <p:nvSpPr>
-          <p:cNvPr id="49" name="Stroomdiagram: Proces 48"/>
+          <p:cNvPr id="50" name="Rechthoek 49"/>
           <p:cNvSpPr/>
           <p:nvPr/>
         </p:nvSpPr>
         <p:spPr>
           <a:xfrm>
-            <a:off x="3603782" y="3809812"/>
-            <a:ext cx="1291908" cy="725703"/>
-          </a:xfrm>
-          <a:prstGeom prst="flowChartProcess">
+            <a:off x="3603782" y="4535515"/>
+            <a:ext cx="1291908" cy="762000"/>
+          </a:xfrm>
+          <a:prstGeom prst="rect">
             <a:avLst/>
           </a:prstGeom>
           <a:solidFill>
@@ -5552,7 +5665,7 @@
             <a:pPr algn="ctr"/>
             <a:r>
               <a:rPr lang="nl-NL" dirty="0" smtClean="0"/>
-              <a:t>presentatie</a:t>
+              <a:t>logica</a:t>
             </a:r>
             <a:endParaRPr lang="nl-NL" dirty="0"/>
           </a:p>
@@ -5560,14 +5673,14 @@
       </p:sp>
       <p:sp>
         <p:nvSpPr>
-          <p:cNvPr id="50" name="Rechthoek 49"/>
+          <p:cNvPr id="51" name="Rechthoek 50"/>
           <p:cNvSpPr/>
           <p:nvPr/>
         </p:nvSpPr>
         <p:spPr>
           <a:xfrm>
-            <a:off x="3603782" y="4535515"/>
-            <a:ext cx="1291908" cy="762000"/>
+            <a:off x="3603781" y="5297515"/>
+            <a:ext cx="1289074" cy="762000"/>
           </a:xfrm>
           <a:prstGeom prst="rect">
             <a:avLst/>
@@ -5604,7 +5717,7 @@
             <a:pPr algn="ctr"/>
             <a:r>
               <a:rPr lang="nl-NL" dirty="0" smtClean="0"/>
-              <a:t>logica</a:t>
+              <a:t>data</a:t>
             </a:r>
             <a:endParaRPr lang="nl-NL" dirty="0"/>
           </a:p>
@@ -5612,14 +5725,187 @@
       </p:sp>
       <p:sp>
         <p:nvSpPr>
-          <p:cNvPr id="51" name="Rechthoek 50"/>
+          <p:cNvPr id="52" name="Tekstvak 51"/>
+          <p:cNvSpPr txBox="1"/>
+          <p:nvPr/>
+        </p:nvSpPr>
+        <p:spPr>
+          <a:xfrm>
+            <a:off x="4923790" y="5689916"/>
+            <a:ext cx="1087029" cy="369332"/>
+          </a:xfrm>
+          <a:prstGeom prst="rect">
+            <a:avLst/>
+          </a:prstGeom>
+          <a:noFill/>
+        </p:spPr>
+        <p:txBody>
+          <a:bodyPr wrap="none" rtlCol="0">
+            <a:spAutoFit/>
+          </a:bodyPr>
+          <a:lstStyle/>
+          <a:p>
+            <a:r>
+              <a:rPr lang="nl-NL" dirty="0" smtClean="0"/>
+              <a:t>facturatie</a:t>
+            </a:r>
+            <a:endParaRPr lang="nl-NL" dirty="0"/>
+          </a:p>
+        </p:txBody>
+      </p:sp>
+      <p:sp>
+        <p:nvSpPr>
+          <p:cNvPr id="2" name="Title 1"/>
+          <p:cNvSpPr>
+            <a:spLocks noGrp="1"/>
+          </p:cNvSpPr>
+          <p:nvPr>
+            <p:ph type="title"/>
+          </p:nvPr>
+        </p:nvSpPr>
+        <p:spPr>
+          <a:xfrm>
+            <a:off x="617538" y="473075"/>
+            <a:ext cx="8163164" cy="467411"/>
+          </a:xfrm>
+        </p:spPr>
+        <p:txBody>
+          <a:bodyPr/>
+          <a:lstStyle/>
+          <a:p>
+            <a:r>
+              <a:rPr lang="en-US" dirty="0"/>
+              <a:t>Recap 101</a:t>
+            </a:r>
+            <a:endParaRPr lang="nl-NL" dirty="0"/>
+          </a:p>
+        </p:txBody>
+      </p:sp>
+      <p:sp>
+        <p:nvSpPr>
+          <p:cNvPr id="4" name="Date Placeholder 3"/>
+          <p:cNvSpPr>
+            <a:spLocks noGrp="1"/>
+          </p:cNvSpPr>
+          <p:nvPr>
+            <p:ph type="dt" sz="half" idx="10"/>
+          </p:nvPr>
+        </p:nvSpPr>
+        <p:spPr/>
+        <p:txBody>
+          <a:bodyPr vert="horz" lIns="91440" tIns="45720" rIns="91440" bIns="45720" rtlCol="0" anchor="ctr"/>
+          <a:lstStyle/>
+          <a:p>
+            <a:fld id="{AC42B15C-624E-4350-B377-5A5C047BADFC}" type="datetime4">
+              <a:rPr lang="nl-NL" sz="900" cap="all" smtClean="0">
+                <a:solidFill>
+                  <a:srgbClr val="009036"/>
+                </a:solidFill>
+              </a:rPr>
+              <a:t>8 november 2017</a:t>
+            </a:fld>
+            <a:endParaRPr lang="nl-NL" sz="900" cap="all" dirty="0">
+              <a:solidFill>
+                <a:srgbClr val="009036"/>
+              </a:solidFill>
+            </a:endParaRPr>
+          </a:p>
+        </p:txBody>
+      </p:sp>
+      <p:sp>
+        <p:nvSpPr>
+          <p:cNvPr id="5" name="Footer Placeholder 4"/>
+          <p:cNvSpPr>
+            <a:spLocks noGrp="1"/>
+          </p:cNvSpPr>
+          <p:nvPr>
+            <p:ph type="ftr" sz="quarter" idx="11"/>
+          </p:nvPr>
+        </p:nvSpPr>
+        <p:spPr/>
+        <p:txBody>
+          <a:bodyPr vert="horz" lIns="91440" tIns="45720" rIns="91440" bIns="45720" rtlCol="0" anchor="ctr"/>
+          <a:lstStyle/>
+          <a:p>
+            <a:r>
+              <a:rPr lang="nl-NL" smtClean="0">
+                <a:solidFill>
+                  <a:srgbClr val="009036"/>
+                </a:solidFill>
+              </a:rPr>
+              <a:t>Johannes Sim &amp; Renzo veldkamp</a:t>
+            </a:r>
+            <a:endParaRPr lang="nl-NL" dirty="0">
+              <a:solidFill>
+                <a:srgbClr val="009036"/>
+              </a:solidFill>
+            </a:endParaRPr>
+          </a:p>
+        </p:txBody>
+      </p:sp>
+      <p:sp>
+        <p:nvSpPr>
+          <p:cNvPr id="25" name="Stroomdiagram: Proces 24"/>
           <p:cNvSpPr/>
           <p:nvPr/>
         </p:nvSpPr>
         <p:spPr>
           <a:xfrm>
-            <a:off x="3603781" y="5297515"/>
-            <a:ext cx="1289074" cy="762000"/>
+            <a:off x="5334815" y="2186673"/>
+            <a:ext cx="1291908" cy="725703"/>
+          </a:xfrm>
+          <a:prstGeom prst="flowChartProcess">
+            <a:avLst/>
+          </a:prstGeom>
+          <a:ln/>
+        </p:spPr>
+        <p:style>
+          <a:lnRef idx="2">
+            <a:schemeClr val="accent5">
+              <a:shade val="50000"/>
+            </a:schemeClr>
+          </a:lnRef>
+          <a:fillRef idx="1">
+            <a:schemeClr val="accent5"/>
+          </a:fillRef>
+          <a:effectRef idx="0">
+            <a:schemeClr val="accent5"/>
+          </a:effectRef>
+          <a:fontRef idx="minor">
+            <a:schemeClr val="lt1"/>
+          </a:fontRef>
+        </p:style>
+        <p:txBody>
+          <a:bodyPr rtlCol="0" anchor="ctr"/>
+          <a:lstStyle/>
+          <a:p>
+            <a:pPr algn="ctr"/>
+            <a:r>
+              <a:rPr lang="nl-NL" dirty="0">
+                <a:solidFill>
+                  <a:schemeClr val="tx1"/>
+                </a:solidFill>
+              </a:rPr>
+              <a:t>presentatie</a:t>
+            </a:r>
+            <a:endParaRPr lang="nl-NL" dirty="0">
+              <a:solidFill>
+                <a:schemeClr val="tx1"/>
+              </a:solidFill>
+            </a:endParaRPr>
+          </a:p>
+        </p:txBody>
+      </p:sp>
+      <p:sp>
+        <p:nvSpPr>
+          <p:cNvPr id="26" name="Rechthoek 25"/>
+          <p:cNvSpPr/>
+          <p:nvPr/>
+        </p:nvSpPr>
+        <p:spPr>
+          <a:xfrm>
+            <a:off x="5334815" y="2912376"/>
+            <a:ext cx="1291908" cy="762000"/>
           </a:xfrm>
           <a:prstGeom prst="rect">
             <a:avLst/>
@@ -5656,7 +5942,7 @@
             <a:pPr algn="ctr"/>
             <a:r>
               <a:rPr lang="nl-NL" dirty="0" smtClean="0"/>
-              <a:t>data</a:t>
+              <a:t>logica</a:t>
             </a:r>
             <a:endParaRPr lang="nl-NL" dirty="0"/>
           </a:p>
@@ -5664,136 +5950,16 @@
       </p:sp>
       <p:sp>
         <p:nvSpPr>
-          <p:cNvPr id="52" name="Tekstvak 51"/>
-          <p:cNvSpPr txBox="1"/>
-          <p:nvPr/>
-        </p:nvSpPr>
-        <p:spPr>
-          <a:xfrm>
-            <a:off x="4923790" y="5689916"/>
-            <a:ext cx="1087029" cy="369332"/>
-          </a:xfrm>
-          <a:prstGeom prst="rect">
-            <a:avLst/>
-          </a:prstGeom>
-          <a:noFill/>
-        </p:spPr>
-        <p:txBody>
-          <a:bodyPr wrap="none" rtlCol="0">
-            <a:spAutoFit/>
-          </a:bodyPr>
-          <a:lstStyle/>
-          <a:p>
-            <a:r>
-              <a:rPr lang="nl-NL" dirty="0" smtClean="0"/>
-              <a:t>facturatie</a:t>
-            </a:r>
-            <a:endParaRPr lang="nl-NL" dirty="0"/>
-          </a:p>
-        </p:txBody>
-      </p:sp>
-      <p:sp>
-        <p:nvSpPr>
-          <p:cNvPr id="2" name="Title 1"/>
-          <p:cNvSpPr>
-            <a:spLocks noGrp="1"/>
-          </p:cNvSpPr>
-          <p:nvPr>
-            <p:ph type="title"/>
-          </p:nvPr>
-        </p:nvSpPr>
-        <p:spPr>
-          <a:xfrm>
-            <a:off x="617538" y="473075"/>
-            <a:ext cx="8163164" cy="467411"/>
-          </a:xfrm>
-        </p:spPr>
-        <p:txBody>
-          <a:bodyPr/>
-          <a:lstStyle/>
-          <a:p>
-            <a:r>
-              <a:rPr lang="en-US" dirty="0"/>
-              <a:t>Recap 101</a:t>
-            </a:r>
-            <a:endParaRPr lang="nl-NL" dirty="0"/>
-          </a:p>
-        </p:txBody>
-      </p:sp>
-      <p:sp>
-        <p:nvSpPr>
-          <p:cNvPr id="4" name="Date Placeholder 3"/>
-          <p:cNvSpPr>
-            <a:spLocks noGrp="1"/>
-          </p:cNvSpPr>
-          <p:nvPr>
-            <p:ph type="dt" sz="half" idx="10"/>
-          </p:nvPr>
-        </p:nvSpPr>
-        <p:spPr/>
-        <p:txBody>
-          <a:bodyPr vert="horz" lIns="91440" tIns="45720" rIns="91440" bIns="45720" rtlCol="0" anchor="ctr"/>
-          <a:lstStyle/>
-          <a:p>
-            <a:fld id="{AC42B15C-624E-4350-B377-5A5C047BADFC}" type="datetime4">
-              <a:rPr lang="nl-NL" sz="900" cap="all" smtClean="0">
-                <a:solidFill>
-                  <a:srgbClr val="009036"/>
-                </a:solidFill>
-              </a:rPr>
-              <a:t>13 september 2017</a:t>
-            </a:fld>
-            <a:endParaRPr lang="nl-NL" sz="900" cap="all" dirty="0">
-              <a:solidFill>
-                <a:srgbClr val="009036"/>
-              </a:solidFill>
-            </a:endParaRPr>
-          </a:p>
-        </p:txBody>
-      </p:sp>
-      <p:sp>
-        <p:nvSpPr>
-          <p:cNvPr id="5" name="Footer Placeholder 4"/>
-          <p:cNvSpPr>
-            <a:spLocks noGrp="1"/>
-          </p:cNvSpPr>
-          <p:nvPr>
-            <p:ph type="ftr" sz="quarter" idx="11"/>
-          </p:nvPr>
-        </p:nvSpPr>
-        <p:spPr/>
-        <p:txBody>
-          <a:bodyPr vert="horz" lIns="91440" tIns="45720" rIns="91440" bIns="45720" rtlCol="0" anchor="ctr"/>
-          <a:lstStyle/>
-          <a:p>
-            <a:r>
-              <a:rPr lang="nl-NL" smtClean="0">
-                <a:solidFill>
-                  <a:srgbClr val="009036"/>
-                </a:solidFill>
-              </a:rPr>
-              <a:t>Johannes Sim &amp; Renzo veldkamp</a:t>
-            </a:r>
-            <a:endParaRPr lang="nl-NL" dirty="0">
-              <a:solidFill>
-                <a:srgbClr val="009036"/>
-              </a:solidFill>
-            </a:endParaRPr>
-          </a:p>
-        </p:txBody>
-      </p:sp>
-      <p:sp>
-        <p:nvSpPr>
-          <p:cNvPr id="25" name="Stroomdiagram: Proces 24"/>
+          <p:cNvPr id="27" name="Rechthoek 26"/>
           <p:cNvSpPr/>
           <p:nvPr/>
         </p:nvSpPr>
         <p:spPr>
           <a:xfrm>
-            <a:off x="5334815" y="2186673"/>
-            <a:ext cx="1291908" cy="725703"/>
-          </a:xfrm>
-          <a:prstGeom prst="flowChartProcess">
+            <a:off x="5339736" y="3674376"/>
+            <a:ext cx="1289231" cy="762000"/>
+          </a:xfrm>
+          <a:prstGeom prst="rect">
             <a:avLst/>
           </a:prstGeom>
           <a:solidFill>
@@ -5828,7 +5994,7 @@
             <a:pPr algn="ctr"/>
             <a:r>
               <a:rPr lang="nl-NL" dirty="0" smtClean="0"/>
-              <a:t>presentatie</a:t>
+              <a:t>data</a:t>
             </a:r>
             <a:endParaRPr lang="nl-NL" dirty="0"/>
           </a:p>
@@ -5836,13 +6002,66 @@
       </p:sp>
       <p:sp>
         <p:nvSpPr>
-          <p:cNvPr id="26" name="Rechthoek 25"/>
+          <p:cNvPr id="28" name="Stroomdiagram: Proces 27"/>
           <p:cNvSpPr/>
           <p:nvPr/>
         </p:nvSpPr>
         <p:spPr>
           <a:xfrm>
-            <a:off x="5334815" y="2912376"/>
+            <a:off x="2740342" y="2186673"/>
+            <a:ext cx="1291908" cy="727978"/>
+          </a:xfrm>
+          <a:prstGeom prst="flowChartProcess">
+            <a:avLst/>
+          </a:prstGeom>
+          <a:ln/>
+        </p:spPr>
+        <p:style>
+          <a:lnRef idx="2">
+            <a:schemeClr val="accent5">
+              <a:shade val="50000"/>
+            </a:schemeClr>
+          </a:lnRef>
+          <a:fillRef idx="1">
+            <a:schemeClr val="accent5"/>
+          </a:fillRef>
+          <a:effectRef idx="0">
+            <a:schemeClr val="accent5"/>
+          </a:effectRef>
+          <a:fontRef idx="minor">
+            <a:schemeClr val="lt1"/>
+          </a:fontRef>
+        </p:style>
+        <p:txBody>
+          <a:bodyPr rtlCol="0" anchor="ctr"/>
+          <a:lstStyle/>
+          <a:p>
+            <a:pPr algn="ctr"/>
+            <a:r>
+              <a:rPr lang="nl-NL" dirty="0">
+                <a:solidFill>
+                  <a:schemeClr val="tx1"/>
+                </a:solidFill>
+              </a:rPr>
+              <a:t>presentatie</a:t>
+            </a:r>
+            <a:endParaRPr lang="nl-NL" dirty="0">
+              <a:solidFill>
+                <a:schemeClr val="tx1"/>
+              </a:solidFill>
+            </a:endParaRPr>
+          </a:p>
+        </p:txBody>
+      </p:sp>
+      <p:sp>
+        <p:nvSpPr>
+          <p:cNvPr id="29" name="Rechthoek 28"/>
+          <p:cNvSpPr/>
+          <p:nvPr/>
+        </p:nvSpPr>
+        <p:spPr>
+          <a:xfrm>
+            <a:off x="2740342" y="2913380"/>
             <a:ext cx="1291908" cy="762000"/>
           </a:xfrm>
           <a:prstGeom prst="rect">
@@ -5888,13 +6107,13 @@
       </p:sp>
       <p:sp>
         <p:nvSpPr>
-          <p:cNvPr id="27" name="Rechthoek 26"/>
+          <p:cNvPr id="30" name="Rechthoek 29"/>
           <p:cNvSpPr/>
           <p:nvPr/>
         </p:nvSpPr>
         <p:spPr>
           <a:xfrm>
-            <a:off x="5339736" y="3674376"/>
+            <a:off x="2745263" y="3675380"/>
             <a:ext cx="1289231" cy="762000"/>
           </a:xfrm>
           <a:prstGeom prst="rect">
@@ -5940,16 +6159,69 @@
       </p:sp>
       <p:sp>
         <p:nvSpPr>
-          <p:cNvPr id="28" name="Stroomdiagram: Proces 27"/>
+          <p:cNvPr id="31" name="Stroomdiagram: Proces 30"/>
           <p:cNvSpPr/>
           <p:nvPr/>
         </p:nvSpPr>
         <p:spPr>
           <a:xfrm>
-            <a:off x="2740342" y="2186673"/>
-            <a:ext cx="1291908" cy="727978"/>
+            <a:off x="1452107" y="2185111"/>
+            <a:ext cx="1291908" cy="729107"/>
           </a:xfrm>
           <a:prstGeom prst="flowChartProcess">
+            <a:avLst/>
+          </a:prstGeom>
+          <a:ln/>
+        </p:spPr>
+        <p:style>
+          <a:lnRef idx="2">
+            <a:schemeClr val="accent5">
+              <a:shade val="50000"/>
+            </a:schemeClr>
+          </a:lnRef>
+          <a:fillRef idx="1">
+            <a:schemeClr val="accent5"/>
+          </a:fillRef>
+          <a:effectRef idx="0">
+            <a:schemeClr val="accent5"/>
+          </a:effectRef>
+          <a:fontRef idx="minor">
+            <a:schemeClr val="lt1"/>
+          </a:fontRef>
+        </p:style>
+        <p:txBody>
+          <a:bodyPr rtlCol="0" anchor="ctr"/>
+          <a:lstStyle/>
+          <a:p>
+            <a:pPr algn="ctr"/>
+            <a:r>
+              <a:rPr lang="nl-NL" dirty="0">
+                <a:solidFill>
+                  <a:schemeClr val="tx1"/>
+                </a:solidFill>
+              </a:rPr>
+              <a:t>presentatie</a:t>
+            </a:r>
+            <a:endParaRPr lang="nl-NL" dirty="0">
+              <a:solidFill>
+                <a:schemeClr val="tx1"/>
+              </a:solidFill>
+            </a:endParaRPr>
+          </a:p>
+        </p:txBody>
+      </p:sp>
+      <p:sp>
+        <p:nvSpPr>
+          <p:cNvPr id="32" name="Rechthoek 31"/>
+          <p:cNvSpPr/>
+          <p:nvPr/>
+        </p:nvSpPr>
+        <p:spPr>
+          <a:xfrm>
+            <a:off x="1452107" y="2914218"/>
+            <a:ext cx="1291908" cy="762000"/>
+          </a:xfrm>
+          <a:prstGeom prst="rect">
             <a:avLst/>
           </a:prstGeom>
           <a:solidFill>
@@ -5984,7 +6256,7 @@
             <a:pPr algn="ctr"/>
             <a:r>
               <a:rPr lang="nl-NL" dirty="0" smtClean="0"/>
-              <a:t>presentatie</a:t>
+              <a:t>logica</a:t>
             </a:r>
             <a:endParaRPr lang="nl-NL" dirty="0"/>
           </a:p>
@@ -5992,14 +6264,14 @@
       </p:sp>
       <p:sp>
         <p:nvSpPr>
-          <p:cNvPr id="29" name="Rechthoek 28"/>
+          <p:cNvPr id="33" name="Rechthoek 32"/>
           <p:cNvSpPr/>
           <p:nvPr/>
         </p:nvSpPr>
         <p:spPr>
           <a:xfrm>
-            <a:off x="2740342" y="2913380"/>
-            <a:ext cx="1291908" cy="762000"/>
+            <a:off x="1452880" y="3676218"/>
+            <a:ext cx="1293379" cy="762000"/>
           </a:xfrm>
           <a:prstGeom prst="rect">
             <a:avLst/>
@@ -6036,7 +6308,7 @@
             <a:pPr algn="ctr"/>
             <a:r>
               <a:rPr lang="nl-NL" dirty="0" smtClean="0"/>
-              <a:t>logica</a:t>
+              <a:t>data</a:t>
             </a:r>
             <a:endParaRPr lang="nl-NL" dirty="0"/>
           </a:p>
@@ -6044,16 +6316,104 @@
       </p:sp>
       <p:sp>
         <p:nvSpPr>
-          <p:cNvPr id="30" name="Rechthoek 29"/>
+          <p:cNvPr id="37" name="Tekstvak 36"/>
+          <p:cNvSpPr txBox="1"/>
+          <p:nvPr/>
+        </p:nvSpPr>
+        <p:spPr>
+          <a:xfrm>
+            <a:off x="1245415" y="1709306"/>
+            <a:ext cx="1521827" cy="369332"/>
+          </a:xfrm>
+          <a:prstGeom prst="rect">
+            <a:avLst/>
+          </a:prstGeom>
+          <a:noFill/>
+        </p:spPr>
+        <p:txBody>
+          <a:bodyPr wrap="none" rtlCol="0">
+            <a:spAutoFit/>
+          </a:bodyPr>
+          <a:lstStyle/>
+          <a:p>
+            <a:r>
+              <a:rPr lang="nl-NL" dirty="0" smtClean="0"/>
+              <a:t>klantgegevens</a:t>
+            </a:r>
+            <a:endParaRPr lang="nl-NL" dirty="0"/>
+          </a:p>
+        </p:txBody>
+      </p:sp>
+      <p:sp>
+        <p:nvSpPr>
+          <p:cNvPr id="38" name="Tekstvak 37"/>
+          <p:cNvSpPr txBox="1"/>
+          <p:nvPr/>
+        </p:nvSpPr>
+        <p:spPr>
+          <a:xfrm>
+            <a:off x="2979039" y="1710868"/>
+            <a:ext cx="821315" cy="369332"/>
+          </a:xfrm>
+          <a:prstGeom prst="rect">
+            <a:avLst/>
+          </a:prstGeom>
+          <a:noFill/>
+        </p:spPr>
+        <p:txBody>
+          <a:bodyPr wrap="none" rtlCol="0">
+            <a:spAutoFit/>
+          </a:bodyPr>
+          <a:lstStyle/>
+          <a:p>
+            <a:r>
+              <a:rPr lang="nl-NL" dirty="0"/>
+              <a:t>inkoop</a:t>
+            </a:r>
+          </a:p>
+        </p:txBody>
+      </p:sp>
+      <p:sp>
+        <p:nvSpPr>
+          <p:cNvPr id="40" name="Tekstvak 39"/>
+          <p:cNvSpPr txBox="1"/>
+          <p:nvPr/>
+        </p:nvSpPr>
+        <p:spPr>
+          <a:xfrm>
+            <a:off x="5441060" y="1710868"/>
+            <a:ext cx="957955" cy="369332"/>
+          </a:xfrm>
+          <a:prstGeom prst="rect">
+            <a:avLst/>
+          </a:prstGeom>
+          <a:noFill/>
+        </p:spPr>
+        <p:txBody>
+          <a:bodyPr wrap="none" rtlCol="0">
+            <a:spAutoFit/>
+          </a:bodyPr>
+          <a:lstStyle/>
+          <a:p>
+            <a:r>
+              <a:rPr lang="nl-NL" dirty="0"/>
+              <a:t>logistiek</a:t>
+            </a:r>
+          </a:p>
+        </p:txBody>
+      </p:sp>
+      <p:sp>
+        <p:nvSpPr>
+          <p:cNvPr id="41" name="Stroomdiagram: Proces 40"/>
           <p:cNvSpPr/>
           <p:nvPr/>
         </p:nvSpPr>
         <p:spPr>
           <a:xfrm>
-            <a:off x="2745263" y="3675380"/>
-            <a:ext cx="1289231" cy="762000"/>
-          </a:xfrm>
-          <a:prstGeom prst="rect">
+            <a:off x="773927" y="2189480"/>
+            <a:ext cx="1291908" cy="724738"/>
+          </a:xfrm>
+          <a:prstGeom prst="flowChartProcess">
             <a:avLst/>
           </a:prstGeom>
           <a:solidFill>
@@ -6087,8 +6447,8 @@
           <a:p>
             <a:pPr algn="ctr"/>
             <a:r>
-              <a:rPr lang="nl-NL" dirty="0" smtClean="0"/>
-              <a:t>data</a:t>
+              <a:rPr lang="nl-NL" dirty="0" err="1" smtClean="0"/>
+              <a:t>api</a:t>
             </a:r>
             <a:endParaRPr lang="nl-NL" dirty="0"/>
           </a:p>
@@ -6096,16 +6456,16 @@
       </p:sp>
       <p:sp>
         <p:nvSpPr>
-          <p:cNvPr id="31" name="Stroomdiagram: Proces 30"/>
+          <p:cNvPr id="42" name="Rechthoek 41"/>
           <p:cNvSpPr/>
           <p:nvPr/>
         </p:nvSpPr>
         <p:spPr>
           <a:xfrm>
-            <a:off x="1452107" y="2185111"/>
-            <a:ext cx="1291908" cy="729107"/>
-          </a:xfrm>
-          <a:prstGeom prst="flowChartProcess">
+            <a:off x="773927" y="2914218"/>
+            <a:ext cx="1291908" cy="762000"/>
+          </a:xfrm>
+          <a:prstGeom prst="rect">
             <a:avLst/>
           </a:prstGeom>
           <a:solidFill>
@@ -6140,7 +6500,7 @@
             <a:pPr algn="ctr"/>
             <a:r>
               <a:rPr lang="nl-NL" dirty="0" smtClean="0"/>
-              <a:t>presentatie</a:t>
+              <a:t>logica</a:t>
             </a:r>
             <a:endParaRPr lang="nl-NL" dirty="0"/>
           </a:p>
@@ -6148,14 +6508,14 @@
       </p:sp>
       <p:sp>
         <p:nvSpPr>
-          <p:cNvPr id="32" name="Rechthoek 31"/>
+          <p:cNvPr id="43" name="Rechthoek 42"/>
           <p:cNvSpPr/>
           <p:nvPr/>
         </p:nvSpPr>
         <p:spPr>
           <a:xfrm>
-            <a:off x="1452107" y="2914218"/>
-            <a:ext cx="1291908" cy="762000"/>
+            <a:off x="772160" y="3676218"/>
+            <a:ext cx="1293675" cy="762000"/>
           </a:xfrm>
           <a:prstGeom prst="rect">
             <a:avLst/>
@@ -6192,7 +6552,7 @@
             <a:pPr algn="ctr"/>
             <a:r>
               <a:rPr lang="nl-NL" dirty="0" smtClean="0"/>
-              <a:t>logica</a:t>
+              <a:t>data</a:t>
             </a:r>
             <a:endParaRPr lang="nl-NL" dirty="0"/>
           </a:p>
@@ -6200,16 +6560,46 @@
       </p:sp>
       <p:sp>
         <p:nvSpPr>
-          <p:cNvPr id="33" name="Rechthoek 32"/>
+          <p:cNvPr id="44" name="Tekstvak 43"/>
+          <p:cNvSpPr txBox="1"/>
+          <p:nvPr/>
+        </p:nvSpPr>
+        <p:spPr>
+          <a:xfrm>
+            <a:off x="567235" y="1709306"/>
+            <a:ext cx="1521827" cy="369332"/>
+          </a:xfrm>
+          <a:prstGeom prst="rect">
+            <a:avLst/>
+          </a:prstGeom>
+          <a:noFill/>
+        </p:spPr>
+        <p:txBody>
+          <a:bodyPr wrap="none" rtlCol="0">
+            <a:spAutoFit/>
+          </a:bodyPr>
+          <a:lstStyle/>
+          <a:p>
+            <a:r>
+              <a:rPr lang="nl-NL" dirty="0" smtClean="0"/>
+              <a:t>klantgegevens</a:t>
+            </a:r>
+            <a:endParaRPr lang="nl-NL" dirty="0"/>
+          </a:p>
+        </p:txBody>
+      </p:sp>
+      <p:sp>
+        <p:nvSpPr>
+          <p:cNvPr id="45" name="Stroomdiagram: Proces 44"/>
           <p:cNvSpPr/>
           <p:nvPr/>
         </p:nvSpPr>
         <p:spPr>
           <a:xfrm>
-            <a:off x="1452880" y="3676218"/>
-            <a:ext cx="1293379" cy="762000"/>
-          </a:xfrm>
-          <a:prstGeom prst="rect">
+            <a:off x="2741748" y="909650"/>
+            <a:ext cx="1291908" cy="727978"/>
+          </a:xfrm>
+          <a:prstGeom prst="flowChartProcess">
             <a:avLst/>
           </a:prstGeom>
           <a:solidFill>
@@ -6243,8 +6633,8 @@
           <a:p>
             <a:pPr algn="ctr"/>
             <a:r>
-              <a:rPr lang="nl-NL" dirty="0" smtClean="0"/>
-              <a:t>data</a:t>
+              <a:rPr lang="nl-NL" dirty="0" err="1"/>
+              <a:t>api</a:t>
             </a:r>
             <a:endParaRPr lang="nl-NL" dirty="0"/>
           </a:p>
@@ -6252,104 +6642,16 @@
       </p:sp>
       <p:sp>
         <p:nvSpPr>
-          <p:cNvPr id="37" name="Tekstvak 36"/>
-          <p:cNvSpPr txBox="1"/>
-          <p:nvPr/>
-        </p:nvSpPr>
-        <p:spPr>
-          <a:xfrm>
-            <a:off x="1245415" y="1709306"/>
-            <a:ext cx="1521827" cy="369332"/>
-          </a:xfrm>
-          <a:prstGeom prst="rect">
-            <a:avLst/>
-          </a:prstGeom>
-          <a:noFill/>
-        </p:spPr>
-        <p:txBody>
-          <a:bodyPr wrap="none" rtlCol="0">
-            <a:spAutoFit/>
-          </a:bodyPr>
-          <a:lstStyle/>
-          <a:p>
-            <a:r>
-              <a:rPr lang="nl-NL" dirty="0" smtClean="0"/>
-              <a:t>klantgegevens</a:t>
-            </a:r>
-            <a:endParaRPr lang="nl-NL" dirty="0"/>
-          </a:p>
-        </p:txBody>
-      </p:sp>
-      <p:sp>
-        <p:nvSpPr>
-          <p:cNvPr id="38" name="Tekstvak 37"/>
-          <p:cNvSpPr txBox="1"/>
-          <p:nvPr/>
-        </p:nvSpPr>
-        <p:spPr>
-          <a:xfrm>
-            <a:off x="2979039" y="1710868"/>
-            <a:ext cx="821315" cy="369332"/>
-          </a:xfrm>
-          <a:prstGeom prst="rect">
-            <a:avLst/>
-          </a:prstGeom>
-          <a:noFill/>
-        </p:spPr>
-        <p:txBody>
-          <a:bodyPr wrap="none" rtlCol="0">
-            <a:spAutoFit/>
-          </a:bodyPr>
-          <a:lstStyle/>
-          <a:p>
-            <a:r>
-              <a:rPr lang="nl-NL" dirty="0"/>
-              <a:t>inkoop</a:t>
-            </a:r>
-          </a:p>
-        </p:txBody>
-      </p:sp>
-      <p:sp>
-        <p:nvSpPr>
-          <p:cNvPr id="40" name="Tekstvak 39"/>
-          <p:cNvSpPr txBox="1"/>
-          <p:nvPr/>
-        </p:nvSpPr>
-        <p:spPr>
-          <a:xfrm>
-            <a:off x="5441060" y="1710868"/>
-            <a:ext cx="957955" cy="369332"/>
-          </a:xfrm>
-          <a:prstGeom prst="rect">
-            <a:avLst/>
-          </a:prstGeom>
-          <a:noFill/>
-        </p:spPr>
-        <p:txBody>
-          <a:bodyPr wrap="none" rtlCol="0">
-            <a:spAutoFit/>
-          </a:bodyPr>
-          <a:lstStyle/>
-          <a:p>
-            <a:r>
-              <a:rPr lang="nl-NL" dirty="0"/>
-              <a:t>logistiek</a:t>
-            </a:r>
-          </a:p>
-        </p:txBody>
-      </p:sp>
-      <p:sp>
-        <p:nvSpPr>
-          <p:cNvPr id="41" name="Stroomdiagram: Proces 40"/>
+          <p:cNvPr id="47" name="Rechthoek 46"/>
           <p:cNvSpPr/>
           <p:nvPr/>
         </p:nvSpPr>
         <p:spPr>
           <a:xfrm>
-            <a:off x="773927" y="2189480"/>
-            <a:ext cx="1291908" cy="724738"/>
-          </a:xfrm>
-          <a:prstGeom prst="flowChartProcess">
+            <a:off x="2746101" y="2392007"/>
+            <a:ext cx="1287420" cy="762000"/>
+          </a:xfrm>
+          <a:prstGeom prst="rect">
             <a:avLst/>
           </a:prstGeom>
           <a:solidFill>
@@ -6384,7 +6686,7 @@
             <a:pPr algn="ctr"/>
             <a:r>
               <a:rPr lang="nl-NL" dirty="0" smtClean="0"/>
-              <a:t>presentatie</a:t>
+              <a:t>data</a:t>
             </a:r>
             <a:endParaRPr lang="nl-NL" dirty="0"/>
           </a:p>
@@ -6392,16 +6694,46 @@
       </p:sp>
       <p:sp>
         <p:nvSpPr>
-          <p:cNvPr id="42" name="Rechthoek 41"/>
+          <p:cNvPr id="48" name="Tekstvak 47"/>
+          <p:cNvSpPr txBox="1"/>
+          <p:nvPr/>
+        </p:nvSpPr>
+        <p:spPr>
+          <a:xfrm>
+            <a:off x="4082050" y="799971"/>
+            <a:ext cx="821315" cy="369332"/>
+          </a:xfrm>
+          <a:prstGeom prst="rect">
+            <a:avLst/>
+          </a:prstGeom>
+          <a:noFill/>
+        </p:spPr>
+        <p:txBody>
+          <a:bodyPr wrap="none" rtlCol="0">
+            <a:spAutoFit/>
+          </a:bodyPr>
+          <a:lstStyle/>
+          <a:p>
+            <a:r>
+              <a:rPr lang="nl-NL" dirty="0" smtClean="0"/>
+              <a:t>inkoop</a:t>
+            </a:r>
+            <a:endParaRPr lang="nl-NL" dirty="0"/>
+          </a:p>
+        </p:txBody>
+      </p:sp>
+      <p:sp>
+        <p:nvSpPr>
+          <p:cNvPr id="53" name="Stroomdiagram: Proces 52"/>
           <p:cNvSpPr/>
           <p:nvPr/>
         </p:nvSpPr>
         <p:spPr>
           <a:xfrm>
-            <a:off x="773927" y="2914218"/>
-            <a:ext cx="1291908" cy="762000"/>
-          </a:xfrm>
-          <a:prstGeom prst="rect">
+            <a:off x="6828335" y="2943327"/>
+            <a:ext cx="1291908" cy="725703"/>
+          </a:xfrm>
+          <a:prstGeom prst="flowChartProcess">
             <a:avLst/>
           </a:prstGeom>
           <a:solidFill>
@@ -6435,8 +6767,8 @@
           <a:p>
             <a:pPr algn="ctr"/>
             <a:r>
-              <a:rPr lang="nl-NL" dirty="0" smtClean="0"/>
-              <a:t>logica</a:t>
+              <a:rPr lang="nl-NL" dirty="0" err="1"/>
+              <a:t>api</a:t>
             </a:r>
             <a:endParaRPr lang="nl-NL" dirty="0"/>
           </a:p>
@@ -6444,14 +6776,14 @@
       </p:sp>
       <p:sp>
         <p:nvSpPr>
-          <p:cNvPr id="43" name="Rechthoek 42"/>
+          <p:cNvPr id="54" name="Rechthoek 53"/>
           <p:cNvSpPr/>
           <p:nvPr/>
         </p:nvSpPr>
         <p:spPr>
           <a:xfrm>
-            <a:off x="772160" y="3676218"/>
-            <a:ext cx="1293675" cy="762000"/>
+            <a:off x="6828335" y="3669030"/>
+            <a:ext cx="1291908" cy="762000"/>
           </a:xfrm>
           <a:prstGeom prst="rect">
             <a:avLst/>
@@ -6488,7 +6820,7 @@
             <a:pPr algn="ctr"/>
             <a:r>
               <a:rPr lang="nl-NL" dirty="0" smtClean="0"/>
-              <a:t>data</a:t>
+              <a:t>logica</a:t>
             </a:r>
             <a:endParaRPr lang="nl-NL" dirty="0"/>
           </a:p>
@@ -6496,46 +6828,16 @@
       </p:sp>
       <p:sp>
         <p:nvSpPr>
-          <p:cNvPr id="44" name="Tekstvak 43"/>
-          <p:cNvSpPr txBox="1"/>
-          <p:nvPr/>
-        </p:nvSpPr>
-        <p:spPr>
-          <a:xfrm>
-            <a:off x="567235" y="1709306"/>
-            <a:ext cx="1521827" cy="369332"/>
-          </a:xfrm>
-          <a:prstGeom prst="rect">
-            <a:avLst/>
-          </a:prstGeom>
-          <a:noFill/>
-        </p:spPr>
-        <p:txBody>
-          <a:bodyPr wrap="none" rtlCol="0">
-            <a:spAutoFit/>
-          </a:bodyPr>
-          <a:lstStyle/>
-          <a:p>
-            <a:r>
-              <a:rPr lang="nl-NL" dirty="0" smtClean="0"/>
-              <a:t>klantgegevens</a:t>
-            </a:r>
-            <a:endParaRPr lang="nl-NL" dirty="0"/>
-          </a:p>
-        </p:txBody>
-      </p:sp>
-      <p:sp>
-        <p:nvSpPr>
-          <p:cNvPr id="45" name="Stroomdiagram: Proces 44"/>
+          <p:cNvPr id="55" name="Rechthoek 54"/>
           <p:cNvSpPr/>
           <p:nvPr/>
         </p:nvSpPr>
         <p:spPr>
           <a:xfrm>
-            <a:off x="2741748" y="909650"/>
-            <a:ext cx="1291908" cy="727978"/>
-          </a:xfrm>
-          <a:prstGeom prst="flowChartProcess">
+            <a:off x="6828336" y="4431030"/>
+            <a:ext cx="1294152" cy="762000"/>
+          </a:xfrm>
+          <a:prstGeom prst="rect">
             <a:avLst/>
           </a:prstGeom>
           <a:solidFill>
@@ -6570,7 +6872,7 @@
             <a:pPr algn="ctr"/>
             <a:r>
               <a:rPr lang="nl-NL" dirty="0" smtClean="0"/>
-              <a:t>presentatie</a:t>
+              <a:t>data</a:t>
             </a:r>
             <a:endParaRPr lang="nl-NL" dirty="0"/>
           </a:p>
@@ -6578,66 +6880,14 @@
       </p:sp>
       <p:sp>
         <p:nvSpPr>
-          <p:cNvPr id="47" name="Rechthoek 46"/>
-          <p:cNvSpPr/>
-          <p:nvPr/>
-        </p:nvSpPr>
-        <p:spPr>
-          <a:xfrm>
-            <a:off x="2746101" y="2392007"/>
-            <a:ext cx="1287420" cy="762000"/>
-          </a:xfrm>
-          <a:prstGeom prst="rect">
-            <a:avLst/>
-          </a:prstGeom>
-          <a:solidFill>
-            <a:srgbClr val="92D050"/>
-          </a:solidFill>
-          <a:ln>
-            <a:solidFill>
-              <a:srgbClr val="00B050"/>
-            </a:solidFill>
-          </a:ln>
-        </p:spPr>
-        <p:style>
-          <a:lnRef idx="2">
-            <a:schemeClr val="accent1">
-              <a:shade val="50000"/>
-            </a:schemeClr>
-          </a:lnRef>
-          <a:fillRef idx="1">
-            <a:schemeClr val="accent1"/>
-          </a:fillRef>
-          <a:effectRef idx="0">
-            <a:schemeClr val="accent1"/>
-          </a:effectRef>
-          <a:fontRef idx="minor">
-            <a:schemeClr val="lt1"/>
-          </a:fontRef>
-        </p:style>
-        <p:txBody>
-          <a:bodyPr rtlCol="0" anchor="ctr"/>
-          <a:lstStyle/>
-          <a:p>
-            <a:pPr algn="ctr"/>
-            <a:r>
-              <a:rPr lang="nl-NL" dirty="0" smtClean="0"/>
-              <a:t>data</a:t>
-            </a:r>
-            <a:endParaRPr lang="nl-NL" dirty="0"/>
-          </a:p>
-        </p:txBody>
-      </p:sp>
-      <p:sp>
-        <p:nvSpPr>
-          <p:cNvPr id="48" name="Tekstvak 47"/>
+          <p:cNvPr id="56" name="Tekstvak 55"/>
           <p:cNvSpPr txBox="1"/>
           <p:nvPr/>
         </p:nvSpPr>
         <p:spPr>
           <a:xfrm>
-            <a:off x="4082050" y="799971"/>
-            <a:ext cx="821315" cy="369332"/>
+            <a:off x="6934580" y="2467522"/>
+            <a:ext cx="957955" cy="369332"/>
           </a:xfrm>
           <a:prstGeom prst="rect">
             <a:avLst/>
@@ -6652,192 +6902,6 @@
           <a:p>
             <a:r>
               <a:rPr lang="nl-NL" dirty="0" smtClean="0"/>
-              <a:t>inkoop</a:t>
-            </a:r>
-            <a:endParaRPr lang="nl-NL" dirty="0"/>
-          </a:p>
-        </p:txBody>
-      </p:sp>
-      <p:sp>
-        <p:nvSpPr>
-          <p:cNvPr id="53" name="Stroomdiagram: Proces 52"/>
-          <p:cNvSpPr/>
-          <p:nvPr/>
-        </p:nvSpPr>
-        <p:spPr>
-          <a:xfrm>
-            <a:off x="6828335" y="2943327"/>
-            <a:ext cx="1291908" cy="725703"/>
-          </a:xfrm>
-          <a:prstGeom prst="flowChartProcess">
-            <a:avLst/>
-          </a:prstGeom>
-          <a:solidFill>
-            <a:srgbClr val="92D050"/>
-          </a:solidFill>
-          <a:ln>
-            <a:solidFill>
-              <a:srgbClr val="00B050"/>
-            </a:solidFill>
-          </a:ln>
-        </p:spPr>
-        <p:style>
-          <a:lnRef idx="2">
-            <a:schemeClr val="accent1">
-              <a:shade val="50000"/>
-            </a:schemeClr>
-          </a:lnRef>
-          <a:fillRef idx="1">
-            <a:schemeClr val="accent1"/>
-          </a:fillRef>
-          <a:effectRef idx="0">
-            <a:schemeClr val="accent1"/>
-          </a:effectRef>
-          <a:fontRef idx="minor">
-            <a:schemeClr val="lt1"/>
-          </a:fontRef>
-        </p:style>
-        <p:txBody>
-          <a:bodyPr rtlCol="0" anchor="ctr"/>
-          <a:lstStyle/>
-          <a:p>
-            <a:pPr algn="ctr"/>
-            <a:r>
-              <a:rPr lang="nl-NL" dirty="0" smtClean="0"/>
-              <a:t>presentatie</a:t>
-            </a:r>
-            <a:endParaRPr lang="nl-NL" dirty="0"/>
-          </a:p>
-        </p:txBody>
-      </p:sp>
-      <p:sp>
-        <p:nvSpPr>
-          <p:cNvPr id="54" name="Rechthoek 53"/>
-          <p:cNvSpPr/>
-          <p:nvPr/>
-        </p:nvSpPr>
-        <p:spPr>
-          <a:xfrm>
-            <a:off x="6828335" y="3669030"/>
-            <a:ext cx="1291908" cy="762000"/>
-          </a:xfrm>
-          <a:prstGeom prst="rect">
-            <a:avLst/>
-          </a:prstGeom>
-          <a:solidFill>
-            <a:srgbClr val="92D050"/>
-          </a:solidFill>
-          <a:ln>
-            <a:solidFill>
-              <a:srgbClr val="00B050"/>
-            </a:solidFill>
-          </a:ln>
-        </p:spPr>
-        <p:style>
-          <a:lnRef idx="2">
-            <a:schemeClr val="accent1">
-              <a:shade val="50000"/>
-            </a:schemeClr>
-          </a:lnRef>
-          <a:fillRef idx="1">
-            <a:schemeClr val="accent1"/>
-          </a:fillRef>
-          <a:effectRef idx="0">
-            <a:schemeClr val="accent1"/>
-          </a:effectRef>
-          <a:fontRef idx="minor">
-            <a:schemeClr val="lt1"/>
-          </a:fontRef>
-        </p:style>
-        <p:txBody>
-          <a:bodyPr rtlCol="0" anchor="ctr"/>
-          <a:lstStyle/>
-          <a:p>
-            <a:pPr algn="ctr"/>
-            <a:r>
-              <a:rPr lang="nl-NL" dirty="0" smtClean="0"/>
-              <a:t>logica</a:t>
-            </a:r>
-            <a:endParaRPr lang="nl-NL" dirty="0"/>
-          </a:p>
-        </p:txBody>
-      </p:sp>
-      <p:sp>
-        <p:nvSpPr>
-          <p:cNvPr id="55" name="Rechthoek 54"/>
-          <p:cNvSpPr/>
-          <p:nvPr/>
-        </p:nvSpPr>
-        <p:spPr>
-          <a:xfrm>
-            <a:off x="6828336" y="4431030"/>
-            <a:ext cx="1294152" cy="762000"/>
-          </a:xfrm>
-          <a:prstGeom prst="rect">
-            <a:avLst/>
-          </a:prstGeom>
-          <a:solidFill>
-            <a:srgbClr val="92D050"/>
-          </a:solidFill>
-          <a:ln>
-            <a:solidFill>
-              <a:srgbClr val="00B050"/>
-            </a:solidFill>
-          </a:ln>
-        </p:spPr>
-        <p:style>
-          <a:lnRef idx="2">
-            <a:schemeClr val="accent1">
-              <a:shade val="50000"/>
-            </a:schemeClr>
-          </a:lnRef>
-          <a:fillRef idx="1">
-            <a:schemeClr val="accent1"/>
-          </a:fillRef>
-          <a:effectRef idx="0">
-            <a:schemeClr val="accent1"/>
-          </a:effectRef>
-          <a:fontRef idx="minor">
-            <a:schemeClr val="lt1"/>
-          </a:fontRef>
-        </p:style>
-        <p:txBody>
-          <a:bodyPr rtlCol="0" anchor="ctr"/>
-          <a:lstStyle/>
-          <a:p>
-            <a:pPr algn="ctr"/>
-            <a:r>
-              <a:rPr lang="nl-NL" dirty="0" smtClean="0"/>
-              <a:t>data</a:t>
-            </a:r>
-            <a:endParaRPr lang="nl-NL" dirty="0"/>
-          </a:p>
-        </p:txBody>
-      </p:sp>
-      <p:sp>
-        <p:nvSpPr>
-          <p:cNvPr id="56" name="Tekstvak 55"/>
-          <p:cNvSpPr txBox="1"/>
-          <p:nvPr/>
-        </p:nvSpPr>
-        <p:spPr>
-          <a:xfrm>
-            <a:off x="6934580" y="2467522"/>
-            <a:ext cx="957955" cy="369332"/>
-          </a:xfrm>
-          <a:prstGeom prst="rect">
-            <a:avLst/>
-          </a:prstGeom>
-          <a:noFill/>
-        </p:spPr>
-        <p:txBody>
-          <a:bodyPr wrap="none" rtlCol="0">
-            <a:spAutoFit/>
-          </a:bodyPr>
-          <a:lstStyle/>
-          <a:p>
-            <a:r>
-              <a:rPr lang="nl-NL" dirty="0" smtClean="0"/>
               <a:t>logistiek</a:t>
             </a:r>
             <a:endParaRPr lang="nl-NL" dirty="0"/>
@@ -6848,15 +6912,15 @@
         <p:nvCxnSpPr>
           <p:cNvPr id="58" name="Rechte verbindingslijn met pijl 57"/>
           <p:cNvCxnSpPr>
-            <a:stCxn id="42" idx="3"/>
-            <a:endCxn id="50" idx="1"/>
+            <a:stCxn id="41" idx="3"/>
+            <a:endCxn id="49" idx="1"/>
           </p:cNvCxnSpPr>
           <p:nvPr/>
         </p:nvCxnSpPr>
         <p:spPr>
           <a:xfrm>
-            <a:off x="2065835" y="3295218"/>
-            <a:ext cx="1537947" cy="1621297"/>
+            <a:off x="2065835" y="2551849"/>
+            <a:ext cx="1537947" cy="1620815"/>
           </a:xfrm>
           <a:prstGeom prst="straightConnector1">
             <a:avLst/>
@@ -6888,15 +6952,15 @@
         <p:nvCxnSpPr>
           <p:cNvPr id="60" name="Rechte verbindingslijn met pijl 59"/>
           <p:cNvCxnSpPr>
-            <a:stCxn id="42" idx="3"/>
-            <a:endCxn id="54" idx="1"/>
+            <a:stCxn id="41" idx="3"/>
+            <a:endCxn id="53" idx="1"/>
           </p:cNvCxnSpPr>
           <p:nvPr/>
         </p:nvCxnSpPr>
         <p:spPr>
           <a:xfrm>
-            <a:off x="2065835" y="3295218"/>
-            <a:ext cx="4762500" cy="754812"/>
+            <a:off x="2065835" y="2551849"/>
+            <a:ext cx="4762500" cy="754330"/>
           </a:xfrm>
           <a:prstGeom prst="straightConnector1">
             <a:avLst/>
@@ -6928,15 +6992,15 @@
         <p:nvCxnSpPr>
           <p:cNvPr id="64" name="Rechte verbindingslijn met pijl 63"/>
           <p:cNvCxnSpPr>
-            <a:stCxn id="46" idx="3"/>
-            <a:endCxn id="54" idx="1"/>
+            <a:stCxn id="45" idx="3"/>
+            <a:endCxn id="53" idx="1"/>
           </p:cNvCxnSpPr>
           <p:nvPr/>
         </p:nvCxnSpPr>
         <p:spPr>
           <a:xfrm>
-            <a:off x="4033656" y="2011007"/>
-            <a:ext cx="2794679" cy="2039023"/>
+            <a:off x="4033656" y="1273639"/>
+            <a:ext cx="2794679" cy="2032540"/>
           </a:xfrm>
           <a:prstGeom prst="straightConnector1">
             <a:avLst/>
@@ -6968,14 +7032,14 @@
         <p:nvCxnSpPr>
           <p:cNvPr id="66" name="Rechte verbindingslijn met pijl 65"/>
           <p:cNvCxnSpPr>
-            <a:stCxn id="50" idx="3"/>
-            <a:endCxn id="54" idx="1"/>
+            <a:stCxn id="49" idx="3"/>
+            <a:endCxn id="53" idx="1"/>
           </p:cNvCxnSpPr>
           <p:nvPr/>
         </p:nvCxnSpPr>
         <p:spPr>
           <a:xfrm flipV="1">
-            <a:off x="4895690" y="4050030"/>
+            <a:off x="4895690" y="3306179"/>
             <a:ext cx="1932645" cy="866485"/>
           </a:xfrm>
           <a:prstGeom prst="straightConnector1">
@@ -7008,15 +7072,15 @@
         <p:nvCxnSpPr>
           <p:cNvPr id="68" name="Rechte verbindingslijn met pijl 67"/>
           <p:cNvCxnSpPr>
-            <a:stCxn id="42" idx="3"/>
-            <a:endCxn id="46" idx="1"/>
+            <a:stCxn id="41" idx="3"/>
+            <a:endCxn id="45" idx="1"/>
           </p:cNvCxnSpPr>
           <p:nvPr/>
         </p:nvCxnSpPr>
         <p:spPr>
           <a:xfrm flipV="1">
-            <a:off x="2065835" y="2011007"/>
-            <a:ext cx="675913" cy="1284211"/>
+            <a:off x="2065835" y="1273639"/>
+            <a:ext cx="675913" cy="1278210"/>
           </a:xfrm>
           <a:prstGeom prst="straightConnector1">
             <a:avLst/>
@@ -7044,18 +7108,239 @@
           </a:fontRef>
         </p:style>
       </p:cxnSp>
-      <p:sp>
-        <p:nvSpPr>
-          <p:cNvPr id="46" name="Rechthoek 45"/>
+      <p:cxnSp>
+        <p:nvCxnSpPr>
+          <p:cNvPr id="57" name="Rechte verbindingslijn met pijl 67"/>
+          <p:cNvCxnSpPr>
+            <a:stCxn id="41" idx="3"/>
+            <a:endCxn id="8" idx="2"/>
+          </p:cNvCxnSpPr>
+          <p:nvPr/>
+        </p:nvCxnSpPr>
+        <p:spPr>
+          <a:xfrm flipV="1">
+            <a:off x="2065835" y="1571110"/>
+            <a:ext cx="5336342" cy="980739"/>
+          </a:xfrm>
+          <a:prstGeom prst="straightConnector1">
+            <a:avLst/>
+          </a:prstGeom>
+          <a:ln w="19050">
+            <a:solidFill>
+              <a:srgbClr val="00B050"/>
+            </a:solidFill>
+            <a:headEnd type="triangle"/>
+            <a:tailEnd type="triangle"/>
+          </a:ln>
+        </p:spPr>
+        <p:style>
+          <a:lnRef idx="1">
+            <a:schemeClr val="accent1"/>
+          </a:lnRef>
+          <a:fillRef idx="0">
+            <a:schemeClr val="accent1"/>
+          </a:fillRef>
+          <a:effectRef idx="0">
+            <a:schemeClr val="accent1"/>
+          </a:effectRef>
+          <a:fontRef idx="minor">
+            <a:schemeClr val="tx1"/>
+          </a:fontRef>
+        </p:style>
+      </p:cxnSp>
+      <p:sp>
+        <p:nvSpPr>
+          <p:cNvPr id="8" name="Rectangle 7"/>
           <p:cNvSpPr/>
           <p:nvPr/>
         </p:nvSpPr>
         <p:spPr>
+          <a:xfrm rot="2319906">
+            <a:off x="5996174" y="998827"/>
+            <a:ext cx="3213558" cy="642722"/>
+          </a:xfrm>
+          <a:prstGeom prst="rect">
+            <a:avLst/>
+          </a:prstGeom>
+          <a:ln/>
+        </p:spPr>
+        <p:style>
+          <a:lnRef idx="2">
+            <a:schemeClr val="accent5">
+              <a:shade val="50000"/>
+            </a:schemeClr>
+          </a:lnRef>
+          <a:fillRef idx="1">
+            <a:schemeClr val="accent5"/>
+          </a:fillRef>
+          <a:effectRef idx="0">
+            <a:schemeClr val="accent5"/>
+          </a:effectRef>
+          <a:fontRef idx="minor">
+            <a:schemeClr val="lt1"/>
+          </a:fontRef>
+        </p:style>
+        <p:txBody>
+          <a:bodyPr rtlCol="0" anchor="ctr"/>
+          <a:lstStyle/>
+          <a:p>
+            <a:pPr algn="ctr"/>
+            <a:r>
+              <a:rPr lang="en-US" dirty="0">
+                <a:solidFill>
+                  <a:schemeClr val="tx1"/>
+                </a:solidFill>
+              </a:rPr>
+              <a:t>Client-</a:t>
+            </a:r>
+            <a:r>
+              <a:rPr lang="en-US" dirty="0" err="1">
+                <a:solidFill>
+                  <a:schemeClr val="tx1"/>
+                </a:solidFill>
+              </a:rPr>
+              <a:t>applicatie</a:t>
+            </a:r>
+            <a:endParaRPr lang="nl-NL" dirty="0">
+              <a:solidFill>
+                <a:schemeClr val="tx1"/>
+              </a:solidFill>
+            </a:endParaRPr>
+          </a:p>
+        </p:txBody>
+      </p:sp>
+      <p:cxnSp>
+        <p:nvCxnSpPr>
+          <p:cNvPr id="59" name="Rechte verbindingslijn met pijl 67"/>
+          <p:cNvCxnSpPr>
+            <a:stCxn id="45" idx="3"/>
+            <a:endCxn id="8" idx="2"/>
+          </p:cNvCxnSpPr>
+          <p:nvPr/>
+        </p:nvCxnSpPr>
+        <p:spPr>
           <a:xfrm>
-            <a:off x="2741748" y="1630007"/>
-            <a:ext cx="1291908" cy="762000"/>
-          </a:xfrm>
-          <a:prstGeom prst="rect">
+            <a:off x="4033656" y="1273639"/>
+            <a:ext cx="3368521" cy="297471"/>
+          </a:xfrm>
+          <a:prstGeom prst="straightConnector1">
+            <a:avLst/>
+          </a:prstGeom>
+          <a:ln w="19050">
+            <a:solidFill>
+              <a:srgbClr val="00B050"/>
+            </a:solidFill>
+            <a:headEnd type="triangle"/>
+            <a:tailEnd type="triangle"/>
+          </a:ln>
+        </p:spPr>
+        <p:style>
+          <a:lnRef idx="1">
+            <a:schemeClr val="accent1"/>
+          </a:lnRef>
+          <a:fillRef idx="0">
+            <a:schemeClr val="accent1"/>
+          </a:fillRef>
+          <a:effectRef idx="0">
+            <a:schemeClr val="accent1"/>
+          </a:effectRef>
+          <a:fontRef idx="minor">
+            <a:schemeClr val="tx1"/>
+          </a:fontRef>
+        </p:style>
+      </p:cxnSp>
+      <p:cxnSp>
+        <p:nvCxnSpPr>
+          <p:cNvPr id="61" name="Rechte verbindingslijn met pijl 67"/>
+          <p:cNvCxnSpPr>
+            <a:stCxn id="49" idx="3"/>
+            <a:endCxn id="8" idx="2"/>
+          </p:cNvCxnSpPr>
+          <p:nvPr/>
+        </p:nvCxnSpPr>
+        <p:spPr>
+          <a:xfrm flipV="1">
+            <a:off x="4895690" y="1571110"/>
+            <a:ext cx="2506487" cy="2601554"/>
+          </a:xfrm>
+          <a:prstGeom prst="straightConnector1">
+            <a:avLst/>
+          </a:prstGeom>
+          <a:ln w="19050">
+            <a:solidFill>
+              <a:srgbClr val="00B050"/>
+            </a:solidFill>
+            <a:headEnd type="triangle"/>
+            <a:tailEnd type="triangle"/>
+          </a:ln>
+        </p:spPr>
+        <p:style>
+          <a:lnRef idx="1">
+            <a:schemeClr val="accent1"/>
+          </a:lnRef>
+          <a:fillRef idx="0">
+            <a:schemeClr val="accent1"/>
+          </a:fillRef>
+          <a:effectRef idx="0">
+            <a:schemeClr val="accent1"/>
+          </a:effectRef>
+          <a:fontRef idx="minor">
+            <a:schemeClr val="tx1"/>
+          </a:fontRef>
+        </p:style>
+      </p:cxnSp>
+      <p:cxnSp>
+        <p:nvCxnSpPr>
+          <p:cNvPr id="62" name="Rechte verbindingslijn met pijl 67"/>
+          <p:cNvCxnSpPr>
+            <a:stCxn id="53" idx="0"/>
+            <a:endCxn id="8" idx="2"/>
+          </p:cNvCxnSpPr>
+          <p:nvPr/>
+        </p:nvCxnSpPr>
+        <p:spPr>
+          <a:xfrm flipH="1" flipV="1">
+            <a:off x="7402177" y="1571110"/>
+            <a:ext cx="72112" cy="1372217"/>
+          </a:xfrm>
+          <a:prstGeom prst="straightConnector1">
+            <a:avLst/>
+          </a:prstGeom>
+          <a:ln w="19050">
+            <a:solidFill>
+              <a:srgbClr val="00B050"/>
+            </a:solidFill>
+            <a:headEnd type="triangle"/>
+            <a:tailEnd type="triangle"/>
+          </a:ln>
+        </p:spPr>
+        <p:style>
+          <a:lnRef idx="1">
+            <a:schemeClr val="accent1"/>
+          </a:lnRef>
+          <a:fillRef idx="0">
+            <a:schemeClr val="accent1"/>
+          </a:fillRef>
+          <a:effectRef idx="0">
+            <a:schemeClr val="accent1"/>
+          </a:effectRef>
+          <a:fontRef idx="minor">
+            <a:schemeClr val="tx1"/>
+          </a:fontRef>
+        </p:style>
+      </p:cxnSp>
+      <p:sp>
+        <p:nvSpPr>
+          <p:cNvPr id="49" name="Stroomdiagram: Proces 48"/>
+          <p:cNvSpPr/>
+          <p:nvPr/>
+        </p:nvSpPr>
+        <p:spPr>
+          <a:xfrm>
+            <a:off x="3603782" y="3809812"/>
+            <a:ext cx="1291908" cy="725703"/>
+          </a:xfrm>
+          <a:prstGeom prst="flowChartProcess">
             <a:avLst/>
           </a:prstGeom>
           <a:solidFill>
@@ -7089,10 +7374,50 @@
           <a:p>
             <a:pPr algn="ctr"/>
             <a:r>
-              <a:rPr lang="nl-NL" dirty="0" smtClean="0"/>
-              <a:t>logica</a:t>
+              <a:rPr lang="nl-NL" dirty="0" err="1"/>
+              <a:t>api</a:t>
             </a:r>
             <a:endParaRPr lang="nl-NL" dirty="0"/>
+          </a:p>
+        </p:txBody>
+      </p:sp>
+      <p:sp>
+        <p:nvSpPr>
+          <p:cNvPr id="83" name="Smiley Face 82"/>
+          <p:cNvSpPr/>
+          <p:nvPr/>
+        </p:nvSpPr>
+        <p:spPr>
+          <a:xfrm>
+            <a:off x="7892535" y="283468"/>
+            <a:ext cx="792480" cy="746760"/>
+          </a:xfrm>
+          <a:prstGeom prst="smileyFace">
+            <a:avLst/>
+          </a:prstGeom>
+        </p:spPr>
+        <p:style>
+          <a:lnRef idx="2">
+            <a:schemeClr val="accent3">
+              <a:shade val="50000"/>
+            </a:schemeClr>
+          </a:lnRef>
+          <a:fillRef idx="1">
+            <a:schemeClr val="accent3"/>
+          </a:fillRef>
+          <a:effectRef idx="0">
+            <a:schemeClr val="accent3"/>
+          </a:effectRef>
+          <a:fontRef idx="minor">
+            <a:schemeClr val="lt1"/>
+          </a:fontRef>
+        </p:style>
+        <p:txBody>
+          <a:bodyPr rtlCol="0" anchor="ctr"/>
+          <a:lstStyle/>
+          <a:p>
+            <a:pPr algn="ctr"/>
+            <a:endParaRPr lang="nl-NL"/>
           </a:p>
         </p:txBody>
       </p:sp>
@@ -8520,6 +8845,209 @@
                                   </p:childTnLst>
                                 </p:cTn>
                               </p:par>
+                              <p:par>
+                                <p:cTn id="127" presetID="1" presetClass="entr" presetSubtype="0" fill="hold" grpId="0" nodeType="withEffect">
+                                  <p:stCondLst>
+                                    <p:cond delay="0"/>
+                                  </p:stCondLst>
+                                  <p:childTnLst>
+                                    <p:set>
+                                      <p:cBhvr>
+                                        <p:cTn id="128" dur="1" fill="hold">
+                                          <p:stCondLst>
+                                            <p:cond delay="0"/>
+                                          </p:stCondLst>
+                                        </p:cTn>
+                                        <p:tgtEl>
+                                          <p:spTgt spid="8"/>
+                                        </p:tgtEl>
+                                        <p:attrNameLst>
+                                          <p:attrName>style.visibility</p:attrName>
+                                        </p:attrNameLst>
+                                      </p:cBhvr>
+                                      <p:to>
+                                        <p:strVal val="visible"/>
+                                      </p:to>
+                                    </p:set>
+                                  </p:childTnLst>
+                                </p:cTn>
+                              </p:par>
+                            </p:childTnLst>
+                          </p:cTn>
+                        </p:par>
+                        <p:par>
+                          <p:cTn id="129" fill="hold">
+                            <p:stCondLst>
+                              <p:cond delay="1500"/>
+                            </p:stCondLst>
+                            <p:childTnLst>
+                              <p:par>
+                                <p:cTn id="130" presetID="10" presetClass="entr" presetSubtype="0" fill="hold" nodeType="afterEffect">
+                                  <p:stCondLst>
+                                    <p:cond delay="0"/>
+                                  </p:stCondLst>
+                                  <p:childTnLst>
+                                    <p:set>
+                                      <p:cBhvr>
+                                        <p:cTn id="131" dur="1" fill="hold">
+                                          <p:stCondLst>
+                                            <p:cond delay="0"/>
+                                          </p:stCondLst>
+                                        </p:cTn>
+                                        <p:tgtEl>
+                                          <p:spTgt spid="57"/>
+                                        </p:tgtEl>
+                                        <p:attrNameLst>
+                                          <p:attrName>style.visibility</p:attrName>
+                                        </p:attrNameLst>
+                                      </p:cBhvr>
+                                      <p:to>
+                                        <p:strVal val="visible"/>
+                                      </p:to>
+                                    </p:set>
+                                    <p:animEffect transition="in" filter="fade">
+                                      <p:cBhvr>
+                                        <p:cTn id="132" dur="500"/>
+                                        <p:tgtEl>
+                                          <p:spTgt spid="57"/>
+                                        </p:tgtEl>
+                                      </p:cBhvr>
+                                    </p:animEffect>
+                                  </p:childTnLst>
+                                </p:cTn>
+                              </p:par>
+                            </p:childTnLst>
+                          </p:cTn>
+                        </p:par>
+                        <p:par>
+                          <p:cTn id="133" fill="hold">
+                            <p:stCondLst>
+                              <p:cond delay="2000"/>
+                            </p:stCondLst>
+                            <p:childTnLst>
+                              <p:par>
+                                <p:cTn id="134" presetID="10" presetClass="entr" presetSubtype="0" fill="hold" nodeType="afterEffect">
+                                  <p:stCondLst>
+                                    <p:cond delay="0"/>
+                                  </p:stCondLst>
+                                  <p:childTnLst>
+                                    <p:set>
+                                      <p:cBhvr>
+                                        <p:cTn id="135" dur="1" fill="hold">
+                                          <p:stCondLst>
+                                            <p:cond delay="0"/>
+                                          </p:stCondLst>
+                                        </p:cTn>
+                                        <p:tgtEl>
+                                          <p:spTgt spid="59"/>
+                                        </p:tgtEl>
+                                        <p:attrNameLst>
+                                          <p:attrName>style.visibility</p:attrName>
+                                        </p:attrNameLst>
+                                      </p:cBhvr>
+                                      <p:to>
+                                        <p:strVal val="visible"/>
+                                      </p:to>
+                                    </p:set>
+                                    <p:animEffect transition="in" filter="fade">
+                                      <p:cBhvr>
+                                        <p:cTn id="136" dur="500"/>
+                                        <p:tgtEl>
+                                          <p:spTgt spid="59"/>
+                                        </p:tgtEl>
+                                      </p:cBhvr>
+                                    </p:animEffect>
+                                  </p:childTnLst>
+                                </p:cTn>
+                              </p:par>
+                            </p:childTnLst>
+                          </p:cTn>
+                        </p:par>
+                        <p:par>
+                          <p:cTn id="137" fill="hold">
+                            <p:stCondLst>
+                              <p:cond delay="2500"/>
+                            </p:stCondLst>
+                            <p:childTnLst>
+                              <p:par>
+                                <p:cTn id="138" presetID="10" presetClass="entr" presetSubtype="0" fill="hold" nodeType="afterEffect">
+                                  <p:stCondLst>
+                                    <p:cond delay="0"/>
+                                  </p:stCondLst>
+                                  <p:childTnLst>
+                                    <p:set>
+                                      <p:cBhvr>
+                                        <p:cTn id="139" dur="1" fill="hold">
+                                          <p:stCondLst>
+                                            <p:cond delay="0"/>
+                                          </p:stCondLst>
+                                        </p:cTn>
+                                        <p:tgtEl>
+                                          <p:spTgt spid="61"/>
+                                        </p:tgtEl>
+                                        <p:attrNameLst>
+                                          <p:attrName>style.visibility</p:attrName>
+                                        </p:attrNameLst>
+                                      </p:cBhvr>
+                                      <p:to>
+                                        <p:strVal val="visible"/>
+                                      </p:to>
+                                    </p:set>
+                                    <p:animEffect transition="in" filter="fade">
+                                      <p:cBhvr>
+                                        <p:cTn id="140" dur="500"/>
+                                        <p:tgtEl>
+                                          <p:spTgt spid="61"/>
+                                        </p:tgtEl>
+                                      </p:cBhvr>
+                                    </p:animEffect>
+                                  </p:childTnLst>
+                                </p:cTn>
+                              </p:par>
+                            </p:childTnLst>
+                          </p:cTn>
+                        </p:par>
+                        <p:par>
+                          <p:cTn id="141" fill="hold">
+                            <p:stCondLst>
+                              <p:cond delay="3000"/>
+                            </p:stCondLst>
+                            <p:childTnLst>
+                              <p:par>
+                                <p:cTn id="142" presetID="10" presetClass="entr" presetSubtype="0" fill="hold" nodeType="afterEffect">
+                                  <p:stCondLst>
+                                    <p:cond delay="0"/>
+                                  </p:stCondLst>
+                                  <p:childTnLst>
+                                    <p:set>
+                                      <p:cBhvr>
+                                        <p:cTn id="143" dur="1" fill="hold">
+                                          <p:stCondLst>
+                                            <p:cond delay="0"/>
+                                          </p:stCondLst>
+                                        </p:cTn>
+                                        <p:tgtEl>
+                                          <p:spTgt spid="62"/>
+                                        </p:tgtEl>
+                                        <p:attrNameLst>
+                                          <p:attrName>style.visibility</p:attrName>
+                                        </p:attrNameLst>
+                                      </p:cBhvr>
+                                      <p:to>
+                                        <p:strVal val="visible"/>
+                                      </p:to>
+                                    </p:set>
+                                    <p:animEffect transition="in" filter="fade">
+                                      <p:cBhvr>
+                                        <p:cTn id="144" dur="500"/>
+                                        <p:tgtEl>
+                                          <p:spTgt spid="62"/>
+                                        </p:tgtEl>
+                                      </p:cBhvr>
+                                    </p:animEffect>
+                                  </p:childTnLst>
+                                </p:cTn>
+                              </p:par>
                             </p:childTnLst>
                           </p:cTn>
                         </p:par>
@@ -8548,11 +9076,11 @@
       </p:par>
     </p:tnLst>
     <p:bldLst>
+      <p:bldP spid="46" grpId="0" animBg="1"/>
       <p:bldP spid="34" grpId="0" animBg="1"/>
       <p:bldP spid="35" grpId="0" animBg="1"/>
       <p:bldP spid="36" grpId="0" animBg="1"/>
       <p:bldP spid="39" grpId="0"/>
-      <p:bldP spid="49" grpId="0" animBg="1"/>
       <p:bldP spid="50" grpId="0" animBg="1"/>
       <p:bldP spid="51" grpId="0" animBg="1"/>
       <p:bldP spid="52" grpId="0"/>
@@ -8579,7 +9107,8 @@
       <p:bldP spid="54" grpId="0" animBg="1"/>
       <p:bldP spid="55" grpId="0" animBg="1"/>
       <p:bldP spid="56" grpId="0"/>
-      <p:bldP spid="46" grpId="0" animBg="1"/>
+      <p:bldP spid="8" grpId="0" animBg="1"/>
+      <p:bldP spid="49" grpId="0" animBg="1"/>
     </p:bldLst>
   </p:timing>
 </p:sld>
@@ -8747,7 +9276,7 @@
                   <a:srgbClr val="009036"/>
                 </a:solidFill>
               </a:rPr>
-              <a:t>13 september 2017</a:t>
+              <a:t>8 november 2017</a:t>
             </a:fld>
             <a:endParaRPr lang="nl-NL" sz="900" cap="all" dirty="0">
               <a:solidFill>
@@ -8945,7 +9474,7 @@
                   <a:srgbClr val="009036"/>
                 </a:solidFill>
               </a:rPr>
-              <a:t>13 september 2017</a:t>
+              <a:t>8 november 2017</a:t>
             </a:fld>
             <a:endParaRPr lang="nl-NL" sz="900" cap="all" dirty="0">
               <a:solidFill>
@@ -9218,7 +9747,7 @@
                   <a:srgbClr val="009036"/>
                 </a:solidFill>
               </a:rPr>
-              <a:t>13 september 2017</a:t>
+              <a:t>8 november 2017</a:t>
             </a:fld>
             <a:endParaRPr lang="nl-NL" sz="900" cap="all" dirty="0">
               <a:solidFill>
@@ -9475,7 +10004,7 @@
                   <a:srgbClr val="009036"/>
                 </a:solidFill>
               </a:rPr>
-              <a:t>13 september 2017</a:t>
+              <a:t>8 november 2017</a:t>
             </a:fld>
             <a:endParaRPr lang="nl-NL" sz="900" cap="all" dirty="0">
               <a:solidFill>
@@ -9928,7 +10457,7 @@
           <a:p>
             <a:fld id="{6C8F2B54-89D2-4D0B-81B9-EBE704C6250E}" type="datetime4">
               <a:rPr lang="nl-NL" smtClean="0"/>
-              <a:t>13 september 2017</a:t>
+              <a:t>8 november 2017</a:t>
             </a:fld>
             <a:endParaRPr lang="nl-NL" dirty="0"/>
           </a:p>
@@ -10133,7 +10662,7 @@
                   <a:srgbClr val="009036"/>
                 </a:solidFill>
               </a:rPr>
-              <a:t>13 september 2017</a:t>
+              <a:t>8 november 2017</a:t>
             </a:fld>
             <a:endParaRPr lang="nl-NL" sz="900" cap="all" dirty="0">
               <a:solidFill>
@@ -11235,21 +11764,6 @@
 </file>
 
 <file path=customXml/item1.xml><?xml version="1.0" encoding="utf-8"?>
-<p:properties xmlns:p="http://schemas.microsoft.com/office/2006/metadata/properties" xmlns:xsi="http://www.w3.org/2001/XMLSchema-instance" xmlns:pc="http://schemas.microsoft.com/office/infopath/2007/PartnerControls">
-  <documentManagement/>
-</p:properties>
-</file>
-
-<file path=customXml/item2.xml><?xml version="1.0" encoding="utf-8"?>
-<?mso-contentType ?>
-<FormTemplates xmlns="http://schemas.microsoft.com/sharepoint/v3/contenttype/forms">
-  <Display>DocumentLibraryForm</Display>
-  <Edit>DocumentLibraryForm</Edit>
-  <New>DocumentLibraryForm</New>
-</FormTemplates>
-</file>
-
-<file path=customXml/item3.xml><?xml version="1.0" encoding="utf-8"?>
 <ct:contentTypeSchema xmlns:ct="http://schemas.microsoft.com/office/2006/metadata/contentType" xmlns:ma="http://schemas.microsoft.com/office/2006/metadata/properties/metaAttributes" ct:_="" ma:_="" ma:contentTypeName="Document" ma:contentTypeID="0x0101009843F10021B1B74BA5DD583B6999787F" ma:contentTypeVersion="1" ma:contentTypeDescription="Een nieuw document maken." ma:contentTypeScope="" ma:versionID="9f7dad7ca3b37095ed9229a6a072267d">
   <xsd:schema xmlns:xsd="http://www.w3.org/2001/XMLSchema" xmlns:xs="http://www.w3.org/2001/XMLSchema" xmlns:p="http://schemas.microsoft.com/office/2006/metadata/properties" targetNamespace="http://schemas.microsoft.com/office/2006/metadata/properties" ma:root="true" ma:fieldsID="a17e5968c79d9fe2fc9f8835eee23f58">
     <xsd:element name="properties">
@@ -11363,17 +11877,33 @@
 </ct:contentTypeSchema>
 </file>
 
+<file path=customXml/item2.xml><?xml version="1.0" encoding="utf-8"?>
+<?mso-contentType ?>
+<FormTemplates xmlns="http://schemas.microsoft.com/sharepoint/v3/contenttype/forms">
+  <Display>DocumentLibraryForm</Display>
+  <Edit>DocumentLibraryForm</Edit>
+  <New>DocumentLibraryForm</New>
+</FormTemplates>
+</file>
+
+<file path=customXml/item3.xml><?xml version="1.0" encoding="utf-8"?>
+<p:properties xmlns:p="http://schemas.microsoft.com/office/2006/metadata/properties" xmlns:xsi="http://www.w3.org/2001/XMLSchema-instance" xmlns:pc="http://schemas.microsoft.com/office/infopath/2007/PartnerControls">
+  <documentManagement/>
+</p:properties>
+</file>
+
 <file path=customXml/itemProps1.xml><?xml version="1.0" encoding="utf-8"?>
-<ds:datastoreItem xmlns:ds="http://schemas.openxmlformats.org/officeDocument/2006/customXml" ds:itemID="{DE0A3E1F-B2EC-4B36-9F71-3169FFDE4AE0}">
+<ds:datastoreItem xmlns:ds="http://schemas.openxmlformats.org/officeDocument/2006/customXml" ds:itemID="{3175F035-B069-4F0E-ADC8-454931FDE34D}">
   <ds:schemaRefs>
+    <ds:schemaRef ds:uri="http://schemas.microsoft.com/office/2006/metadata/contentType"/>
+    <ds:schemaRef ds:uri="http://schemas.microsoft.com/office/2006/metadata/properties/metaAttributes"/>
+    <ds:schemaRef ds:uri="http://www.w3.org/2001/XMLSchema"/>
+    <ds:schemaRef ds:uri="http://schemas.microsoft.com/office/2006/metadata/properties"/>
+    <ds:schemaRef ds:uri="http://schemas.openxmlformats.org/package/2006/metadata/core-properties"/>
     <ds:schemaRef ds:uri="http://purl.org/dc/elements/1.1/"/>
-    <ds:schemaRef ds:uri="http://schemas.microsoft.com/office/2006/metadata/properties"/>
-    <ds:schemaRef ds:uri="http://schemas.microsoft.com/office/2006/documentManagement/types"/>
     <ds:schemaRef ds:uri="http://purl.org/dc/terms/"/>
-    <ds:schemaRef ds:uri="http://schemas.openxmlformats.org/package/2006/metadata/core-properties"/>
-    <ds:schemaRef ds:uri="http://purl.org/dc/dcmitype/"/>
+    <ds:schemaRef ds:uri="http://schemas.microsoft.com/internal/obd"/>
     <ds:schemaRef ds:uri="http://schemas.microsoft.com/office/infopath/2007/PartnerControls"/>
-    <ds:schemaRef ds:uri="http://www.w3.org/XML/1998/namespace"/>
   </ds:schemaRefs>
 </ds:datastoreItem>
 </file>
@@ -11387,17 +11917,16 @@
 </file>
 
 <file path=customXml/itemProps3.xml><?xml version="1.0" encoding="utf-8"?>
-<ds:datastoreItem xmlns:ds="http://schemas.openxmlformats.org/officeDocument/2006/customXml" ds:itemID="{3175F035-B069-4F0E-ADC8-454931FDE34D}">
+<ds:datastoreItem xmlns:ds="http://schemas.openxmlformats.org/officeDocument/2006/customXml" ds:itemID="{DE0A3E1F-B2EC-4B36-9F71-3169FFDE4AE0}">
   <ds:schemaRefs>
-    <ds:schemaRef ds:uri="http://schemas.microsoft.com/office/2006/metadata/contentType"/>
-    <ds:schemaRef ds:uri="http://schemas.microsoft.com/office/2006/metadata/properties/metaAttributes"/>
-    <ds:schemaRef ds:uri="http://www.w3.org/2001/XMLSchema"/>
+    <ds:schemaRef ds:uri="http://purl.org/dc/elements/1.1/"/>
     <ds:schemaRef ds:uri="http://schemas.microsoft.com/office/2006/metadata/properties"/>
+    <ds:schemaRef ds:uri="http://schemas.microsoft.com/office/2006/documentManagement/types"/>
+    <ds:schemaRef ds:uri="http://purl.org/dc/terms/"/>
     <ds:schemaRef ds:uri="http://schemas.openxmlformats.org/package/2006/metadata/core-properties"/>
-    <ds:schemaRef ds:uri="http://purl.org/dc/elements/1.1/"/>
-    <ds:schemaRef ds:uri="http://purl.org/dc/terms/"/>
-    <ds:schemaRef ds:uri="http://schemas.microsoft.com/internal/obd"/>
+    <ds:schemaRef ds:uri="http://purl.org/dc/dcmitype/"/>
     <ds:schemaRef ds:uri="http://schemas.microsoft.com/office/infopath/2007/PartnerControls"/>
+    <ds:schemaRef ds:uri="http://www.w3.org/XML/1998/namespace"/>
   </ds:schemaRefs>
 </ds:datastoreItem>
 </file>
--- a/Presentatie/Microservices 102.pptx
+++ b/Presentatie/Microservices 102.pptx
@@ -5,10 +5,10 @@
     <p:sldMasterId id="2147483648" r:id="rId4"/>
   </p:sldMasterIdLst>
   <p:notesMasterIdLst>
-    <p:notesMasterId r:id="rId14"/>
+    <p:notesMasterId r:id="rId13"/>
   </p:notesMasterIdLst>
   <p:handoutMasterIdLst>
-    <p:handoutMasterId r:id="rId15"/>
+    <p:handoutMasterId r:id="rId14"/>
   </p:handoutMasterIdLst>
   <p:sldIdLst>
     <p:sldId id="257" r:id="rId5"/>
@@ -17,9 +17,8 @@
     <p:sldId id="267" r:id="rId8"/>
     <p:sldId id="268" r:id="rId9"/>
     <p:sldId id="269" r:id="rId10"/>
-    <p:sldId id="272" r:id="rId11"/>
-    <p:sldId id="277" r:id="rId12"/>
-    <p:sldId id="264" r:id="rId13"/>
+    <p:sldId id="277" r:id="rId11"/>
+    <p:sldId id="264" r:id="rId12"/>
   </p:sldIdLst>
   <p:sldSz cx="9144000" cy="6858000" type="screen4x3"/>
   <p:notesSz cx="6858000" cy="9144000"/>
@@ -232,7 +231,7 @@
           <a:p>
             <a:fld id="{4FDA5BBF-9A9E-E34C-87D2-CD6D1CA60245}" type="datetime1">
               <a:rPr lang="en-US" smtClean="0"/>
-              <a:t>11/8/2017</a:t>
+              <a:t>10/17/2018</a:t>
             </a:fld>
             <a:endParaRPr lang="en-US" dirty="0"/>
           </a:p>
@@ -398,7 +397,7 @@
           <a:p>
             <a:fld id="{FE5FB5CF-D153-1544-8329-2FC1F4ABF24D}" type="datetime1">
               <a:rPr lang="en-US" smtClean="0"/>
-              <a:t>11/8/2017</a:t>
+              <a:t>10/17/2018</a:t>
             </a:fld>
             <a:endParaRPr lang="nl-NL" dirty="0"/>
           </a:p>
@@ -462,38 +461,37 @@
           <a:p>
             <a:pPr lvl="0"/>
             <a:r>
-              <a:rPr lang="nl-NL" smtClean="0"/>
+              <a:rPr lang="nl-NL"/>
               <a:t>Klik om de modelstijlen te bewerken</a:t>
             </a:r>
           </a:p>
           <a:p>
             <a:pPr lvl="1"/>
             <a:r>
-              <a:rPr lang="nl-NL" smtClean="0"/>
+              <a:rPr lang="nl-NL"/>
               <a:t>Tweede niveau</a:t>
             </a:r>
           </a:p>
           <a:p>
             <a:pPr lvl="2"/>
             <a:r>
-              <a:rPr lang="nl-NL" smtClean="0"/>
+              <a:rPr lang="nl-NL"/>
               <a:t>Derde niveau</a:t>
             </a:r>
           </a:p>
           <a:p>
             <a:pPr lvl="3"/>
             <a:r>
-              <a:rPr lang="nl-NL" smtClean="0"/>
+              <a:rPr lang="nl-NL"/>
               <a:t>Vierde niveau</a:t>
             </a:r>
           </a:p>
           <a:p>
             <a:pPr lvl="4"/>
             <a:r>
-              <a:rPr lang="nl-NL" smtClean="0"/>
+              <a:rPr lang="nl-NL"/>
               <a:t>Vijfde niveau</a:t>
             </a:r>
-            <a:endParaRPr lang="nl-NL"/>
           </a:p>
         </p:txBody>
       </p:sp>
@@ -795,7 +793,7 @@
           <a:bodyPr/>
           <a:lstStyle/>
           <a:p>
-            <a:endParaRPr lang="en-US" baseline="0" dirty="0" smtClean="0"/>
+            <a:endParaRPr lang="en-US" baseline="0" dirty="0"/>
           </a:p>
         </p:txBody>
       </p:sp>
@@ -880,94 +878,90 @@
           <a:lstStyle/>
           <a:p>
             <a:r>
-              <a:rPr lang="en-US" dirty="0" smtClean="0"/>
+              <a:rPr lang="en-US" dirty="0"/>
               <a:t>Monoliet vs. microservices</a:t>
             </a:r>
           </a:p>
           <a:p>
             <a:r>
-              <a:rPr lang="en-US" dirty="0" smtClean="0"/>
+              <a:rPr lang="en-US" dirty="0"/>
               <a:t>Losse applicatiefuncties, kies de omvang</a:t>
             </a:r>
             <a:r>
-              <a:rPr lang="en-US" baseline="0" dirty="0" smtClean="0"/>
+              <a:rPr lang="en-US" baseline="0" dirty="0"/>
               <a:t> verstandig!</a:t>
             </a:r>
-            <a:endParaRPr lang="en-US" dirty="0" smtClean="0"/>
-          </a:p>
-          <a:p>
-            <a:r>
-              <a:rPr lang="en-US" dirty="0" smtClean="0"/>
+            <a:endParaRPr lang="en-US" dirty="0"/>
+          </a:p>
+          <a:p>
+            <a:r>
+              <a:rPr lang="en-US" dirty="0"/>
               <a:t>Temporeel</a:t>
             </a:r>
             <a:r>
-              <a:rPr lang="en-US" baseline="0" dirty="0" smtClean="0"/>
+              <a:rPr lang="en-US" baseline="0" dirty="0"/>
               <a:t> onafhankelijk van elkaar</a:t>
             </a:r>
           </a:p>
           <a:p>
             <a:r>
-              <a:rPr lang="en-US" baseline="0" dirty="0" smtClean="0"/>
-              <a:t>Inter-service communicatie obv REST of </a:t>
-            </a:r>
-            <a:r>
-              <a:rPr lang="en-US" baseline="0" dirty="0" smtClean="0"/>
-              <a:t>MQ</a:t>
-            </a:r>
-          </a:p>
-          <a:p>
-            <a:endParaRPr lang="en-US" baseline="0" dirty="0" smtClean="0"/>
-          </a:p>
-          <a:p>
-            <a:r>
-              <a:rPr lang="en-US" baseline="0" dirty="0" smtClean="0"/>
+              <a:rPr lang="en-US" baseline="0" dirty="0"/>
+              <a:t>Inter-service communicatie obv REST of MQ</a:t>
+            </a:r>
+          </a:p>
+          <a:p>
+            <a:endParaRPr lang="en-US" baseline="0" dirty="0"/>
+          </a:p>
+          <a:p>
+            <a:r>
+              <a:rPr lang="en-US" baseline="0" dirty="0"/>
               <a:t>Client-</a:t>
             </a:r>
             <a:r>
-              <a:rPr lang="en-US" baseline="0" dirty="0" err="1" smtClean="0"/>
+              <a:rPr lang="en-US" baseline="0" dirty="0" err="1"/>
               <a:t>applicatie</a:t>
             </a:r>
             <a:r>
-              <a:rPr lang="en-US" baseline="0" dirty="0" smtClean="0"/>
+              <a:rPr lang="en-US" baseline="0" dirty="0"/>
               <a:t> </a:t>
             </a:r>
             <a:r>
-              <a:rPr lang="en-US" baseline="0" dirty="0" err="1" smtClean="0"/>
+              <a:rPr lang="en-US" baseline="0" dirty="0" err="1"/>
               <a:t>kan</a:t>
             </a:r>
             <a:r>
-              <a:rPr lang="en-US" baseline="0" dirty="0" smtClean="0"/>
+              <a:rPr lang="en-US" baseline="0" dirty="0"/>
               <a:t> in 2 </a:t>
             </a:r>
             <a:r>
-              <a:rPr lang="en-US" baseline="0" dirty="0" err="1" smtClean="0"/>
+              <a:rPr lang="en-US" baseline="0" dirty="0" err="1"/>
               <a:t>delen</a:t>
             </a:r>
             <a:r>
-              <a:rPr lang="en-US" baseline="0" dirty="0" smtClean="0"/>
+              <a:rPr lang="en-US" baseline="0" dirty="0"/>
               <a:t> (web-client-app </a:t>
             </a:r>
             <a:r>
-              <a:rPr lang="en-US" baseline="0" dirty="0" err="1" smtClean="0"/>
+              <a:rPr lang="en-US" baseline="0" dirty="0" err="1"/>
               <a:t>en</a:t>
             </a:r>
             <a:r>
-              <a:rPr lang="en-US" baseline="0" dirty="0" smtClean="0"/>
+              <a:rPr lang="en-US" baseline="0" dirty="0"/>
               <a:t> REST-gateway) </a:t>
             </a:r>
             <a:r>
-              <a:rPr lang="en-US" baseline="0" dirty="0" err="1" smtClean="0"/>
+              <a:rPr lang="en-US" baseline="0" dirty="0" err="1"/>
               <a:t>zijn</a:t>
             </a:r>
             <a:r>
-              <a:rPr lang="en-US" baseline="0" dirty="0" smtClean="0"/>
+              <a:rPr lang="en-US" baseline="0" dirty="0"/>
               <a:t> </a:t>
             </a:r>
             <a:r>
-              <a:rPr lang="en-US" baseline="0" dirty="0" err="1" smtClean="0"/>
+              <a:rPr lang="en-US" baseline="0" dirty="0" err="1"/>
               <a:t>opgesplitst</a:t>
             </a:r>
-            <a:endParaRPr lang="en-US" baseline="0" smtClean="0"/>
+            <a:endParaRPr lang="en-US" baseline="0"/>
           </a:p>
           <a:p>
             <a:endParaRPr lang="nl-NL" dirty="0"/>
@@ -1055,21 +1049,21 @@
           <a:lstStyle/>
           <a:p>
             <a:r>
-              <a:rPr lang="en-US" baseline="0" dirty="0" smtClean="0"/>
+              <a:rPr lang="en-US" baseline="0" dirty="0"/>
               <a:t>Elke service is een black box voor een andere service. Hoe de API te ontsluiten? </a:t>
             </a:r>
             <a:r>
-              <a:rPr lang="en-US" b="1" baseline="0" dirty="0" err="1" smtClean="0"/>
+              <a:rPr lang="en-US" b="1" baseline="0" dirty="0" err="1"/>
               <a:t>Versiebeheer</a:t>
             </a:r>
             <a:r>
-              <a:rPr lang="en-US" b="1" baseline="0" dirty="0" smtClean="0"/>
+              <a:rPr lang="en-US" b="1" baseline="0" dirty="0"/>
               <a:t> (breaking changes), Service-discovery</a:t>
             </a:r>
-            <a:endParaRPr lang="en-US" baseline="0" dirty="0" smtClean="0"/>
-          </a:p>
-          <a:p>
-            <a:endParaRPr lang="en-US" baseline="0" dirty="0" smtClean="0"/>
+            <a:endParaRPr lang="en-US" baseline="0" dirty="0"/>
+          </a:p>
+          <a:p>
+            <a:endParaRPr lang="en-US" baseline="0" dirty="0"/>
           </a:p>
           <a:p>
             <a:pPr marL="0" marR="0" lvl="0" indent="0" algn="l" defTabSz="914400" rtl="0" eaLnBrk="1" fontAlgn="auto" latinLnBrk="0" hangingPunct="1">
@@ -1090,179 +1084,179 @@
               <a:defRPr/>
             </a:pPr>
             <a:r>
-              <a:rPr lang="en-US" baseline="0" dirty="0" smtClean="0"/>
+              <a:rPr lang="en-US" baseline="0" dirty="0"/>
               <a:t>Kies de omvang van de service praktisch</a:t>
             </a:r>
-            <a:endParaRPr lang="nl-NL" dirty="0" smtClean="0"/>
-          </a:p>
-          <a:p>
-            <a:r>
-              <a:rPr lang="en-US" baseline="0" dirty="0" smtClean="0"/>
+            <a:endParaRPr lang="nl-NL" dirty="0"/>
+          </a:p>
+          <a:p>
+            <a:r>
+              <a:rPr lang="en-US" baseline="0" dirty="0"/>
               <a:t>“Gegevens die samen wijzigen moet je bij elkaar houden” (Sander Hoogendoorn)</a:t>
             </a:r>
           </a:p>
           <a:p>
             <a:r>
-              <a:rPr lang="en-US" baseline="0" dirty="0" smtClean="0"/>
+              <a:rPr lang="en-US" baseline="0" dirty="0"/>
               <a:t>De architectenrol wordt belangrijker </a:t>
             </a:r>
             <a:r>
-              <a:rPr lang="en-US" baseline="0" dirty="0" smtClean="0">
+              <a:rPr lang="en-US" baseline="0" dirty="0">
                 <a:sym typeface="Wingdings" panose="05000000000000000000" pitchFamily="2" charset="2"/>
               </a:rPr>
               <a:t> </a:t>
             </a:r>
             <a:r>
-              <a:rPr lang="en-US" baseline="0" dirty="0" err="1" smtClean="0">
+              <a:rPr lang="en-US" baseline="0" dirty="0" err="1">
                 <a:sym typeface="Wingdings" panose="05000000000000000000" pitchFamily="2" charset="2"/>
               </a:rPr>
               <a:t>helikopterview</a:t>
             </a:r>
-            <a:endParaRPr lang="en-US" baseline="0" dirty="0" smtClean="0">
+            <a:endParaRPr lang="en-US" baseline="0" dirty="0">
               <a:sym typeface="Wingdings" panose="05000000000000000000" pitchFamily="2" charset="2"/>
             </a:endParaRPr>
           </a:p>
           <a:p>
             <a:r>
-              <a:rPr lang="en-US" baseline="0" dirty="0" err="1" smtClean="0">
+              <a:rPr lang="en-US" baseline="0" dirty="0" err="1">
                 <a:sym typeface="Wingdings" panose="05000000000000000000" pitchFamily="2" charset="2"/>
               </a:rPr>
               <a:t>Ontwerp</a:t>
             </a:r>
             <a:r>
-              <a:rPr lang="en-US" baseline="0" dirty="0" smtClean="0">
+              <a:rPr lang="en-US" baseline="0" dirty="0">
                 <a:sym typeface="Wingdings" panose="05000000000000000000" pitchFamily="2" charset="2"/>
               </a:rPr>
               <a:t> </a:t>
             </a:r>
             <a:r>
-              <a:rPr lang="en-US" baseline="0" dirty="0" err="1" smtClean="0">
+              <a:rPr lang="en-US" baseline="0" dirty="0" err="1">
                 <a:sym typeface="Wingdings" panose="05000000000000000000" pitchFamily="2" charset="2"/>
               </a:rPr>
               <a:t>een</a:t>
             </a:r>
             <a:r>
-              <a:rPr lang="en-US" baseline="0" dirty="0" smtClean="0">
+              <a:rPr lang="en-US" baseline="0" dirty="0">
                 <a:sym typeface="Wingdings" panose="05000000000000000000" pitchFamily="2" charset="2"/>
               </a:rPr>
               <a:t> (micro)service zo </a:t>
             </a:r>
             <a:r>
-              <a:rPr lang="en-US" baseline="0" dirty="0" err="1" smtClean="0">
+              <a:rPr lang="en-US" baseline="0" dirty="0" err="1">
                 <a:sym typeface="Wingdings" panose="05000000000000000000" pitchFamily="2" charset="2"/>
               </a:rPr>
               <a:t>generiek</a:t>
             </a:r>
             <a:r>
-              <a:rPr lang="en-US" baseline="0" dirty="0" smtClean="0">
+              <a:rPr lang="en-US" baseline="0" dirty="0">
                 <a:sym typeface="Wingdings" panose="05000000000000000000" pitchFamily="2" charset="2"/>
               </a:rPr>
               <a:t> </a:t>
             </a:r>
             <a:r>
-              <a:rPr lang="en-US" baseline="0" dirty="0" err="1" smtClean="0">
+              <a:rPr lang="en-US" baseline="0" dirty="0" err="1">
                 <a:sym typeface="Wingdings" panose="05000000000000000000" pitchFamily="2" charset="2"/>
               </a:rPr>
               <a:t>mogelijk</a:t>
             </a:r>
-            <a:endParaRPr lang="en-US" baseline="0" dirty="0" smtClean="0">
+            <a:endParaRPr lang="en-US" baseline="0" dirty="0">
               <a:sym typeface="Wingdings" panose="05000000000000000000" pitchFamily="2" charset="2"/>
             </a:endParaRPr>
           </a:p>
           <a:p>
-            <a:endParaRPr lang="en-US" baseline="0" dirty="0" smtClean="0">
+            <a:endParaRPr lang="en-US" baseline="0" dirty="0">
               <a:sym typeface="Wingdings" panose="05000000000000000000" pitchFamily="2" charset="2"/>
             </a:endParaRPr>
           </a:p>
           <a:p>
             <a:r>
-              <a:rPr lang="en-US" dirty="0" smtClean="0"/>
+              <a:rPr lang="en-US" dirty="0"/>
               <a:t>Losse solutions, om onafhankelijkheid</a:t>
             </a:r>
             <a:r>
-              <a:rPr lang="en-US" baseline="0" dirty="0" smtClean="0"/>
+              <a:rPr lang="en-US" baseline="0" dirty="0"/>
               <a:t> van services (extra) te waarborgen. Pas op met eigen framework-libraries. (</a:t>
             </a:r>
             <a:r>
-              <a:rPr lang="en-US" baseline="0" dirty="0" err="1" smtClean="0"/>
+              <a:rPr lang="en-US" baseline="0" dirty="0" err="1"/>
               <a:t>risico</a:t>
             </a:r>
             <a:r>
-              <a:rPr lang="en-US" baseline="0" dirty="0" smtClean="0"/>
+              <a:rPr lang="en-US" baseline="0" dirty="0"/>
               <a:t> op </a:t>
             </a:r>
             <a:r>
-              <a:rPr lang="en-US" baseline="0" dirty="0" err="1" smtClean="0"/>
+              <a:rPr lang="en-US" baseline="0" dirty="0" err="1"/>
               <a:t>vervlechting</a:t>
             </a:r>
             <a:r>
-              <a:rPr lang="en-US" baseline="0" dirty="0" smtClean="0"/>
+              <a:rPr lang="en-US" baseline="0" dirty="0"/>
               <a:t>)</a:t>
             </a:r>
           </a:p>
           <a:p>
-            <a:endParaRPr lang="en-US" baseline="0" dirty="0" smtClean="0"/>
-          </a:p>
-          <a:p>
-            <a:r>
-              <a:rPr lang="en-US" baseline="0" dirty="0" err="1" smtClean="0"/>
+            <a:endParaRPr lang="en-US" baseline="0" dirty="0"/>
+          </a:p>
+          <a:p>
+            <a:r>
+              <a:rPr lang="en-US" baseline="0" dirty="0" err="1"/>
               <a:t>Gemakkelijker</a:t>
             </a:r>
             <a:r>
-              <a:rPr lang="en-US" baseline="0" dirty="0" smtClean="0"/>
+              <a:rPr lang="en-US" baseline="0" dirty="0"/>
               <a:t> </a:t>
             </a:r>
             <a:r>
-              <a:rPr lang="en-US" baseline="0" dirty="0" err="1" smtClean="0"/>
+              <a:rPr lang="en-US" baseline="0" dirty="0" err="1"/>
               <a:t>testen</a:t>
             </a:r>
             <a:r>
-              <a:rPr lang="en-US" baseline="0" dirty="0" smtClean="0"/>
+              <a:rPr lang="en-US" baseline="0" dirty="0"/>
               <a:t> </a:t>
             </a:r>
             <a:r>
-              <a:rPr lang="en-US" baseline="0" dirty="0" err="1" smtClean="0"/>
+              <a:rPr lang="en-US" baseline="0" dirty="0" err="1"/>
               <a:t>a.g.v</a:t>
             </a:r>
             <a:r>
-              <a:rPr lang="en-US" baseline="0" dirty="0" smtClean="0"/>
+              <a:rPr lang="en-US" baseline="0" dirty="0"/>
               <a:t>. </a:t>
             </a:r>
             <a:r>
-              <a:rPr lang="en-US" baseline="0" dirty="0" err="1" smtClean="0"/>
+              <a:rPr lang="en-US" baseline="0" dirty="0" err="1"/>
               <a:t>beperkte</a:t>
             </a:r>
             <a:r>
-              <a:rPr lang="en-US" baseline="0" dirty="0" smtClean="0"/>
+              <a:rPr lang="en-US" baseline="0" dirty="0"/>
               <a:t>/</a:t>
             </a:r>
             <a:r>
-              <a:rPr lang="en-US" baseline="0" dirty="0" err="1" smtClean="0"/>
+              <a:rPr lang="en-US" baseline="0" dirty="0" err="1"/>
               <a:t>ge</a:t>
             </a:r>
             <a:r>
-              <a:rPr lang="nl-NL" baseline="0" dirty="0" err="1" smtClean="0"/>
+              <a:rPr lang="nl-NL" baseline="0" dirty="0" err="1"/>
               <a:t>ïsoleerde</a:t>
             </a:r>
             <a:r>
-              <a:rPr lang="nl-NL" baseline="0" dirty="0" smtClean="0"/>
+              <a:rPr lang="nl-NL" baseline="0" dirty="0"/>
               <a:t> functionaliteit, dus overzichtelijker en geen cross-</a:t>
             </a:r>
             <a:r>
-              <a:rPr lang="nl-NL" baseline="0" dirty="0" err="1" smtClean="0"/>
+              <a:rPr lang="nl-NL" baseline="0" dirty="0" err="1"/>
               <a:t>functionality</a:t>
             </a:r>
             <a:r>
-              <a:rPr lang="nl-NL" baseline="0" dirty="0" smtClean="0"/>
+              <a:rPr lang="nl-NL" baseline="0" dirty="0"/>
               <a:t> tests (die complex zijn)</a:t>
             </a:r>
-            <a:endParaRPr lang="en-US" baseline="0" dirty="0" smtClean="0"/>
-          </a:p>
-          <a:p>
-            <a:endParaRPr lang="en-US" baseline="0" dirty="0" smtClean="0"/>
-          </a:p>
-          <a:p>
-            <a:endParaRPr lang="en-US" baseline="0" dirty="0" smtClean="0"/>
+            <a:endParaRPr lang="en-US" baseline="0" dirty="0"/>
+          </a:p>
+          <a:p>
+            <a:endParaRPr lang="en-US" baseline="0" dirty="0"/>
+          </a:p>
+          <a:p>
+            <a:endParaRPr lang="en-US" baseline="0" dirty="0"/>
           </a:p>
         </p:txBody>
       </p:sp>
@@ -1347,97 +1341,97 @@
           <a:lstStyle/>
           <a:p>
             <a:r>
-              <a:rPr lang="en-US" dirty="0" smtClean="0"/>
+              <a:rPr lang="en-US" dirty="0"/>
               <a:t>Handmatig deployen van </a:t>
             </a:r>
             <a:r>
-              <a:rPr lang="en-US" dirty="0" err="1" smtClean="0"/>
+              <a:rPr lang="en-US" dirty="0" err="1"/>
               <a:t>tientallen</a:t>
             </a:r>
             <a:r>
-              <a:rPr lang="en-US" dirty="0" smtClean="0"/>
+              <a:rPr lang="en-US" dirty="0"/>
               <a:t>/</a:t>
             </a:r>
             <a:r>
-              <a:rPr lang="en-US" dirty="0" err="1" smtClean="0"/>
+              <a:rPr lang="en-US" dirty="0" err="1"/>
               <a:t>honderden</a:t>
             </a:r>
             <a:r>
-              <a:rPr lang="en-US" dirty="0" smtClean="0"/>
+              <a:rPr lang="en-US" dirty="0"/>
               <a:t>/</a:t>
             </a:r>
             <a:r>
-              <a:rPr lang="en-US" dirty="0" err="1" smtClean="0"/>
+              <a:rPr lang="en-US" dirty="0" err="1"/>
               <a:t>duizenden</a:t>
             </a:r>
             <a:r>
-              <a:rPr lang="en-US" baseline="0" dirty="0" smtClean="0"/>
+              <a:rPr lang="en-US" baseline="0" dirty="0"/>
               <a:t> </a:t>
             </a:r>
             <a:r>
-              <a:rPr lang="en-US" baseline="0" dirty="0" err="1" smtClean="0"/>
+              <a:rPr lang="en-US" baseline="0" dirty="0" err="1"/>
               <a:t>applicatie-instanties</a:t>
             </a:r>
             <a:r>
-              <a:rPr lang="en-US" baseline="0" dirty="0" smtClean="0"/>
+              <a:rPr lang="en-US" baseline="0" dirty="0"/>
               <a:t> is niet praktisch</a:t>
             </a:r>
           </a:p>
           <a:p>
-            <a:endParaRPr lang="en-US" baseline="0" dirty="0" smtClean="0"/>
-          </a:p>
-          <a:p>
-            <a:r>
-              <a:rPr lang="en-US" baseline="0" dirty="0" smtClean="0"/>
+            <a:endParaRPr lang="en-US" baseline="0" dirty="0"/>
+          </a:p>
+          <a:p>
+            <a:r>
+              <a:rPr lang="en-US" baseline="0" dirty="0"/>
               <a:t>TIP: Rolling updates </a:t>
             </a:r>
             <a:r>
-              <a:rPr lang="en-US" baseline="0" dirty="0" err="1" smtClean="0"/>
+              <a:rPr lang="en-US" baseline="0" dirty="0" err="1"/>
               <a:t>verhogen</a:t>
             </a:r>
             <a:r>
-              <a:rPr lang="en-US" baseline="0" dirty="0" smtClean="0"/>
+              <a:rPr lang="en-US" baseline="0" dirty="0"/>
               <a:t> de e2e-beschikbaarheid van de applicatie</a:t>
             </a:r>
           </a:p>
           <a:p>
-            <a:endParaRPr lang="en-US" baseline="0" dirty="0" smtClean="0"/>
-          </a:p>
-          <a:p>
-            <a:r>
-              <a:rPr lang="nl-NL" dirty="0" smtClean="0"/>
+            <a:endParaRPr lang="en-US" baseline="0" dirty="0"/>
+          </a:p>
+          <a:p>
+            <a:r>
+              <a:rPr lang="nl-NL" dirty="0"/>
               <a:t>Zorg ervoor dat een unieke deployment te herleiden is naar een </a:t>
             </a:r>
             <a:r>
-              <a:rPr lang="nl-NL" dirty="0" err="1" smtClean="0"/>
+              <a:rPr lang="nl-NL" dirty="0" err="1"/>
               <a:t>work</a:t>
             </a:r>
             <a:r>
-              <a:rPr lang="nl-NL" baseline="0" dirty="0" smtClean="0"/>
+              <a:rPr lang="nl-NL" baseline="0" dirty="0"/>
               <a:t> item/</a:t>
             </a:r>
             <a:r>
-              <a:rPr lang="nl-NL" baseline="0" dirty="0" err="1" smtClean="0"/>
+              <a:rPr lang="nl-NL" baseline="0" dirty="0" err="1"/>
               <a:t>checkin</a:t>
             </a:r>
             <a:r>
-              <a:rPr lang="nl-NL" baseline="0" dirty="0" smtClean="0"/>
+              <a:rPr lang="nl-NL" baseline="0" dirty="0"/>
               <a:t> (</a:t>
             </a:r>
             <a:r>
-              <a:rPr lang="nl-NL" baseline="0" dirty="0" err="1" smtClean="0"/>
+              <a:rPr lang="nl-NL" baseline="0" dirty="0" err="1"/>
               <a:t>commit</a:t>
             </a:r>
             <a:r>
-              <a:rPr lang="nl-NL" baseline="0" dirty="0" smtClean="0"/>
+              <a:rPr lang="nl-NL" baseline="0" dirty="0"/>
               <a:t>)/</a:t>
             </a:r>
             <a:r>
-              <a:rPr lang="nl-NL" baseline="0" dirty="0" err="1" smtClean="0"/>
+              <a:rPr lang="nl-NL" baseline="0" dirty="0" err="1"/>
               <a:t>build</a:t>
             </a:r>
             <a:r>
-              <a:rPr lang="nl-NL" baseline="0" dirty="0" smtClean="0"/>
+              <a:rPr lang="nl-NL" baseline="0" dirty="0"/>
               <a:t>-referentie</a:t>
             </a:r>
             <a:endParaRPr lang="nl-NL" dirty="0"/>
@@ -1525,231 +1519,61 @@
           <a:lstStyle/>
           <a:p>
             <a:r>
-              <a:rPr lang="en-US" dirty="0" smtClean="0"/>
-              <a:t>Veel ‘losse</a:t>
-            </a:r>
-            <a:r>
-              <a:rPr lang="en-US" baseline="0" dirty="0" smtClean="0"/>
-              <a:t> stukjes applicatie’</a:t>
-            </a:r>
-            <a:r>
-              <a:rPr lang="nl-NL" baseline="0" dirty="0" smtClean="0"/>
-              <a:t> </a:t>
-            </a:r>
-            <a:r>
-              <a:rPr lang="nl-NL" baseline="0" dirty="0" smtClean="0">
-                <a:sym typeface="Wingdings" panose="05000000000000000000" pitchFamily="2" charset="2"/>
-              </a:rPr>
-              <a:t> pijn verschuift van bouw naar deployment en beheer</a:t>
-            </a:r>
-          </a:p>
-          <a:p>
-            <a:endParaRPr lang="nl-NL" baseline="0" dirty="0" smtClean="0">
-              <a:sym typeface="Wingdings" panose="05000000000000000000" pitchFamily="2" charset="2"/>
-            </a:endParaRPr>
-          </a:p>
-          <a:p>
-            <a:r>
-              <a:rPr lang="en-US" dirty="0" smtClean="0"/>
-              <a:t>API-management </a:t>
-            </a:r>
-            <a:r>
-              <a:rPr lang="en-US" dirty="0" err="1" smtClean="0"/>
-              <a:t>bijv</a:t>
-            </a:r>
-            <a:r>
-              <a:rPr lang="en-US" dirty="0" smtClean="0"/>
-              <a:t>. </a:t>
-            </a:r>
-            <a:r>
-              <a:rPr lang="en-US" dirty="0" err="1" smtClean="0"/>
-              <a:t>obv</a:t>
-            </a:r>
-            <a:r>
-              <a:rPr lang="en-US" dirty="0" smtClean="0"/>
-              <a:t> </a:t>
-            </a:r>
-            <a:r>
-              <a:rPr lang="en-US" dirty="0" err="1" smtClean="0"/>
-              <a:t>NuGet</a:t>
-            </a:r>
-            <a:r>
-              <a:rPr lang="en-US" smtClean="0"/>
-              <a:t>-</a:t>
-            </a:r>
-            <a:r>
-              <a:rPr lang="en-US" baseline="0" smtClean="0"/>
-              <a:t> of NPM</a:t>
-            </a:r>
-            <a:r>
-              <a:rPr lang="en-US" smtClean="0"/>
-              <a:t>-packages</a:t>
-            </a:r>
-            <a:endParaRPr lang="en-US" dirty="0" smtClean="0"/>
-          </a:p>
-          <a:p>
-            <a:endParaRPr lang="en-US" dirty="0" smtClean="0"/>
-          </a:p>
-          <a:p>
-            <a:r>
-              <a:rPr lang="en-US" dirty="0" smtClean="0"/>
-              <a:t>Latency </a:t>
-            </a:r>
-            <a:r>
-              <a:rPr lang="en-US" dirty="0" err="1" smtClean="0"/>
-              <a:t>a.g.v</a:t>
-            </a:r>
-            <a:r>
-              <a:rPr lang="en-US" dirty="0" smtClean="0"/>
-              <a:t>.</a:t>
-            </a:r>
-            <a:r>
-              <a:rPr lang="en-US" baseline="0" dirty="0" smtClean="0"/>
-              <a:t> inter-service communicatie</a:t>
-            </a:r>
-            <a:endParaRPr lang="en-US" dirty="0" smtClean="0"/>
-          </a:p>
-          <a:p>
-            <a:endParaRPr lang="en-US" dirty="0" smtClean="0"/>
-          </a:p>
-        </p:txBody>
-      </p:sp>
-      <p:sp>
-        <p:nvSpPr>
-          <p:cNvPr id="4" name="Tijdelijke aanduiding voor dianummer 3"/>
-          <p:cNvSpPr>
-            <a:spLocks noGrp="1"/>
-          </p:cNvSpPr>
-          <p:nvPr>
-            <p:ph type="sldNum" sz="quarter" idx="10"/>
-          </p:nvPr>
-        </p:nvSpPr>
-        <p:spPr/>
-        <p:txBody>
-          <a:bodyPr/>
-          <a:lstStyle/>
-          <a:p>
-            <a:fld id="{2DB1139D-5AC7-4B0B-A715-E40E0591EF82}" type="slidenum">
-              <a:rPr lang="nl-NL" smtClean="0"/>
-              <a:t>7</a:t>
-            </a:fld>
-            <a:endParaRPr lang="nl-NL" dirty="0"/>
-          </a:p>
-        </p:txBody>
-      </p:sp>
-    </p:spTree>
-    <p:extLst>
-      <p:ext uri="{BB962C8B-B14F-4D97-AF65-F5344CB8AC3E}">
-        <p14:creationId xmlns:p14="http://schemas.microsoft.com/office/powerpoint/2010/main" val="759797679"/>
-      </p:ext>
-    </p:extLst>
-  </p:cSld>
-  <p:clrMapOvr>
-    <a:masterClrMapping/>
-  </p:clrMapOvr>
-</p:notes>
-</file>
-
-<file path=ppt/notesSlides/notesSlide7.xml><?xml version="1.0" encoding="utf-8"?>
-<p:notes xmlns:a="http://schemas.openxmlformats.org/drawingml/2006/main" xmlns:r="http://schemas.openxmlformats.org/officeDocument/2006/relationships" xmlns:p="http://schemas.openxmlformats.org/presentationml/2006/main">
-  <p:cSld>
-    <p:spTree>
-      <p:nvGrpSpPr>
-        <p:cNvPr id="1" name=""/>
-        <p:cNvGrpSpPr/>
-        <p:nvPr/>
-      </p:nvGrpSpPr>
-      <p:grpSpPr>
-        <a:xfrm>
-          <a:off x="0" y="0"/>
-          <a:ext cx="0" cy="0"/>
-          <a:chOff x="0" y="0"/>
-          <a:chExt cx="0" cy="0"/>
-        </a:xfrm>
-      </p:grpSpPr>
-      <p:sp>
-        <p:nvSpPr>
-          <p:cNvPr id="2" name="Tijdelijke aanduiding voor dia-afbeelding 1"/>
-          <p:cNvSpPr>
-            <a:spLocks noGrp="1" noRot="1" noChangeAspect="1"/>
-          </p:cNvSpPr>
-          <p:nvPr>
-            <p:ph type="sldImg"/>
-          </p:nvPr>
-        </p:nvSpPr>
-        <p:spPr/>
-      </p:sp>
-      <p:sp>
-        <p:nvSpPr>
-          <p:cNvPr id="3" name="Tijdelijke aanduiding voor notities 2"/>
-          <p:cNvSpPr>
-            <a:spLocks noGrp="1"/>
-          </p:cNvSpPr>
-          <p:nvPr>
-            <p:ph type="body" idx="1"/>
-          </p:nvPr>
-        </p:nvSpPr>
-        <p:spPr/>
-        <p:txBody>
-          <a:bodyPr/>
-          <a:lstStyle/>
-          <a:p>
-            <a:r>
-              <a:rPr lang="en-US" dirty="0" smtClean="0"/>
+              <a:rPr lang="en-US" dirty="0"/>
               <a:t>Martin Fowler </a:t>
             </a:r>
             <a:r>
-              <a:rPr lang="en-US" dirty="0" smtClean="0">
+              <a:rPr lang="en-US" dirty="0">
                 <a:sym typeface="Wingdings" panose="05000000000000000000" pitchFamily="2" charset="2"/>
               </a:rPr>
               <a:t> blogs</a:t>
             </a:r>
             <a:r>
-              <a:rPr lang="en-US" baseline="0" dirty="0" smtClean="0">
+              <a:rPr lang="en-US" baseline="0" dirty="0">
                 <a:sym typeface="Wingdings" panose="05000000000000000000" pitchFamily="2" charset="2"/>
               </a:rPr>
               <a:t> </a:t>
             </a:r>
             <a:r>
-              <a:rPr lang="en-US" baseline="0" dirty="0" err="1" smtClean="0">
+              <a:rPr lang="en-US" baseline="0" dirty="0" err="1">
                 <a:sym typeface="Wingdings" panose="05000000000000000000" pitchFamily="2" charset="2"/>
               </a:rPr>
               <a:t>e.d.</a:t>
             </a:r>
-            <a:endParaRPr lang="en-US" dirty="0" smtClean="0"/>
-          </a:p>
-          <a:p>
-            <a:r>
-              <a:rPr lang="en-US" dirty="0" smtClean="0"/>
+            <a:endParaRPr lang="en-US" dirty="0"/>
+          </a:p>
+          <a:p>
+            <a:r>
+              <a:rPr lang="en-US" dirty="0"/>
               <a:t>Sam Newman </a:t>
             </a:r>
             <a:r>
-              <a:rPr lang="en-US" dirty="0" smtClean="0">
+              <a:rPr lang="en-US" dirty="0">
                 <a:sym typeface="Wingdings" panose="05000000000000000000" pitchFamily="2" charset="2"/>
               </a:rPr>
               <a:t> </a:t>
             </a:r>
             <a:r>
-              <a:rPr lang="en-US" dirty="0" err="1" smtClean="0">
+              <a:rPr lang="en-US" dirty="0" err="1">
                 <a:sym typeface="Wingdings" panose="05000000000000000000" pitchFamily="2" charset="2"/>
               </a:rPr>
               <a:t>boek</a:t>
             </a:r>
-            <a:endParaRPr lang="en-US" dirty="0" smtClean="0"/>
-          </a:p>
-          <a:p>
-            <a:r>
-              <a:rPr lang="en-US" dirty="0" smtClean="0"/>
+            <a:endParaRPr lang="en-US" dirty="0"/>
+          </a:p>
+          <a:p>
+            <a:r>
+              <a:rPr lang="en-US" dirty="0"/>
               <a:t>Spotify,</a:t>
             </a:r>
             <a:r>
-              <a:rPr lang="en-US" baseline="0" dirty="0" smtClean="0"/>
+              <a:rPr lang="en-US" baseline="0" dirty="0"/>
               <a:t> Netflix etc.</a:t>
             </a:r>
           </a:p>
           <a:p>
             <a:r>
-              <a:rPr lang="en-US" baseline="0" dirty="0" smtClean="0"/>
+              <a:rPr lang="en-US" baseline="0" dirty="0"/>
               <a:t>Autotelex!</a:t>
             </a:r>
             <a:endParaRPr lang="nl-NL" dirty="0"/>
@@ -1773,7 +1597,7 @@
           <a:p>
             <a:fld id="{2DB1139D-5AC7-4B0B-A715-E40E0591EF82}" type="slidenum">
               <a:rPr lang="nl-NL" smtClean="0"/>
-              <a:t>9</a:t>
+              <a:t>8</a:t>
             </a:fld>
             <a:endParaRPr lang="nl-NL" dirty="0"/>
           </a:p>
@@ -1871,10 +1695,9 @@
           </a:lstStyle>
           <a:p>
             <a:r>
-              <a:rPr lang="nl-NL" dirty="0" smtClean="0"/>
+              <a:rPr lang="nl-NL" dirty="0"/>
               <a:t>KLIK OM DE STIJL TE BEWERKEN</a:t>
             </a:r>
-            <a:endParaRPr lang="nl-NL" dirty="0"/>
           </a:p>
         </p:txBody>
       </p:sp>
@@ -1907,7 +1730,7 @@
           </a:lstStyle>
           <a:p>
             <a:r>
-              <a:rPr lang="en-US" smtClean="0"/>
+              <a:rPr lang="en-US"/>
               <a:t>Johannes Sim &amp; Renzo veldkamp</a:t>
             </a:r>
             <a:endParaRPr lang="nl-NL" dirty="0"/>
@@ -1944,7 +1767,7 @@
           <a:p>
             <a:fld id="{69E2E37C-AA1E-43B2-B213-E688D587CE49}" type="datetime4">
               <a:rPr lang="nl-NL" smtClean="0"/>
-              <a:t>8 november 2017</a:t>
+              <a:t>17 oktober 2018</a:t>
             </a:fld>
             <a:endParaRPr lang="nl-NL" dirty="0"/>
           </a:p>
@@ -1960,13 +1783,6 @@
   <p:clrMapOvr>
     <a:masterClrMapping/>
   </p:clrMapOvr>
-  <p:timing>
-    <p:tnLst>
-      <p:par>
-        <p:cTn id="1" dur="indefinite" restart="never" nodeType="tmRoot"/>
-      </p:par>
-    </p:tnLst>
-  </p:timing>
 </p:sldLayout>
 </file>
 
@@ -2003,10 +1819,9 @@
           <a:lstStyle/>
           <a:p>
             <a:r>
-              <a:rPr lang="nl-NL" dirty="0" smtClean="0"/>
+              <a:rPr lang="nl-NL" dirty="0"/>
               <a:t>KLIK OM DE STIJL TE BEWERKEN</a:t>
             </a:r>
-            <a:endParaRPr lang="nl-NL" dirty="0"/>
           </a:p>
         </p:txBody>
       </p:sp>
@@ -2032,21 +1847,21 @@
           <a:p>
             <a:pPr lvl="0"/>
             <a:r>
-              <a:rPr lang="nl-NL" dirty="0" smtClean="0"/>
+              <a:rPr lang="nl-NL" dirty="0"/>
               <a:t>Klik om de modelstijlen te bewerken</a:t>
             </a:r>
           </a:p>
           <a:p>
             <a:pPr lvl="1"/>
             <a:r>
-              <a:rPr lang="nl-NL" dirty="0" smtClean="0"/>
+              <a:rPr lang="nl-NL" dirty="0"/>
               <a:t>Tweede niveau</a:t>
             </a:r>
           </a:p>
           <a:p>
             <a:pPr lvl="2"/>
             <a:r>
-              <a:rPr lang="nl-NL" dirty="0" smtClean="0"/>
+              <a:rPr lang="nl-NL" dirty="0"/>
               <a:t>Derde niveau</a:t>
             </a:r>
           </a:p>
@@ -2069,7 +1884,7 @@
           <a:p>
             <a:fld id="{96BF97C2-7262-427C-9F3E-B0D6D33F54E2}" type="datetime4">
               <a:rPr lang="nl-NL" smtClean="0"/>
-              <a:t>8 november 2017</a:t>
+              <a:t>17 oktober 2018</a:t>
             </a:fld>
             <a:endParaRPr lang="nl-NL" dirty="0"/>
           </a:p>
@@ -2104,7 +1919,7 @@
           </a:lstStyle>
           <a:p>
             <a:r>
-              <a:rPr lang="nl-NL" smtClean="0"/>
+              <a:rPr lang="nl-NL"/>
               <a:t>Johannes Sim &amp; Renzo veldkamp</a:t>
             </a:r>
             <a:endParaRPr lang="nl-NL" dirty="0"/>
@@ -2214,13 +2029,6 @@
   <p:clrMapOvr>
     <a:masterClrMapping/>
   </p:clrMapOvr>
-  <p:timing>
-    <p:tnLst>
-      <p:par>
-        <p:cTn id="1" dur="indefinite" restart="never" nodeType="tmRoot"/>
-      </p:par>
-    </p:tnLst>
-  </p:timing>
 </p:sldLayout>
 </file>
 
@@ -2263,21 +2071,21 @@
           <a:p>
             <a:pPr lvl="0"/>
             <a:r>
-              <a:rPr lang="nl-NL" dirty="0" smtClean="0"/>
+              <a:rPr lang="nl-NL" dirty="0"/>
               <a:t>Klik om de modelstijlen te bewerken</a:t>
             </a:r>
           </a:p>
           <a:p>
             <a:pPr lvl="1"/>
             <a:r>
-              <a:rPr lang="nl-NL" dirty="0" smtClean="0"/>
+              <a:rPr lang="nl-NL" dirty="0"/>
               <a:t>Tweede niveau</a:t>
             </a:r>
           </a:p>
           <a:p>
             <a:pPr lvl="2"/>
             <a:r>
-              <a:rPr lang="nl-NL" dirty="0" smtClean="0"/>
+              <a:rPr lang="nl-NL" dirty="0"/>
               <a:t>Derde niveau</a:t>
             </a:r>
           </a:p>
@@ -2300,7 +2108,7 @@
           <a:p>
             <a:fld id="{AB63B3A2-628B-479E-BF05-5959017C6A02}" type="datetime4">
               <a:rPr lang="nl-NL" smtClean="0"/>
-              <a:t>8 november 2017</a:t>
+              <a:t>17 oktober 2018</a:t>
             </a:fld>
             <a:endParaRPr lang="nl-NL" dirty="0"/>
           </a:p>
@@ -2335,7 +2143,7 @@
           </a:lstStyle>
           <a:p>
             <a:r>
-              <a:rPr lang="nl-NL" smtClean="0"/>
+              <a:rPr lang="nl-NL"/>
               <a:t>Johannes Sim &amp; Renzo veldkamp</a:t>
             </a:r>
             <a:endParaRPr lang="nl-NL" dirty="0"/>
@@ -2445,13 +2253,6 @@
   <p:clrMapOvr>
     <a:masterClrMapping/>
   </p:clrMapOvr>
-  <p:timing>
-    <p:tnLst>
-      <p:par>
-        <p:cTn id="1" dur="indefinite" restart="never" nodeType="tmRoot"/>
-      </p:par>
-    </p:tnLst>
-  </p:timing>
 </p:sldLayout>
 </file>
 
@@ -2488,10 +2289,9 @@
           <a:lstStyle/>
           <a:p>
             <a:r>
-              <a:rPr lang="nl-NL" dirty="0" smtClean="0"/>
+              <a:rPr lang="nl-NL" dirty="0"/>
               <a:t>KLIK OM DE STIJL TE BEWERKEN</a:t>
             </a:r>
-            <a:endParaRPr lang="nl-NL" dirty="0"/>
           </a:p>
         </p:txBody>
       </p:sp>
@@ -2512,38 +2312,37 @@
           <a:p>
             <a:pPr lvl="0"/>
             <a:r>
-              <a:rPr lang="nl-NL" dirty="0" smtClean="0"/>
+              <a:rPr lang="nl-NL" dirty="0"/>
               <a:t>Klik om de modelstijlen te bewerken</a:t>
             </a:r>
           </a:p>
           <a:p>
             <a:pPr lvl="1"/>
             <a:r>
-              <a:rPr lang="nl-NL" dirty="0" smtClean="0"/>
+              <a:rPr lang="nl-NL" dirty="0"/>
               <a:t>Tweede niveau</a:t>
             </a:r>
           </a:p>
           <a:p>
             <a:pPr lvl="2"/>
             <a:r>
-              <a:rPr lang="nl-NL" dirty="0" smtClean="0"/>
+              <a:rPr lang="nl-NL" dirty="0"/>
               <a:t>Derde niveau</a:t>
             </a:r>
           </a:p>
           <a:p>
             <a:pPr lvl="3"/>
             <a:r>
-              <a:rPr lang="nl-NL" dirty="0" smtClean="0"/>
+              <a:rPr lang="nl-NL" dirty="0"/>
               <a:t>Vierde niveau</a:t>
             </a:r>
           </a:p>
           <a:p>
             <a:pPr lvl="4"/>
             <a:r>
-              <a:rPr lang="nl-NL" dirty="0" smtClean="0"/>
+              <a:rPr lang="nl-NL" dirty="0"/>
               <a:t>Vijfde niveau</a:t>
             </a:r>
-            <a:endParaRPr lang="nl-NL" dirty="0"/>
           </a:p>
         </p:txBody>
       </p:sp>
@@ -2576,7 +2375,7 @@
             <a:fld id="{249B52C1-75DC-496B-AF3F-4978B95BB865}" type="datetime4">
               <a:rPr lang="nl-NL" smtClean="0"/>
               <a:pPr/>
-              <a:t>8 november 2017</a:t>
+              <a:t>17 oktober 2018</a:t>
             </a:fld>
             <a:endParaRPr lang="nl-NL" dirty="0"/>
           </a:p>
@@ -2614,11 +2413,11 @@
           </a:lstStyle>
           <a:p>
             <a:r>
-              <a:rPr lang="nl-NL" dirty="0" smtClean="0"/>
+              <a:rPr lang="nl-NL" dirty="0"/>
               <a:t>Johannes Sim &amp; Renzo </a:t>
             </a:r>
             <a:r>
-              <a:rPr lang="nl-NL" dirty="0" err="1" smtClean="0"/>
+              <a:rPr lang="nl-NL" dirty="0" err="1"/>
               <a:t>veldkamp</a:t>
             </a:r>
             <a:endParaRPr lang="nl-NL" dirty="0"/>
@@ -2635,13 +2434,6 @@
   <p:clrMapOvr>
     <a:masterClrMapping/>
   </p:clrMapOvr>
-  <p:timing>
-    <p:tnLst>
-      <p:par>
-        <p:cTn id="1" dur="indefinite" restart="never" nodeType="tmRoot"/>
-      </p:par>
-    </p:tnLst>
-  </p:timing>
 </p:sldLayout>
 </file>
 
@@ -2679,7 +2471,7 @@
           <a:p>
             <a:fld id="{8D31B592-DB5E-43FC-B016-67E26C01643F}" type="datetime4">
               <a:rPr lang="nl-NL" smtClean="0"/>
-              <a:t>8 november 2017</a:t>
+              <a:t>17 oktober 2018</a:t>
             </a:fld>
             <a:endParaRPr lang="nl-NL" dirty="0"/>
           </a:p>
@@ -2709,7 +2501,7 @@
           </a:lstStyle>
           <a:p>
             <a:r>
-              <a:rPr lang="nl-NL" smtClean="0"/>
+              <a:rPr lang="nl-NL"/>
               <a:t>Johannes Sim &amp; Renzo veldkamp</a:t>
             </a:r>
             <a:endParaRPr lang="nl-NL" dirty="0"/>
@@ -2757,13 +2549,6 @@
   <p:clrMapOvr>
     <a:masterClrMapping/>
   </p:clrMapOvr>
-  <p:timing>
-    <p:tnLst>
-      <p:par>
-        <p:cTn id="1" dur="indefinite" restart="never" nodeType="tmRoot"/>
-      </p:par>
-    </p:tnLst>
-  </p:timing>
 </p:sldLayout>
 </file>
 
@@ -2812,10 +2597,9 @@
           </a:lstStyle>
           <a:p>
             <a:r>
-              <a:rPr lang="nl-NL" dirty="0" smtClean="0"/>
+              <a:rPr lang="nl-NL" dirty="0"/>
               <a:t>KLIK OM DE STIJL TE BEWERKEN</a:t>
             </a:r>
-            <a:endParaRPr lang="nl-NL" dirty="0"/>
           </a:p>
         </p:txBody>
       </p:sp>
@@ -2846,38 +2630,37 @@
           <a:p>
             <a:pPr lvl="0"/>
             <a:r>
-              <a:rPr lang="nl-NL" dirty="0" smtClean="0"/>
+              <a:rPr lang="nl-NL" dirty="0"/>
               <a:t>Klik om de modelstijlen te bewerken</a:t>
             </a:r>
           </a:p>
           <a:p>
             <a:pPr lvl="1"/>
             <a:r>
-              <a:rPr lang="nl-NL" dirty="0" smtClean="0"/>
+              <a:rPr lang="nl-NL" dirty="0"/>
               <a:t>Tweede niveau</a:t>
             </a:r>
           </a:p>
           <a:p>
             <a:pPr lvl="2"/>
             <a:r>
-              <a:rPr lang="nl-NL" dirty="0" smtClean="0"/>
+              <a:rPr lang="nl-NL" dirty="0"/>
               <a:t>Derde niveau</a:t>
             </a:r>
           </a:p>
           <a:p>
             <a:pPr lvl="3"/>
             <a:r>
-              <a:rPr lang="nl-NL" dirty="0" smtClean="0"/>
+              <a:rPr lang="nl-NL" dirty="0"/>
               <a:t>Vierde niveau</a:t>
             </a:r>
           </a:p>
           <a:p>
             <a:pPr lvl="4"/>
             <a:r>
-              <a:rPr lang="nl-NL" dirty="0" smtClean="0"/>
+              <a:rPr lang="nl-NL" dirty="0"/>
               <a:t>Vijfde niveau</a:t>
             </a:r>
-            <a:endParaRPr lang="nl-NL" dirty="0"/>
           </a:p>
         </p:txBody>
       </p:sp>
@@ -2898,7 +2681,7 @@
           <a:p>
             <a:fld id="{92E94904-3BB7-4874-AB8B-F31F00F8A078}" type="datetime4">
               <a:rPr lang="nl-NL" smtClean="0"/>
-              <a:t>8 november 2017</a:t>
+              <a:t>17 oktober 2018</a:t>
             </a:fld>
             <a:endParaRPr lang="nl-NL" dirty="0"/>
           </a:p>
@@ -2933,7 +2716,7 @@
           </a:lstStyle>
           <a:p>
             <a:r>
-              <a:rPr lang="nl-NL" smtClean="0"/>
+              <a:rPr lang="nl-NL"/>
               <a:t>Johannes Sim &amp; Renzo veldkamp</a:t>
             </a:r>
             <a:endParaRPr lang="nl-NL" dirty="0"/>
@@ -2981,13 +2764,6 @@
   <p:clrMapOvr>
     <a:masterClrMapping/>
   </p:clrMapOvr>
-  <p:timing>
-    <p:tnLst>
-      <p:par>
-        <p:cTn id="1" dur="indefinite" restart="never" nodeType="tmRoot"/>
-      </p:par>
-    </p:tnLst>
-  </p:timing>
 </p:sldLayout>
 </file>
 
@@ -3035,38 +2811,37 @@
           <a:p>
             <a:pPr lvl="0"/>
             <a:r>
-              <a:rPr lang="nl-NL" dirty="0" smtClean="0"/>
+              <a:rPr lang="nl-NL" dirty="0"/>
               <a:t>Klik om de modelstijlen te bewerken</a:t>
             </a:r>
           </a:p>
           <a:p>
             <a:pPr lvl="1"/>
             <a:r>
-              <a:rPr lang="nl-NL" dirty="0" smtClean="0"/>
+              <a:rPr lang="nl-NL" dirty="0"/>
               <a:t>Tweede niveau</a:t>
             </a:r>
           </a:p>
           <a:p>
             <a:pPr lvl="2"/>
             <a:r>
-              <a:rPr lang="nl-NL" dirty="0" smtClean="0"/>
+              <a:rPr lang="nl-NL" dirty="0"/>
               <a:t>Derde niveau</a:t>
             </a:r>
           </a:p>
           <a:p>
             <a:pPr lvl="3"/>
             <a:r>
-              <a:rPr lang="nl-NL" dirty="0" smtClean="0"/>
+              <a:rPr lang="nl-NL" dirty="0"/>
               <a:t>Vierde niveau</a:t>
             </a:r>
           </a:p>
           <a:p>
             <a:pPr lvl="4"/>
             <a:r>
-              <a:rPr lang="nl-NL" dirty="0" smtClean="0"/>
+              <a:rPr lang="nl-NL" dirty="0"/>
               <a:t>Vijfde niveau</a:t>
             </a:r>
-            <a:endParaRPr lang="nl-NL" dirty="0"/>
           </a:p>
         </p:txBody>
       </p:sp>
@@ -3087,7 +2862,7 @@
           <a:p>
             <a:fld id="{A9642D5E-8E53-4D94-8479-CCF9387ED904}" type="datetime4">
               <a:rPr lang="nl-NL" smtClean="0"/>
-              <a:t>8 november 2017</a:t>
+              <a:t>17 oktober 2018</a:t>
             </a:fld>
             <a:endParaRPr lang="nl-NL" dirty="0"/>
           </a:p>
@@ -3122,7 +2897,7 @@
           </a:lstStyle>
           <a:p>
             <a:r>
-              <a:rPr lang="nl-NL" smtClean="0"/>
+              <a:rPr lang="nl-NL"/>
               <a:t>Johannes Sim &amp; Renzo veldkamp</a:t>
             </a:r>
             <a:endParaRPr lang="nl-NL" dirty="0"/>
@@ -3170,13 +2945,6 @@
   <p:clrMapOvr>
     <a:masterClrMapping/>
   </p:clrMapOvr>
-  <p:timing>
-    <p:tnLst>
-      <p:par>
-        <p:cTn id="1" dur="indefinite" restart="never" nodeType="tmRoot"/>
-      </p:par>
-    </p:tnLst>
-  </p:timing>
 </p:sldLayout>
 </file>
 
@@ -3225,10 +2993,9 @@
           </a:lstStyle>
           <a:p>
             <a:r>
-              <a:rPr lang="nl-NL" dirty="0" smtClean="0"/>
+              <a:rPr lang="nl-NL" dirty="0"/>
               <a:t>KLIK OM DE STIJL TE BEWERKEN</a:t>
             </a:r>
-            <a:endParaRPr lang="nl-NL" dirty="0"/>
           </a:p>
         </p:txBody>
       </p:sp>
@@ -3259,38 +3026,37 @@
           <a:p>
             <a:pPr lvl="0"/>
             <a:r>
-              <a:rPr lang="nl-NL" dirty="0" smtClean="0"/>
+              <a:rPr lang="nl-NL" dirty="0"/>
               <a:t>Klik om de modelstijlen te bewerken</a:t>
             </a:r>
           </a:p>
           <a:p>
             <a:pPr lvl="1"/>
             <a:r>
-              <a:rPr lang="nl-NL" dirty="0" smtClean="0"/>
+              <a:rPr lang="nl-NL" dirty="0"/>
               <a:t>Tweede niveau</a:t>
             </a:r>
           </a:p>
           <a:p>
             <a:pPr lvl="2"/>
             <a:r>
-              <a:rPr lang="nl-NL" dirty="0" smtClean="0"/>
+              <a:rPr lang="nl-NL" dirty="0"/>
               <a:t>Derde niveau</a:t>
             </a:r>
           </a:p>
           <a:p>
             <a:pPr lvl="3"/>
             <a:r>
-              <a:rPr lang="nl-NL" dirty="0" smtClean="0"/>
+              <a:rPr lang="nl-NL" dirty="0"/>
               <a:t>Vierde niveau</a:t>
             </a:r>
           </a:p>
           <a:p>
             <a:pPr lvl="4"/>
             <a:r>
-              <a:rPr lang="nl-NL" dirty="0" smtClean="0"/>
+              <a:rPr lang="nl-NL" dirty="0"/>
               <a:t>Vijfde niveau</a:t>
             </a:r>
-            <a:endParaRPr lang="nl-NL" dirty="0"/>
           </a:p>
         </p:txBody>
       </p:sp>
@@ -3311,7 +3077,7 @@
           <a:p>
             <a:fld id="{87D76D0B-AA25-481F-9FCE-BD155C5A6085}" type="datetime4">
               <a:rPr lang="nl-NL" smtClean="0"/>
-              <a:t>8 november 2017</a:t>
+              <a:t>17 oktober 2018</a:t>
             </a:fld>
             <a:endParaRPr lang="nl-NL" dirty="0"/>
           </a:p>
@@ -3346,7 +3112,7 @@
           </a:lstStyle>
           <a:p>
             <a:r>
-              <a:rPr lang="nl-NL" smtClean="0"/>
+              <a:rPr lang="nl-NL"/>
               <a:t>Johannes Sim &amp; Renzo veldkamp</a:t>
             </a:r>
             <a:endParaRPr lang="nl-NL" dirty="0"/>
@@ -3425,13 +3191,6 @@
   <p:clrMapOvr>
     <a:masterClrMapping/>
   </p:clrMapOvr>
-  <p:timing>
-    <p:tnLst>
-      <p:par>
-        <p:cTn id="1" dur="indefinite" restart="never" nodeType="tmRoot"/>
-      </p:par>
-    </p:tnLst>
-  </p:timing>
 </p:sldLayout>
 </file>
 
@@ -3479,38 +3238,37 @@
           <a:p>
             <a:pPr lvl="0"/>
             <a:r>
-              <a:rPr lang="nl-NL" dirty="0" smtClean="0"/>
+              <a:rPr lang="nl-NL" dirty="0"/>
               <a:t>Klik om de modelstijlen te bewerken</a:t>
             </a:r>
           </a:p>
           <a:p>
             <a:pPr lvl="1"/>
             <a:r>
-              <a:rPr lang="nl-NL" dirty="0" smtClean="0"/>
+              <a:rPr lang="nl-NL" dirty="0"/>
               <a:t>Tweede niveau</a:t>
             </a:r>
           </a:p>
           <a:p>
             <a:pPr lvl="2"/>
             <a:r>
-              <a:rPr lang="nl-NL" dirty="0" smtClean="0"/>
+              <a:rPr lang="nl-NL" dirty="0"/>
               <a:t>Derde niveau</a:t>
             </a:r>
           </a:p>
           <a:p>
             <a:pPr lvl="3"/>
             <a:r>
-              <a:rPr lang="nl-NL" dirty="0" smtClean="0"/>
+              <a:rPr lang="nl-NL" dirty="0"/>
               <a:t>Vierde niveau</a:t>
             </a:r>
           </a:p>
           <a:p>
             <a:pPr lvl="4"/>
             <a:r>
-              <a:rPr lang="nl-NL" dirty="0" smtClean="0"/>
+              <a:rPr lang="nl-NL" dirty="0"/>
               <a:t>Vijfde niveau</a:t>
             </a:r>
-            <a:endParaRPr lang="nl-NL" dirty="0"/>
           </a:p>
         </p:txBody>
       </p:sp>
@@ -3531,7 +3289,7 @@
           <a:p>
             <a:fld id="{88C11819-B839-4C27-8B45-7170CEF46D62}" type="datetime4">
               <a:rPr lang="nl-NL" smtClean="0"/>
-              <a:t>8 november 2017</a:t>
+              <a:t>17 oktober 2018</a:t>
             </a:fld>
             <a:endParaRPr lang="nl-NL" dirty="0"/>
           </a:p>
@@ -3566,7 +3324,7 @@
           </a:lstStyle>
           <a:p>
             <a:r>
-              <a:rPr lang="nl-NL" smtClean="0"/>
+              <a:rPr lang="nl-NL"/>
               <a:t>Johannes Sim &amp; Renzo veldkamp</a:t>
             </a:r>
             <a:endParaRPr lang="nl-NL" dirty="0"/>
@@ -3645,13 +3403,6 @@
   <p:clrMapOvr>
     <a:masterClrMapping/>
   </p:clrMapOvr>
-  <p:timing>
-    <p:tnLst>
-      <p:par>
-        <p:cTn id="1" dur="indefinite" restart="never" nodeType="tmRoot"/>
-      </p:par>
-    </p:tnLst>
-  </p:timing>
 </p:sldLayout>
 </file>
 
@@ -3688,10 +3439,9 @@
           <a:lstStyle/>
           <a:p>
             <a:r>
-              <a:rPr lang="nl-NL" dirty="0" smtClean="0"/>
+              <a:rPr lang="nl-NL" dirty="0"/>
               <a:t>KLIK OM DE STIJL TE BEWERKEN</a:t>
             </a:r>
-            <a:endParaRPr lang="nl-NL" dirty="0"/>
           </a:p>
         </p:txBody>
       </p:sp>
@@ -3717,21 +3467,21 @@
           <a:p>
             <a:pPr lvl="0"/>
             <a:r>
-              <a:rPr lang="nl-NL" dirty="0" smtClean="0"/>
+              <a:rPr lang="nl-NL" dirty="0"/>
               <a:t>Klik om de modelstijlen te bewerken</a:t>
             </a:r>
           </a:p>
           <a:p>
             <a:pPr lvl="1"/>
             <a:r>
-              <a:rPr lang="nl-NL" dirty="0" smtClean="0"/>
+              <a:rPr lang="nl-NL" dirty="0"/>
               <a:t>Tweede niveau</a:t>
             </a:r>
           </a:p>
           <a:p>
             <a:pPr lvl="2"/>
             <a:r>
-              <a:rPr lang="nl-NL" dirty="0" smtClean="0"/>
+              <a:rPr lang="nl-NL" dirty="0"/>
               <a:t>Derde niveau</a:t>
             </a:r>
           </a:p>
@@ -3754,7 +3504,7 @@
           <a:p>
             <a:fld id="{174613E7-29CA-4C1D-88BD-FA51696C19FE}" type="datetime4">
               <a:rPr lang="nl-NL" smtClean="0"/>
-              <a:t>8 november 2017</a:t>
+              <a:t>17 oktober 2018</a:t>
             </a:fld>
             <a:endParaRPr lang="nl-NL" dirty="0"/>
           </a:p>
@@ -3789,7 +3539,7 @@
           </a:lstStyle>
           <a:p>
             <a:r>
-              <a:rPr lang="nl-NL" smtClean="0"/>
+              <a:rPr lang="nl-NL"/>
               <a:t>Johannes Sim &amp; Renzo veldkamp</a:t>
             </a:r>
             <a:endParaRPr lang="nl-NL" dirty="0"/>
@@ -3868,13 +3618,6 @@
   <p:clrMapOvr>
     <a:masterClrMapping/>
   </p:clrMapOvr>
-  <p:timing>
-    <p:tnLst>
-      <p:par>
-        <p:cTn id="1" dur="indefinite" restart="never" nodeType="tmRoot"/>
-      </p:par>
-    </p:tnLst>
-  </p:timing>
 </p:sldLayout>
 </file>
 
@@ -3917,21 +3660,21 @@
           <a:p>
             <a:pPr lvl="0"/>
             <a:r>
-              <a:rPr lang="nl-NL" dirty="0" smtClean="0"/>
+              <a:rPr lang="nl-NL" dirty="0"/>
               <a:t>Klik om de modelstijlen te bewerken</a:t>
             </a:r>
           </a:p>
           <a:p>
             <a:pPr lvl="1"/>
             <a:r>
-              <a:rPr lang="nl-NL" dirty="0" smtClean="0"/>
+              <a:rPr lang="nl-NL" dirty="0"/>
               <a:t>Tweede niveau</a:t>
             </a:r>
           </a:p>
           <a:p>
             <a:pPr lvl="2"/>
             <a:r>
-              <a:rPr lang="nl-NL" dirty="0" smtClean="0"/>
+              <a:rPr lang="nl-NL" dirty="0"/>
               <a:t>Derde niveau</a:t>
             </a:r>
           </a:p>
@@ -3954,7 +3697,7 @@
           <a:p>
             <a:fld id="{9F389A9C-5452-4AF4-8D69-2209042ED2AB}" type="datetime4">
               <a:rPr lang="nl-NL" smtClean="0"/>
-              <a:t>8 november 2017</a:t>
+              <a:t>17 oktober 2018</a:t>
             </a:fld>
             <a:endParaRPr lang="nl-NL" dirty="0"/>
           </a:p>
@@ -3989,7 +3732,7 @@
           </a:lstStyle>
           <a:p>
             <a:r>
-              <a:rPr lang="nl-NL" smtClean="0"/>
+              <a:rPr lang="nl-NL"/>
               <a:t>Johannes Sim &amp; Renzo veldkamp</a:t>
             </a:r>
             <a:endParaRPr lang="nl-NL" dirty="0"/>
@@ -4068,13 +3811,6 @@
   <p:clrMapOvr>
     <a:masterClrMapping/>
   </p:clrMapOvr>
-  <p:timing>
-    <p:tnLst>
-      <p:par>
-        <p:cTn id="1" dur="indefinite" restart="never" nodeType="tmRoot"/>
-      </p:par>
-    </p:tnLst>
-  </p:timing>
 </p:sldLayout>
 </file>
 
@@ -4165,10 +3901,10 @@
           <a:p>
             <a:fld id="{59ABBC3E-A20C-4DEE-9D7A-437B797B148A}" type="datetime4">
               <a:rPr lang="nl-NL" smtClean="0"/>
-              <a:t>8 november 2017</a:t>
+              <a:t>17 oktober 2018</a:t>
             </a:fld>
             <a:r>
-              <a:rPr lang="en-US" smtClean="0"/>
+              <a:rPr lang="en-US"/>
               <a:t> </a:t>
             </a:r>
             <a:endParaRPr lang="nl-NL" dirty="0"/>
@@ -4201,10 +3937,9 @@
           <a:lstStyle/>
           <a:p>
             <a:r>
-              <a:rPr lang="nl-NL" dirty="0" smtClean="0"/>
+              <a:rPr lang="nl-NL" dirty="0"/>
               <a:t>KLIK OM DE STIJL TE BEWERKEN</a:t>
             </a:r>
-            <a:endParaRPr lang="nl-NL" dirty="0"/>
           </a:p>
         </p:txBody>
       </p:sp>
@@ -4235,38 +3970,37 @@
           <a:p>
             <a:pPr lvl="0"/>
             <a:r>
-              <a:rPr lang="nl-NL" dirty="0" smtClean="0"/>
+              <a:rPr lang="nl-NL" dirty="0"/>
               <a:t>Klik om de modelstijlen te bewerken</a:t>
             </a:r>
           </a:p>
           <a:p>
             <a:pPr lvl="1"/>
             <a:r>
-              <a:rPr lang="nl-NL" dirty="0" smtClean="0"/>
+              <a:rPr lang="nl-NL" dirty="0"/>
               <a:t>Tweede niveau</a:t>
             </a:r>
           </a:p>
           <a:p>
             <a:pPr lvl="2"/>
             <a:r>
-              <a:rPr lang="nl-NL" dirty="0" smtClean="0"/>
+              <a:rPr lang="nl-NL" dirty="0"/>
               <a:t>Derde niveau</a:t>
             </a:r>
           </a:p>
           <a:p>
             <a:pPr lvl="3"/>
             <a:r>
-              <a:rPr lang="nl-NL" dirty="0" smtClean="0"/>
+              <a:rPr lang="nl-NL" dirty="0"/>
               <a:t>Vierde niveau</a:t>
             </a:r>
           </a:p>
           <a:p>
             <a:pPr lvl="4"/>
             <a:r>
-              <a:rPr lang="nl-NL" dirty="0" smtClean="0"/>
+              <a:rPr lang="nl-NL" dirty="0"/>
               <a:t>Vijfde niveau</a:t>
             </a:r>
-            <a:endParaRPr lang="nl-NL" dirty="0"/>
           </a:p>
         </p:txBody>
       </p:sp>
@@ -4304,7 +4038,7 @@
           </a:lstStyle>
           <a:p>
             <a:r>
-              <a:rPr lang="nl-NL" smtClean="0"/>
+              <a:rPr lang="nl-NL"/>
               <a:t>Johannes Sim &amp; Renzo veldkamp</a:t>
             </a:r>
             <a:endParaRPr lang="nl-NL" dirty="0"/>
@@ -4332,13 +4066,6 @@
     <p:sldLayoutId id="2147483669" r:id="rId10"/>
     <p:sldLayoutId id="2147483670" r:id="rId11"/>
   </p:sldLayoutIdLst>
-  <p:timing>
-    <p:tnLst>
-      <p:par>
-        <p:cTn id="1" dur="indefinite" restart="never" nodeType="tmRoot"/>
-      </p:par>
-    </p:tnLst>
-  </p:timing>
   <p:hf sldNum="0" hdr="0"/>
   <p:txStyles>
     <p:titleStyle>
@@ -4643,11 +4370,11 @@
           <a:lstStyle/>
           <a:p>
             <a:r>
-              <a:rPr lang="en-US" dirty="0" err="1" smtClean="0"/>
+              <a:rPr lang="en-US" dirty="0" err="1"/>
               <a:t>Microservices</a:t>
             </a:r>
             <a:r>
-              <a:rPr lang="en-US" dirty="0" smtClean="0"/>
+              <a:rPr lang="en-US" dirty="0"/>
               <a:t> 102</a:t>
             </a:r>
             <a:endParaRPr lang="nl-NL" dirty="0"/>
@@ -4671,7 +4398,7 @@
           <a:p>
             <a:fld id="{E8809DAD-F941-4A15-ABB1-44FA32742BE9}" type="datetime4">
               <a:rPr lang="nl-NL" smtClean="0"/>
-              <a:t>8 november 2017</a:t>
+              <a:t>17 oktober 2018</a:t>
             </a:fld>
             <a:endParaRPr lang="nl-NL" dirty="0"/>
           </a:p>
@@ -4698,17 +4425,17 @@
           <a:lstStyle/>
           <a:p>
             <a:r>
-              <a:rPr lang="en-US" dirty="0" smtClean="0"/>
+              <a:rPr lang="en-US" dirty="0"/>
               <a:t>Johannes Sim &amp;</a:t>
             </a:r>
           </a:p>
           <a:p>
             <a:r>
-              <a:rPr lang="en-US" dirty="0" smtClean="0"/>
+              <a:rPr lang="en-US" dirty="0"/>
               <a:t>Renzo </a:t>
             </a:r>
             <a:r>
-              <a:rPr lang="en-US" dirty="0" err="1" smtClean="0"/>
+              <a:rPr lang="en-US" dirty="0" err="1"/>
               <a:t>veldkamp</a:t>
             </a:r>
             <a:endParaRPr lang="nl-NL" dirty="0"/>
@@ -5061,13 +4788,6 @@
   <p:clrMapOvr>
     <a:masterClrMapping/>
   </p:clrMapOvr>
-  <p:timing>
-    <p:tnLst>
-      <p:par>
-        <p:cTn id="1" dur="indefinite" restart="never" nodeType="tmRoot"/>
-      </p:par>
-    </p:tnLst>
-  </p:timing>
 </p:sld>
 </file>
 
@@ -5104,7 +4824,7 @@
           <a:lstStyle/>
           <a:p>
             <a:r>
-              <a:rPr lang="nl-NL" cap="all" dirty="0" smtClean="0"/>
+              <a:rPr lang="nl-NL" cap="all" dirty="0"/>
               <a:t>onderwerpen</a:t>
             </a:r>
             <a:endParaRPr lang="nl-NL" dirty="0"/>
@@ -5139,11 +4859,11 @@
               </a:spcAft>
             </a:pPr>
             <a:r>
-              <a:rPr lang="nl-NL" dirty="0" err="1" smtClean="0"/>
+              <a:rPr lang="nl-NL" dirty="0" err="1"/>
               <a:t>Recap</a:t>
             </a:r>
             <a:r>
-              <a:rPr lang="nl-NL" dirty="0" smtClean="0"/>
+              <a:rPr lang="nl-NL" dirty="0"/>
               <a:t> 101</a:t>
             </a:r>
           </a:p>
@@ -5154,19 +4874,19 @@
               </a:spcAft>
             </a:pPr>
             <a:r>
-              <a:rPr lang="en-US" dirty="0" err="1" smtClean="0"/>
+              <a:rPr lang="en-US" dirty="0" err="1"/>
               <a:t>Gevolgen</a:t>
             </a:r>
             <a:r>
-              <a:rPr lang="en-US" dirty="0" smtClean="0"/>
+              <a:rPr lang="en-US" dirty="0"/>
               <a:t> </a:t>
             </a:r>
             <a:r>
-              <a:rPr lang="en-US" dirty="0" err="1" smtClean="0"/>
+              <a:rPr lang="en-US" dirty="0" err="1"/>
               <a:t>voor</a:t>
             </a:r>
             <a:r>
-              <a:rPr lang="en-US" dirty="0" smtClean="0"/>
+              <a:rPr lang="en-US" dirty="0"/>
               <a:t>:</a:t>
             </a:r>
           </a:p>
@@ -5177,10 +4897,10 @@
               </a:spcAft>
             </a:pPr>
             <a:r>
-              <a:rPr lang="en-US" dirty="0" err="1" smtClean="0"/>
+              <a:rPr lang="en-US" dirty="0" err="1"/>
               <a:t>bouw</a:t>
             </a:r>
-            <a:endParaRPr lang="en-US" dirty="0" smtClean="0"/>
+            <a:endParaRPr lang="en-US" dirty="0"/>
           </a:p>
           <a:p>
             <a:pPr lvl="1">
@@ -5189,7 +4909,7 @@
               </a:spcAft>
             </a:pPr>
             <a:r>
-              <a:rPr lang="en-US" dirty="0" smtClean="0"/>
+              <a:rPr lang="en-US" dirty="0"/>
               <a:t>deployment</a:t>
             </a:r>
           </a:p>
@@ -5200,10 +4920,10 @@
               </a:spcAft>
             </a:pPr>
             <a:r>
-              <a:rPr lang="en-US" dirty="0" err="1" smtClean="0"/>
+              <a:rPr lang="en-US" dirty="0" err="1"/>
               <a:t>beheer</a:t>
             </a:r>
-            <a:endParaRPr lang="en-US" dirty="0" smtClean="0"/>
+            <a:endParaRPr lang="en-US" dirty="0"/>
           </a:p>
           <a:p>
             <a:pPr>
@@ -5212,10 +4932,10 @@
               </a:spcAft>
             </a:pPr>
             <a:r>
-              <a:rPr lang="en-US" dirty="0" err="1" smtClean="0"/>
+              <a:rPr lang="en-US" dirty="0" err="1"/>
               <a:t>Nadelen</a:t>
             </a:r>
-            <a:endParaRPr lang="nl-NL" dirty="0" smtClean="0"/>
+            <a:endParaRPr lang="nl-NL" dirty="0"/>
           </a:p>
           <a:p>
             <a:pPr>
@@ -5224,7 +4944,7 @@
               </a:spcAft>
             </a:pPr>
             <a:r>
-              <a:rPr lang="en-US" dirty="0" err="1" smtClean="0"/>
+              <a:rPr lang="en-US" dirty="0" err="1"/>
               <a:t>Vragen</a:t>
             </a:r>
             <a:endParaRPr lang="nl-NL" dirty="0"/>
@@ -5236,10 +4956,9 @@
               </a:spcAft>
             </a:pPr>
             <a:r>
-              <a:rPr lang="nl-NL" dirty="0" smtClean="0"/>
+              <a:rPr lang="nl-NL" dirty="0"/>
               <a:t>Referenties</a:t>
             </a:r>
-            <a:endParaRPr lang="nl-NL" dirty="0"/>
           </a:p>
         </p:txBody>
       </p:sp>
@@ -5259,7 +4978,7 @@
           <a:lstStyle/>
           <a:p>
             <a:r>
-              <a:rPr lang="nl-NL" dirty="0" smtClean="0">
+              <a:rPr lang="nl-NL" dirty="0">
                 <a:solidFill>
                   <a:srgbClr val="009036"/>
                 </a:solidFill>
@@ -5267,7 +4986,7 @@
               <a:t>Johannes Sim &amp; Renzo </a:t>
             </a:r>
             <a:r>
-              <a:rPr lang="nl-NL" dirty="0" err="1" smtClean="0">
+              <a:rPr lang="nl-NL" dirty="0" err="1">
                 <a:solidFill>
                   <a:srgbClr val="009036"/>
                 </a:solidFill>
@@ -5303,7 +5022,7 @@
                   <a:srgbClr val="009036"/>
                 </a:solidFill>
               </a:rPr>
-              <a:t>8 november 2017</a:t>
+              <a:t>17 oktober 2018</a:t>
             </a:fld>
             <a:endParaRPr lang="nl-NL" sz="900" cap="all" dirty="0">
               <a:solidFill>
@@ -5353,13 +5072,6 @@
   <p:clrMapOvr>
     <a:masterClrMapping/>
   </p:clrMapOvr>
-  <p:timing>
-    <p:tnLst>
-      <p:par>
-        <p:cTn id="1" dur="indefinite" restart="never" nodeType="tmRoot"/>
-      </p:par>
-    </p:tnLst>
-  </p:timing>
 </p:sld>
 </file>
 
@@ -5425,10 +5137,9 @@
           <a:p>
             <a:pPr algn="ctr"/>
             <a:r>
-              <a:rPr lang="nl-NL" dirty="0" smtClean="0"/>
+              <a:rPr lang="nl-NL" dirty="0"/>
               <a:t>logica</a:t>
             </a:r>
-            <a:endParaRPr lang="nl-NL" dirty="0"/>
           </a:p>
         </p:txBody>
       </p:sp>
@@ -5477,11 +5188,6 @@
               </a:rPr>
               <a:t>presentatie</a:t>
             </a:r>
-            <a:endParaRPr lang="nl-NL" dirty="0">
-              <a:solidFill>
-                <a:schemeClr val="tx1"/>
-              </a:solidFill>
-            </a:endParaRPr>
           </a:p>
         </p:txBody>
       </p:sp>
@@ -5530,10 +5236,9 @@
           <a:p>
             <a:pPr algn="ctr"/>
             <a:r>
-              <a:rPr lang="nl-NL" dirty="0" smtClean="0"/>
+              <a:rPr lang="nl-NL" dirty="0"/>
               <a:t>logica</a:t>
             </a:r>
-            <a:endParaRPr lang="nl-NL" dirty="0"/>
           </a:p>
         </p:txBody>
       </p:sp>
@@ -5582,10 +5287,9 @@
           <a:p>
             <a:pPr algn="ctr"/>
             <a:r>
-              <a:rPr lang="nl-NL" dirty="0" smtClean="0"/>
+              <a:rPr lang="nl-NL" dirty="0"/>
               <a:t>data</a:t>
             </a:r>
-            <a:endParaRPr lang="nl-NL" dirty="0"/>
           </a:p>
         </p:txBody>
       </p:sp>
@@ -5612,10 +5316,9 @@
           <a:lstStyle/>
           <a:p>
             <a:r>
-              <a:rPr lang="nl-NL" dirty="0" smtClean="0"/>
+              <a:rPr lang="nl-NL" dirty="0"/>
               <a:t>facturatie</a:t>
             </a:r>
-            <a:endParaRPr lang="nl-NL" dirty="0"/>
           </a:p>
         </p:txBody>
       </p:sp>
@@ -5664,10 +5367,9 @@
           <a:p>
             <a:pPr algn="ctr"/>
             <a:r>
-              <a:rPr lang="nl-NL" dirty="0" smtClean="0"/>
+              <a:rPr lang="nl-NL" dirty="0"/>
               <a:t>logica</a:t>
             </a:r>
-            <a:endParaRPr lang="nl-NL" dirty="0"/>
           </a:p>
         </p:txBody>
       </p:sp>
@@ -5716,10 +5418,9 @@
           <a:p>
             <a:pPr algn="ctr"/>
             <a:r>
-              <a:rPr lang="nl-NL" dirty="0" smtClean="0"/>
+              <a:rPr lang="nl-NL" dirty="0"/>
               <a:t>data</a:t>
             </a:r>
-            <a:endParaRPr lang="nl-NL" dirty="0"/>
           </a:p>
         </p:txBody>
       </p:sp>
@@ -5746,10 +5447,9 @@
           <a:lstStyle/>
           <a:p>
             <a:r>
-              <a:rPr lang="nl-NL" dirty="0" smtClean="0"/>
+              <a:rPr lang="nl-NL" dirty="0"/>
               <a:t>facturatie</a:t>
             </a:r>
-            <a:endParaRPr lang="nl-NL" dirty="0"/>
           </a:p>
         </p:txBody>
       </p:sp>
@@ -5802,7 +5502,7 @@
                   <a:srgbClr val="009036"/>
                 </a:solidFill>
               </a:rPr>
-              <a:t>8 november 2017</a:t>
+              <a:t>17 oktober 2018</a:t>
             </a:fld>
             <a:endParaRPr lang="nl-NL" sz="900" cap="all" dirty="0">
               <a:solidFill>
@@ -5828,7 +5528,7 @@
           <a:lstStyle/>
           <a:p>
             <a:r>
-              <a:rPr lang="nl-NL" smtClean="0">
+              <a:rPr lang="nl-NL">
                 <a:solidFill>
                   <a:srgbClr val="009036"/>
                 </a:solidFill>
@@ -5888,11 +5588,6 @@
               </a:rPr>
               <a:t>presentatie</a:t>
             </a:r>
-            <a:endParaRPr lang="nl-NL" dirty="0">
-              <a:solidFill>
-                <a:schemeClr val="tx1"/>
-              </a:solidFill>
-            </a:endParaRPr>
           </a:p>
         </p:txBody>
       </p:sp>
@@ -5941,10 +5636,9 @@
           <a:p>
             <a:pPr algn="ctr"/>
             <a:r>
-              <a:rPr lang="nl-NL" dirty="0" smtClean="0"/>
+              <a:rPr lang="nl-NL" dirty="0"/>
               <a:t>logica</a:t>
             </a:r>
-            <a:endParaRPr lang="nl-NL" dirty="0"/>
           </a:p>
         </p:txBody>
       </p:sp>
@@ -5993,10 +5687,9 @@
           <a:p>
             <a:pPr algn="ctr"/>
             <a:r>
-              <a:rPr lang="nl-NL" dirty="0" smtClean="0"/>
+              <a:rPr lang="nl-NL" dirty="0"/>
               <a:t>data</a:t>
             </a:r>
-            <a:endParaRPr lang="nl-NL" dirty="0"/>
           </a:p>
         </p:txBody>
       </p:sp>
@@ -6045,11 +5738,6 @@
               </a:rPr>
               <a:t>presentatie</a:t>
             </a:r>
-            <a:endParaRPr lang="nl-NL" dirty="0">
-              <a:solidFill>
-                <a:schemeClr val="tx1"/>
-              </a:solidFill>
-            </a:endParaRPr>
           </a:p>
         </p:txBody>
       </p:sp>
@@ -6098,10 +5786,9 @@
           <a:p>
             <a:pPr algn="ctr"/>
             <a:r>
-              <a:rPr lang="nl-NL" dirty="0" smtClean="0"/>
+              <a:rPr lang="nl-NL" dirty="0"/>
               <a:t>logica</a:t>
             </a:r>
-            <a:endParaRPr lang="nl-NL" dirty="0"/>
           </a:p>
         </p:txBody>
       </p:sp>
@@ -6150,10 +5837,9 @@
           <a:p>
             <a:pPr algn="ctr"/>
             <a:r>
-              <a:rPr lang="nl-NL" dirty="0" smtClean="0"/>
+              <a:rPr lang="nl-NL" dirty="0"/>
               <a:t>data</a:t>
             </a:r>
-            <a:endParaRPr lang="nl-NL" dirty="0"/>
           </a:p>
         </p:txBody>
       </p:sp>
@@ -6202,11 +5888,6 @@
               </a:rPr>
               <a:t>presentatie</a:t>
             </a:r>
-            <a:endParaRPr lang="nl-NL" dirty="0">
-              <a:solidFill>
-                <a:schemeClr val="tx1"/>
-              </a:solidFill>
-            </a:endParaRPr>
           </a:p>
         </p:txBody>
       </p:sp>
@@ -6255,10 +5936,9 @@
           <a:p>
             <a:pPr algn="ctr"/>
             <a:r>
-              <a:rPr lang="nl-NL" dirty="0" smtClean="0"/>
+              <a:rPr lang="nl-NL" dirty="0"/>
               <a:t>logica</a:t>
             </a:r>
-            <a:endParaRPr lang="nl-NL" dirty="0"/>
           </a:p>
         </p:txBody>
       </p:sp>
@@ -6307,10 +5987,9 @@
           <a:p>
             <a:pPr algn="ctr"/>
             <a:r>
-              <a:rPr lang="nl-NL" dirty="0" smtClean="0"/>
+              <a:rPr lang="nl-NL" dirty="0"/>
               <a:t>data</a:t>
             </a:r>
-            <a:endParaRPr lang="nl-NL" dirty="0"/>
           </a:p>
         </p:txBody>
       </p:sp>
@@ -6337,10 +6016,9 @@
           <a:lstStyle/>
           <a:p>
             <a:r>
-              <a:rPr lang="nl-NL" dirty="0" smtClean="0"/>
+              <a:rPr lang="nl-NL" dirty="0"/>
               <a:t>klantgegevens</a:t>
             </a:r>
-            <a:endParaRPr lang="nl-NL" dirty="0"/>
           </a:p>
         </p:txBody>
       </p:sp>
@@ -6447,7 +6125,7 @@
           <a:p>
             <a:pPr algn="ctr"/>
             <a:r>
-              <a:rPr lang="nl-NL" dirty="0" err="1" smtClean="0"/>
+              <a:rPr lang="nl-NL" dirty="0" err="1"/>
               <a:t>api</a:t>
             </a:r>
             <a:endParaRPr lang="nl-NL" dirty="0"/>
@@ -6499,10 +6177,9 @@
           <a:p>
             <a:pPr algn="ctr"/>
             <a:r>
-              <a:rPr lang="nl-NL" dirty="0" smtClean="0"/>
+              <a:rPr lang="nl-NL" dirty="0"/>
               <a:t>logica</a:t>
             </a:r>
-            <a:endParaRPr lang="nl-NL" dirty="0"/>
           </a:p>
         </p:txBody>
       </p:sp>
@@ -6551,10 +6228,9 @@
           <a:p>
             <a:pPr algn="ctr"/>
             <a:r>
-              <a:rPr lang="nl-NL" dirty="0" smtClean="0"/>
+              <a:rPr lang="nl-NL" dirty="0"/>
               <a:t>data</a:t>
             </a:r>
-            <a:endParaRPr lang="nl-NL" dirty="0"/>
           </a:p>
         </p:txBody>
       </p:sp>
@@ -6581,10 +6257,9 @@
           <a:lstStyle/>
           <a:p>
             <a:r>
-              <a:rPr lang="nl-NL" dirty="0" smtClean="0"/>
+              <a:rPr lang="nl-NL" dirty="0"/>
               <a:t>klantgegevens</a:t>
             </a:r>
-            <a:endParaRPr lang="nl-NL" dirty="0"/>
           </a:p>
         </p:txBody>
       </p:sp>
@@ -6685,10 +6360,9 @@
           <a:p>
             <a:pPr algn="ctr"/>
             <a:r>
-              <a:rPr lang="nl-NL" dirty="0" smtClean="0"/>
+              <a:rPr lang="nl-NL" dirty="0"/>
               <a:t>data</a:t>
             </a:r>
-            <a:endParaRPr lang="nl-NL" dirty="0"/>
           </a:p>
         </p:txBody>
       </p:sp>
@@ -6715,10 +6389,9 @@
           <a:lstStyle/>
           <a:p>
             <a:r>
-              <a:rPr lang="nl-NL" dirty="0" smtClean="0"/>
+              <a:rPr lang="nl-NL" dirty="0"/>
               <a:t>inkoop</a:t>
             </a:r>
-            <a:endParaRPr lang="nl-NL" dirty="0"/>
           </a:p>
         </p:txBody>
       </p:sp>
@@ -6819,10 +6492,9 @@
           <a:p>
             <a:pPr algn="ctr"/>
             <a:r>
-              <a:rPr lang="nl-NL" dirty="0" smtClean="0"/>
+              <a:rPr lang="nl-NL" dirty="0"/>
               <a:t>logica</a:t>
             </a:r>
-            <a:endParaRPr lang="nl-NL" dirty="0"/>
           </a:p>
         </p:txBody>
       </p:sp>
@@ -6871,10 +6543,9 @@
           <a:p>
             <a:pPr algn="ctr"/>
             <a:r>
-              <a:rPr lang="nl-NL" dirty="0" smtClean="0"/>
+              <a:rPr lang="nl-NL" dirty="0"/>
               <a:t>data</a:t>
             </a:r>
-            <a:endParaRPr lang="nl-NL" dirty="0"/>
           </a:p>
         </p:txBody>
       </p:sp>
@@ -6901,10 +6572,9 @@
           <a:lstStyle/>
           <a:p>
             <a:r>
-              <a:rPr lang="nl-NL" dirty="0" smtClean="0"/>
+              <a:rPr lang="nl-NL" dirty="0"/>
               <a:t>logistiek</a:t>
             </a:r>
-            <a:endParaRPr lang="nl-NL" dirty="0"/>
           </a:p>
         </p:txBody>
       </p:sp>
@@ -9152,10 +8822,9 @@
               </a:spcAft>
             </a:pPr>
             <a:r>
-              <a:rPr lang="nl-NL" dirty="0" smtClean="0"/>
+              <a:rPr lang="nl-NL" dirty="0"/>
               <a:t>Gevolgen voor bouw</a:t>
             </a:r>
-            <a:endParaRPr lang="nl-NL" dirty="0"/>
           </a:p>
         </p:txBody>
       </p:sp>
@@ -9180,7 +8849,7 @@
               </a:spcAft>
             </a:pPr>
             <a:r>
-              <a:rPr lang="nl-NL" dirty="0" smtClean="0"/>
+              <a:rPr lang="nl-NL" dirty="0"/>
               <a:t>API-management</a:t>
             </a:r>
           </a:p>
@@ -9191,7 +8860,7 @@
               </a:spcAft>
             </a:pPr>
             <a:r>
-              <a:rPr lang="nl-NL" dirty="0" smtClean="0"/>
+              <a:rPr lang="nl-NL" dirty="0"/>
               <a:t>(Technisch) ontwerp</a:t>
             </a:r>
           </a:p>
@@ -9203,11 +8872,7 @@
             </a:pPr>
             <a:r>
               <a:rPr lang="nl-NL" dirty="0"/>
-              <a:t>Source </a:t>
-            </a:r>
-            <a:r>
-              <a:rPr lang="nl-NL" dirty="0" smtClean="0"/>
-              <a:t>control</a:t>
+              <a:t>Source control</a:t>
             </a:r>
           </a:p>
           <a:p>
@@ -9217,7 +8882,7 @@
               </a:spcAft>
             </a:pPr>
             <a:r>
-              <a:rPr lang="en-US" dirty="0" smtClean="0"/>
+              <a:rPr lang="en-US" dirty="0"/>
               <a:t>Per service minder code:</a:t>
             </a:r>
           </a:p>
@@ -9228,14 +8893,14 @@
               </a:spcAft>
             </a:pPr>
             <a:r>
-              <a:rPr lang="en-US" dirty="0" smtClean="0"/>
+              <a:rPr lang="en-US" dirty="0"/>
               <a:t>Meer </a:t>
             </a:r>
             <a:r>
-              <a:rPr lang="en-US" dirty="0" err="1" smtClean="0"/>
+              <a:rPr lang="en-US" dirty="0" err="1"/>
               <a:t>overzicht</a:t>
             </a:r>
-            <a:endParaRPr lang="nl-NL" dirty="0" smtClean="0"/>
+            <a:endParaRPr lang="nl-NL" dirty="0"/>
           </a:p>
           <a:p>
             <a:pPr lvl="1">
@@ -9244,11 +8909,11 @@
               </a:spcAft>
             </a:pPr>
             <a:r>
-              <a:rPr lang="nl-NL" dirty="0" smtClean="0"/>
+              <a:rPr lang="nl-NL" dirty="0"/>
               <a:t>Gemakkelijker </a:t>
             </a:r>
             <a:r>
-              <a:rPr lang="nl-NL" dirty="0" err="1" smtClean="0"/>
+              <a:rPr lang="nl-NL" dirty="0" err="1"/>
               <a:t>testbaar</a:t>
             </a:r>
             <a:endParaRPr lang="nl-NL" dirty="0"/>
@@ -9276,7 +8941,7 @@
                   <a:srgbClr val="009036"/>
                 </a:solidFill>
               </a:rPr>
-              <a:t>8 november 2017</a:t>
+              <a:t>17 oktober 2018</a:t>
             </a:fld>
             <a:endParaRPr lang="nl-NL" sz="900" cap="all" dirty="0">
               <a:solidFill>
@@ -9302,7 +8967,7 @@
           <a:lstStyle/>
           <a:p>
             <a:r>
-              <a:rPr lang="nl-NL" smtClean="0">
+              <a:rPr lang="nl-NL">
                 <a:solidFill>
                   <a:srgbClr val="009036"/>
                 </a:solidFill>
@@ -9327,13 +8992,6 @@
   <p:clrMapOvr>
     <a:masterClrMapping/>
   </p:clrMapOvr>
-  <p:timing>
-    <p:tnLst>
-      <p:par>
-        <p:cTn id="1" dur="indefinite" restart="never" nodeType="tmRoot"/>
-      </p:par>
-    </p:tnLst>
-  </p:timing>
 </p:sld>
 </file>
 
@@ -9375,11 +9033,11 @@
               </a:spcAft>
             </a:pPr>
             <a:r>
-              <a:rPr lang="nl-NL" dirty="0" smtClean="0"/>
+              <a:rPr lang="nl-NL" dirty="0"/>
               <a:t>Gevolgen voor deployment</a:t>
             </a:r>
             <a:br>
-              <a:rPr lang="nl-NL" dirty="0" smtClean="0"/>
+              <a:rPr lang="nl-NL" dirty="0"/>
             </a:br>
             <a:endParaRPr lang="nl-NL" dirty="0"/>
           </a:p>
@@ -9406,25 +9064,25 @@
               </a:spcAft>
             </a:pPr>
             <a:r>
-              <a:rPr lang="nl-NL" dirty="0" smtClean="0"/>
+              <a:rPr lang="nl-NL" dirty="0"/>
               <a:t>Zoveel mogelijk geautomatiseerde </a:t>
             </a:r>
             <a:r>
-              <a:rPr lang="nl-NL" dirty="0" err="1" smtClean="0"/>
+              <a:rPr lang="nl-NL" dirty="0" err="1"/>
               <a:t>deployment</a:t>
             </a:r>
             <a:r>
-              <a:rPr lang="nl-NL" dirty="0" smtClean="0"/>
+              <a:rPr lang="nl-NL" dirty="0"/>
               <a:t> </a:t>
             </a:r>
             <a:r>
-              <a:rPr lang="nl-NL" dirty="0" smtClean="0">
+              <a:rPr lang="nl-NL" dirty="0">
                 <a:sym typeface="Wingdings" panose="05000000000000000000" pitchFamily="2" charset="2"/>
               </a:rPr>
               <a:t> </a:t>
             </a:r>
             <a:r>
-              <a:rPr lang="nl-NL" dirty="0" smtClean="0"/>
+              <a:rPr lang="nl-NL" dirty="0"/>
               <a:t>CI/CD!</a:t>
             </a:r>
           </a:p>
@@ -9435,7 +9093,7 @@
               </a:spcAft>
             </a:pPr>
             <a:r>
-              <a:rPr lang="nl-NL" dirty="0" smtClean="0"/>
+              <a:rPr lang="nl-NL" dirty="0"/>
               <a:t>‘Rolling updates’</a:t>
             </a:r>
           </a:p>
@@ -9446,10 +9104,9 @@
               </a:spcAft>
             </a:pPr>
             <a:r>
-              <a:rPr lang="nl-NL" dirty="0" smtClean="0"/>
+              <a:rPr lang="nl-NL" dirty="0"/>
               <a:t>Traceerbaarheid</a:t>
             </a:r>
-            <a:endParaRPr lang="nl-NL" dirty="0"/>
           </a:p>
         </p:txBody>
       </p:sp>
@@ -9474,7 +9131,7 @@
                   <a:srgbClr val="009036"/>
                 </a:solidFill>
               </a:rPr>
-              <a:t>8 november 2017</a:t>
+              <a:t>17 oktober 2018</a:t>
             </a:fld>
             <a:endParaRPr lang="nl-NL" sz="900" cap="all" dirty="0">
               <a:solidFill>
@@ -9500,7 +9157,7 @@
           <a:lstStyle/>
           <a:p>
             <a:r>
-              <a:rPr lang="nl-NL" smtClean="0">
+              <a:rPr lang="nl-NL">
                 <a:solidFill>
                   <a:srgbClr val="009036"/>
                 </a:solidFill>
@@ -9584,13 +9241,6 @@
   <p:clrMapOvr>
     <a:masterClrMapping/>
   </p:clrMapOvr>
-  <p:timing>
-    <p:tnLst>
-      <p:par>
-        <p:cTn id="1" dur="indefinite" restart="never" nodeType="tmRoot"/>
-      </p:par>
-    </p:tnLst>
-  </p:timing>
 </p:sld>
 </file>
 
@@ -9632,18 +9282,14 @@
               </a:spcAft>
             </a:pPr>
             <a:r>
-              <a:rPr lang="nl-NL" dirty="0" smtClean="0"/>
+              <a:rPr lang="nl-NL" dirty="0"/>
               <a:t>Gevolgen voor beheer</a:t>
             </a:r>
             <a:br>
-              <a:rPr lang="nl-NL" dirty="0" smtClean="0"/>
+              <a:rPr lang="nl-NL" dirty="0"/>
             </a:br>
-            <a:r>
-              <a:rPr lang="nl-NL" dirty="0" smtClean="0"/>
-              <a:t/>
-            </a:r>
             <a:br>
-              <a:rPr lang="nl-NL" dirty="0" smtClean="0"/>
+              <a:rPr lang="nl-NL" dirty="0"/>
             </a:br>
             <a:endParaRPr lang="nl-NL" dirty="0"/>
           </a:p>
@@ -9670,7 +9316,7 @@
               </a:spcAft>
             </a:pPr>
             <a:r>
-              <a:rPr lang="nl-NL" dirty="0" smtClean="0"/>
+              <a:rPr lang="nl-NL" dirty="0"/>
               <a:t>Bewaking</a:t>
             </a:r>
           </a:p>
@@ -9681,10 +9327,10 @@
               </a:spcAft>
             </a:pPr>
             <a:r>
-              <a:rPr lang="nl-NL" dirty="0" err="1" smtClean="0"/>
+              <a:rPr lang="nl-NL" dirty="0" err="1"/>
               <a:t>Logging</a:t>
             </a:r>
-            <a:endParaRPr lang="nl-NL" dirty="0" smtClean="0"/>
+            <a:endParaRPr lang="nl-NL" dirty="0"/>
           </a:p>
           <a:p>
             <a:pPr>
@@ -9693,7 +9339,7 @@
               </a:spcAft>
             </a:pPr>
             <a:r>
-              <a:rPr lang="nl-NL" dirty="0" smtClean="0"/>
+              <a:rPr lang="nl-NL" dirty="0"/>
               <a:t>Foutopsporing</a:t>
             </a:r>
           </a:p>
@@ -9704,11 +9350,11 @@
               </a:spcAft>
             </a:pPr>
             <a:r>
-              <a:rPr lang="nl-NL" dirty="0" err="1" smtClean="0"/>
+              <a:rPr lang="nl-NL" dirty="0" err="1"/>
               <a:t>Capacity</a:t>
             </a:r>
             <a:r>
-              <a:rPr lang="nl-NL" dirty="0" smtClean="0"/>
+              <a:rPr lang="nl-NL" dirty="0"/>
               <a:t> management</a:t>
             </a:r>
           </a:p>
@@ -9719,10 +9365,9 @@
               </a:spcAft>
             </a:pPr>
             <a:r>
-              <a:rPr lang="nl-NL" dirty="0" smtClean="0"/>
+              <a:rPr lang="nl-NL" dirty="0"/>
               <a:t>Extra component voor communicatie (eventueel)</a:t>
             </a:r>
-            <a:endParaRPr lang="nl-NL" dirty="0"/>
           </a:p>
         </p:txBody>
       </p:sp>
@@ -9747,7 +9392,7 @@
                   <a:srgbClr val="009036"/>
                 </a:solidFill>
               </a:rPr>
-              <a:t>8 november 2017</a:t>
+              <a:t>17 oktober 2018</a:t>
             </a:fld>
             <a:endParaRPr lang="nl-NL" sz="900" cap="all" dirty="0">
               <a:solidFill>
@@ -9773,7 +9418,7 @@
           <a:lstStyle/>
           <a:p>
             <a:r>
-              <a:rPr lang="nl-NL" smtClean="0">
+              <a:rPr lang="nl-NL">
                 <a:solidFill>
                   <a:srgbClr val="009036"/>
                 </a:solidFill>
@@ -9798,13 +9443,6 @@
   <p:clrMapOvr>
     <a:masterClrMapping/>
   </p:clrMapOvr>
-  <p:timing>
-    <p:tnLst>
-      <p:par>
-        <p:cTn id="1" dur="indefinite" restart="never" nodeType="tmRoot"/>
-      </p:par>
-    </p:tnLst>
-  </p:timing>
 </p:sld>
 </file>
 
@@ -9827,12 +9465,12 @@
       </p:grpSpPr>
       <p:sp>
         <p:nvSpPr>
-          <p:cNvPr id="2" name="Titel 1"/>
+          <p:cNvPr id="11" name="Titel 10"/>
           <p:cNvSpPr>
             <a:spLocks noGrp="1"/>
           </p:cNvSpPr>
           <p:nvPr>
-            <p:ph type="title"/>
+            <p:ph type="ctrTitle"/>
           </p:nvPr>
         </p:nvSpPr>
         <p:spPr/>
@@ -9841,21 +9479,100 @@
           <a:lstStyle/>
           <a:p>
             <a:r>
-              <a:rPr lang="nl-NL" dirty="0" smtClean="0"/>
-              <a:t>nadelen</a:t>
-            </a:r>
-            <a:endParaRPr lang="nl-NL" dirty="0"/>
-          </a:p>
-        </p:txBody>
-      </p:sp>
-      <p:sp>
-        <p:nvSpPr>
-          <p:cNvPr id="3" name="Tijdelijke aanduiding voor inhoud 2"/>
+              <a:rPr lang="nl-NL" dirty="0"/>
+              <a:t>Vragen?</a:t>
+            </a:r>
+          </a:p>
+        </p:txBody>
+      </p:sp>
+      <p:sp>
+        <p:nvSpPr>
+          <p:cNvPr id="2" name="Tekstvak 1"/>
+          <p:cNvSpPr txBox="1"/>
+          <p:nvPr/>
+        </p:nvSpPr>
+        <p:spPr>
+          <a:xfrm>
+            <a:off x="634402" y="3851374"/>
+            <a:ext cx="2730235" cy="1323439"/>
+          </a:xfrm>
+          <a:prstGeom prst="rect">
+            <a:avLst/>
+          </a:prstGeom>
+          <a:noFill/>
+        </p:spPr>
+        <p:txBody>
+          <a:bodyPr wrap="none" rtlCol="0">
+            <a:spAutoFit/>
+          </a:bodyPr>
+          <a:lstStyle/>
+          <a:p>
+            <a:r>
+              <a:rPr lang="en-US" sz="1600" dirty="0">
+                <a:solidFill>
+                  <a:schemeClr val="bg1"/>
+                </a:solidFill>
+                <a:latin typeface="Arial"/>
+                <a:cs typeface="Arial"/>
+              </a:rPr>
+              <a:t>Johannes Sim</a:t>
+            </a:r>
+          </a:p>
+          <a:p>
+            <a:r>
+              <a:rPr lang="en-US" sz="1600" dirty="0">
+                <a:solidFill>
+                  <a:schemeClr val="bg1"/>
+                </a:solidFill>
+                <a:latin typeface="Arial"/>
+                <a:cs typeface="Arial"/>
+              </a:rPr>
+              <a:t>johannes.sim@centric.eu</a:t>
+            </a:r>
+          </a:p>
+          <a:p>
+            <a:endParaRPr lang="nl-NL" sz="1600" dirty="0">
+              <a:solidFill>
+                <a:schemeClr val="bg1"/>
+              </a:solidFill>
+              <a:latin typeface="Arial"/>
+              <a:cs typeface="Arial"/>
+            </a:endParaRPr>
+          </a:p>
+          <a:p>
+            <a:r>
+              <a:rPr lang="nl-NL" sz="1600" dirty="0">
+                <a:solidFill>
+                  <a:schemeClr val="bg1"/>
+                </a:solidFill>
+                <a:latin typeface="Arial"/>
+                <a:cs typeface="Arial"/>
+              </a:rPr>
+              <a:t>Renzo Veldkamp</a:t>
+            </a:r>
+          </a:p>
+          <a:p>
+            <a:r>
+              <a:rPr lang="nl-NL" sz="1600" dirty="0">
+                <a:solidFill>
+                  <a:schemeClr val="bg1"/>
+                </a:solidFill>
+                <a:latin typeface="Arial"/>
+                <a:cs typeface="Arial"/>
+              </a:rPr>
+              <a:t>renzo.veldkamp@centric.eu</a:t>
+            </a:r>
+          </a:p>
+        </p:txBody>
+      </p:sp>
+      <p:sp>
+        <p:nvSpPr>
+          <p:cNvPr id="5" name="Date Placeholder 4"/>
           <p:cNvSpPr>
             <a:spLocks noGrp="1"/>
           </p:cNvSpPr>
           <p:nvPr>
-            <p:ph idx="1"/>
+            <p:ph type="dt" sz="half" idx="10"/>
           </p:nvPr>
         </p:nvSpPr>
         <p:spPr/>
@@ -9863,453 +9580,57 @@
           <a:bodyPr/>
           <a:lstStyle/>
           <a:p>
-            <a:pPr>
-              <a:spcAft>
-                <a:spcPts val="600"/>
-              </a:spcAft>
-            </a:pPr>
-            <a:r>
-              <a:rPr lang="nl-NL" sz="2400" dirty="0" smtClean="0"/>
-              <a:t>Met stip op no 1: </a:t>
-            </a:r>
-            <a:r>
-              <a:rPr lang="nl-NL" sz="2400" b="1" dirty="0" smtClean="0"/>
-              <a:t>API-management</a:t>
-            </a:r>
-            <a:endParaRPr lang="nl-NL" sz="2800" b="1" dirty="0" smtClean="0"/>
-          </a:p>
-          <a:p>
-            <a:pPr>
-              <a:spcAft>
-                <a:spcPts val="600"/>
-              </a:spcAft>
-            </a:pPr>
-            <a:r>
-              <a:rPr lang="nl-NL" dirty="0" smtClean="0"/>
-              <a:t>Architectenrol wordt belangrijker</a:t>
-            </a:r>
-          </a:p>
-          <a:p>
-            <a:pPr>
-              <a:spcAft>
-                <a:spcPts val="600"/>
-              </a:spcAft>
-            </a:pPr>
-            <a:r>
-              <a:rPr lang="nl-NL" dirty="0" smtClean="0"/>
-              <a:t>Meer deployments</a:t>
-            </a:r>
-          </a:p>
-          <a:p>
-            <a:pPr>
-              <a:spcAft>
-                <a:spcPts val="600"/>
-              </a:spcAft>
-            </a:pPr>
-            <a:r>
-              <a:rPr lang="nl-NL" dirty="0" smtClean="0"/>
-              <a:t>Lastiger te beheren:</a:t>
-            </a:r>
-          </a:p>
-          <a:p>
-            <a:pPr marL="617537" lvl="3" indent="-263525">
-              <a:spcAft>
-                <a:spcPts val="600"/>
-              </a:spcAft>
-              <a:buSzPct val="135000"/>
-            </a:pPr>
-            <a:r>
-              <a:rPr lang="nl-NL" sz="2000" dirty="0" smtClean="0"/>
-              <a:t>logging</a:t>
-            </a:r>
-          </a:p>
-          <a:p>
-            <a:pPr marL="617537" lvl="3" indent="-263525">
-              <a:spcAft>
-                <a:spcPts val="600"/>
-              </a:spcAft>
-              <a:buSzPct val="135000"/>
-            </a:pPr>
-            <a:r>
-              <a:rPr lang="nl-NL" sz="2000" dirty="0" smtClean="0"/>
-              <a:t>capacity management</a:t>
-            </a:r>
-          </a:p>
-          <a:p>
-            <a:pPr marL="617537" lvl="3" indent="-263525">
-              <a:spcAft>
-                <a:spcPts val="600"/>
-              </a:spcAft>
-              <a:buSzPct val="135000"/>
-            </a:pPr>
-            <a:r>
-              <a:rPr lang="nl-NL" sz="2000" dirty="0" smtClean="0"/>
-              <a:t>foutanalyse</a:t>
-            </a:r>
-          </a:p>
-          <a:p>
-            <a:pPr>
-              <a:spcAft>
-                <a:spcPts val="600"/>
-              </a:spcAft>
-            </a:pPr>
-            <a:r>
-              <a:rPr lang="nl-NL" dirty="0" smtClean="0"/>
-              <a:t>Configuratiebeheer wordt complexer</a:t>
-            </a:r>
-          </a:p>
-          <a:p>
-            <a:pPr>
-              <a:spcAft>
-                <a:spcPts val="600"/>
-              </a:spcAft>
-            </a:pPr>
-            <a:r>
-              <a:rPr lang="nl-NL" dirty="0" smtClean="0"/>
-              <a:t>Een beetje meer </a:t>
-            </a:r>
-            <a:r>
-              <a:rPr lang="nl-NL" dirty="0" err="1" smtClean="0"/>
-              <a:t>latency</a:t>
-            </a:r>
-            <a:r>
-              <a:rPr lang="nl-NL" dirty="0" smtClean="0"/>
-              <a:t/>
-            </a:r>
-            <a:br>
-              <a:rPr lang="nl-NL" dirty="0" smtClean="0"/>
-            </a:br>
+            <a:fld id="{6C8F2B54-89D2-4D0B-81B9-EBE704C6250E}" type="datetime4">
+              <a:rPr lang="nl-NL" smtClean="0"/>
+              <a:t>17 oktober 2018</a:t>
+            </a:fld>
             <a:endParaRPr lang="nl-NL" dirty="0"/>
           </a:p>
         </p:txBody>
       </p:sp>
       <p:sp>
         <p:nvSpPr>
-          <p:cNvPr id="4" name="Tijdelijke aanduiding voor datum 3"/>
+          <p:cNvPr id="6" name="Footer Placeholder 5"/>
           <p:cNvSpPr>
             <a:spLocks noGrp="1"/>
           </p:cNvSpPr>
           <p:nvPr>
-            <p:ph type="dt" sz="half" idx="10"/>
+            <p:ph type="ftr" sz="quarter" idx="11"/>
           </p:nvPr>
         </p:nvSpPr>
         <p:spPr/>
         <p:txBody>
-          <a:bodyPr vert="horz" lIns="91440" tIns="45720" rIns="91440" bIns="45720" rtlCol="0" anchor="ctr"/>
+          <a:bodyPr/>
           <a:lstStyle/>
           <a:p>
-            <a:fld id="{447821B2-C838-43FD-AFB7-8AF50F263499}" type="datetime4">
-              <a:rPr lang="nl-NL" sz="900" cap="all" smtClean="0">
-                <a:solidFill>
-                  <a:srgbClr val="009036"/>
-                </a:solidFill>
-              </a:rPr>
-              <a:t>8 november 2017</a:t>
-            </a:fld>
-            <a:endParaRPr lang="nl-NL" sz="900" cap="all" dirty="0">
-              <a:solidFill>
-                <a:srgbClr val="009036"/>
-              </a:solidFill>
-            </a:endParaRPr>
-          </a:p>
-        </p:txBody>
-      </p:sp>
-      <p:sp>
-        <p:nvSpPr>
-          <p:cNvPr id="5" name="Tijdelijke aanduiding voor voettekst 4"/>
-          <p:cNvSpPr>
-            <a:spLocks noGrp="1"/>
-          </p:cNvSpPr>
-          <p:nvPr>
-            <p:ph type="ftr" sz="quarter" idx="11"/>
-          </p:nvPr>
-        </p:nvSpPr>
-        <p:spPr/>
-        <p:txBody>
-          <a:bodyPr vert="horz" lIns="91440" tIns="45720" rIns="91440" bIns="45720" rtlCol="0" anchor="ctr"/>
-          <a:lstStyle/>
-          <a:p>
-            <a:r>
-              <a:rPr lang="nl-NL" dirty="0" smtClean="0">
-                <a:solidFill>
-                  <a:srgbClr val="009036"/>
-                </a:solidFill>
-              </a:rPr>
-              <a:t>Johannes Sim &amp; Renzo </a:t>
-            </a:r>
-            <a:r>
-              <a:rPr lang="nl-NL" dirty="0" err="1" smtClean="0">
-                <a:solidFill>
-                  <a:srgbClr val="009036"/>
-                </a:solidFill>
-              </a:rPr>
+            <a:r>
+              <a:rPr lang="en-US" dirty="0"/>
+              <a:t>Johannes Sim &amp;</a:t>
+            </a:r>
+          </a:p>
+          <a:p>
+            <a:r>
+              <a:rPr lang="en-US" dirty="0"/>
+              <a:t>Renzo </a:t>
+            </a:r>
+            <a:r>
+              <a:rPr lang="en-US" dirty="0" err="1"/>
               <a:t>veldkamp</a:t>
             </a:r>
-            <a:endParaRPr lang="nl-NL" dirty="0">
-              <a:solidFill>
-                <a:srgbClr val="009036"/>
-              </a:solidFill>
-            </a:endParaRPr>
-          </a:p>
-        </p:txBody>
-      </p:sp>
-      <p:sp>
-        <p:nvSpPr>
-          <p:cNvPr id="6" name="Stroomdiagram: Voorbereiding 5"/>
-          <p:cNvSpPr/>
-          <p:nvPr/>
-        </p:nvSpPr>
-        <p:spPr>
-          <a:xfrm>
-            <a:off x="7227065" y="1795749"/>
-            <a:ext cx="749147" cy="727114"/>
-          </a:xfrm>
-          <a:prstGeom prst="flowChartPreparation">
-            <a:avLst/>
-          </a:prstGeom>
-        </p:spPr>
-        <p:style>
-          <a:lnRef idx="2">
-            <a:schemeClr val="accent4">
-              <a:shade val="50000"/>
-            </a:schemeClr>
-          </a:lnRef>
-          <a:fillRef idx="1">
-            <a:schemeClr val="accent4"/>
-          </a:fillRef>
-          <a:effectRef idx="0">
-            <a:schemeClr val="accent4"/>
-          </a:effectRef>
-          <a:fontRef idx="minor">
-            <a:schemeClr val="lt1"/>
-          </a:fontRef>
-        </p:style>
-        <p:txBody>
-          <a:bodyPr rtlCol="0" anchor="ctr"/>
-          <a:lstStyle/>
-          <a:p>
-            <a:pPr algn="ctr"/>
-            <a:endParaRPr lang="nl-NL"/>
-          </a:p>
-        </p:txBody>
-      </p:sp>
-      <p:sp>
-        <p:nvSpPr>
-          <p:cNvPr id="7" name="Stroomdiagram: Voorbereiding 6"/>
-          <p:cNvSpPr/>
-          <p:nvPr/>
-        </p:nvSpPr>
-        <p:spPr>
-          <a:xfrm>
-            <a:off x="6180462" y="2787267"/>
-            <a:ext cx="749147" cy="727114"/>
-          </a:xfrm>
-          <a:prstGeom prst="flowChartPreparation">
-            <a:avLst/>
-          </a:prstGeom>
-        </p:spPr>
-        <p:style>
-          <a:lnRef idx="2">
-            <a:schemeClr val="accent5">
-              <a:shade val="50000"/>
-            </a:schemeClr>
-          </a:lnRef>
-          <a:fillRef idx="1">
-            <a:schemeClr val="accent5"/>
-          </a:fillRef>
-          <a:effectRef idx="0">
-            <a:schemeClr val="accent5"/>
-          </a:effectRef>
-          <a:fontRef idx="minor">
-            <a:schemeClr val="lt1"/>
-          </a:fontRef>
-        </p:style>
-        <p:txBody>
-          <a:bodyPr rtlCol="0" anchor="ctr"/>
-          <a:lstStyle/>
-          <a:p>
-            <a:pPr algn="ctr"/>
-            <a:endParaRPr lang="nl-NL"/>
-          </a:p>
-        </p:txBody>
-      </p:sp>
-      <p:sp>
-        <p:nvSpPr>
-          <p:cNvPr id="8" name="Stroomdiagram: Voorbereiding 7"/>
-          <p:cNvSpPr/>
-          <p:nvPr/>
-        </p:nvSpPr>
-        <p:spPr>
-          <a:xfrm>
-            <a:off x="7660550" y="3242922"/>
-            <a:ext cx="749147" cy="727114"/>
-          </a:xfrm>
-          <a:prstGeom prst="flowChartPreparation">
-            <a:avLst/>
-          </a:prstGeom>
-        </p:spPr>
-        <p:style>
-          <a:lnRef idx="2">
-            <a:schemeClr val="accent6">
-              <a:shade val="50000"/>
-            </a:schemeClr>
-          </a:lnRef>
-          <a:fillRef idx="1">
-            <a:schemeClr val="accent6"/>
-          </a:fillRef>
-          <a:effectRef idx="0">
-            <a:schemeClr val="accent6"/>
-          </a:effectRef>
-          <a:fontRef idx="minor">
-            <a:schemeClr val="lt1"/>
-          </a:fontRef>
-        </p:style>
-        <p:txBody>
-          <a:bodyPr rtlCol="0" anchor="ctr"/>
-          <a:lstStyle/>
-          <a:p>
-            <a:pPr algn="ctr"/>
-            <a:endParaRPr lang="nl-NL"/>
-          </a:p>
-        </p:txBody>
-      </p:sp>
-      <p:sp>
-        <p:nvSpPr>
-          <p:cNvPr id="9" name="PIJL-LINKS en -RECHTS 8"/>
-          <p:cNvSpPr/>
-          <p:nvPr/>
-        </p:nvSpPr>
-        <p:spPr>
-          <a:xfrm rot="19031355">
-            <a:off x="6816256" y="2554259"/>
-            <a:ext cx="495499" cy="253388"/>
-          </a:xfrm>
-          <a:prstGeom prst="leftRightArrow">
-            <a:avLst/>
-          </a:prstGeom>
-        </p:spPr>
-        <p:style>
-          <a:lnRef idx="2">
-            <a:schemeClr val="accent1">
-              <a:shade val="50000"/>
-            </a:schemeClr>
-          </a:lnRef>
-          <a:fillRef idx="1">
-            <a:schemeClr val="accent1"/>
-          </a:fillRef>
-          <a:effectRef idx="0">
-            <a:schemeClr val="accent1"/>
-          </a:effectRef>
-          <a:fontRef idx="minor">
-            <a:schemeClr val="lt1"/>
-          </a:fontRef>
-        </p:style>
-        <p:txBody>
-          <a:bodyPr rtlCol="0" anchor="ctr"/>
-          <a:lstStyle/>
-          <a:p>
-            <a:pPr algn="ctr"/>
-            <a:endParaRPr lang="nl-NL"/>
-          </a:p>
-        </p:txBody>
-      </p:sp>
-      <p:sp>
-        <p:nvSpPr>
-          <p:cNvPr id="10" name="PIJL-LINKS en -RECHTS 9"/>
-          <p:cNvSpPr/>
-          <p:nvPr/>
-        </p:nvSpPr>
-        <p:spPr>
-          <a:xfrm rot="3955412">
-            <a:off x="7591785" y="2756199"/>
-            <a:ext cx="495499" cy="253388"/>
-          </a:xfrm>
-          <a:prstGeom prst="leftRightArrow">
-            <a:avLst/>
-          </a:prstGeom>
-        </p:spPr>
-        <p:style>
-          <a:lnRef idx="2">
-            <a:schemeClr val="accent1">
-              <a:shade val="50000"/>
-            </a:schemeClr>
-          </a:lnRef>
-          <a:fillRef idx="1">
-            <a:schemeClr val="accent1"/>
-          </a:fillRef>
-          <a:effectRef idx="0">
-            <a:schemeClr val="accent1"/>
-          </a:effectRef>
-          <a:fontRef idx="minor">
-            <a:schemeClr val="lt1"/>
-          </a:fontRef>
-        </p:style>
-        <p:txBody>
-          <a:bodyPr rtlCol="0" anchor="ctr"/>
-          <a:lstStyle/>
-          <a:p>
-            <a:pPr algn="ctr"/>
-            <a:endParaRPr lang="nl-NL"/>
-          </a:p>
-        </p:txBody>
-      </p:sp>
-      <p:sp>
-        <p:nvSpPr>
-          <p:cNvPr id="11" name="PIJL-LINKS en -RECHTS 10"/>
-          <p:cNvSpPr/>
-          <p:nvPr/>
-        </p:nvSpPr>
-        <p:spPr>
-          <a:xfrm rot="1042610">
-            <a:off x="7009399" y="3353311"/>
-            <a:ext cx="495499" cy="253388"/>
-          </a:xfrm>
-          <a:prstGeom prst="leftRightArrow">
-            <a:avLst/>
-          </a:prstGeom>
-        </p:spPr>
-        <p:style>
-          <a:lnRef idx="2">
-            <a:schemeClr val="accent1">
-              <a:shade val="50000"/>
-            </a:schemeClr>
-          </a:lnRef>
-          <a:fillRef idx="1">
-            <a:schemeClr val="accent1"/>
-          </a:fillRef>
-          <a:effectRef idx="0">
-            <a:schemeClr val="accent1"/>
-          </a:effectRef>
-          <a:fontRef idx="minor">
-            <a:schemeClr val="lt1"/>
-          </a:fontRef>
-        </p:style>
-        <p:txBody>
-          <a:bodyPr rtlCol="0" anchor="ctr"/>
-          <a:lstStyle/>
-          <a:p>
-            <a:pPr algn="ctr"/>
-            <a:endParaRPr lang="nl-NL"/>
+            <a:endParaRPr lang="nl-NL" dirty="0"/>
           </a:p>
         </p:txBody>
       </p:sp>
     </p:spTree>
     <p:extLst>
       <p:ext uri="{BB962C8B-B14F-4D97-AF65-F5344CB8AC3E}">
-        <p14:creationId xmlns:p14="http://schemas.microsoft.com/office/powerpoint/2010/main" val="984705171"/>
+        <p14:creationId xmlns:p14="http://schemas.microsoft.com/office/powerpoint/2010/main" val="1991217779"/>
       </p:ext>
     </p:extLst>
   </p:cSld>
   <p:clrMapOvr>
     <a:masterClrMapping/>
   </p:clrMapOvr>
-  <p:timing>
-    <p:tnLst>
-      <p:par>
-        <p:cTn id="1" dur="indefinite" restart="never" nodeType="tmRoot"/>
-      </p:par>
-    </p:tnLst>
-  </p:timing>
 </p:sld>
 </file>
 
@@ -10332,12 +9653,12 @@
       </p:grpSpPr>
       <p:sp>
         <p:nvSpPr>
-          <p:cNvPr id="11" name="Titel 10"/>
+          <p:cNvPr id="2" name="Title 1"/>
           <p:cNvSpPr>
             <a:spLocks noGrp="1"/>
           </p:cNvSpPr>
           <p:nvPr>
-            <p:ph type="ctrTitle"/>
+            <p:ph type="title"/>
           </p:nvPr>
         </p:nvSpPr>
         <p:spPr/>
@@ -10346,213 +9667,9 @@
           <a:lstStyle/>
           <a:p>
             <a:r>
-              <a:rPr lang="nl-NL" dirty="0" smtClean="0"/>
-              <a:t>Vragen?</a:t>
-            </a:r>
-            <a:endParaRPr lang="nl-NL" dirty="0"/>
-          </a:p>
-        </p:txBody>
-      </p:sp>
-      <p:sp>
-        <p:nvSpPr>
-          <p:cNvPr id="2" name="Tekstvak 1"/>
-          <p:cNvSpPr txBox="1"/>
-          <p:nvPr/>
-        </p:nvSpPr>
-        <p:spPr>
-          <a:xfrm>
-            <a:off x="634402" y="3851374"/>
-            <a:ext cx="2730235" cy="1323439"/>
-          </a:xfrm>
-          <a:prstGeom prst="rect">
-            <a:avLst/>
-          </a:prstGeom>
-          <a:noFill/>
-        </p:spPr>
-        <p:txBody>
-          <a:bodyPr wrap="none" rtlCol="0">
-            <a:spAutoFit/>
-          </a:bodyPr>
-          <a:lstStyle/>
-          <a:p>
-            <a:r>
-              <a:rPr lang="en-US" sz="1600" dirty="0" smtClean="0">
-                <a:solidFill>
-                  <a:schemeClr val="bg1"/>
-                </a:solidFill>
-                <a:latin typeface="Arial"/>
-                <a:cs typeface="Arial"/>
-              </a:rPr>
-              <a:t>Johannes Sim</a:t>
-            </a:r>
-          </a:p>
-          <a:p>
-            <a:r>
-              <a:rPr lang="en-US" sz="1600" dirty="0" smtClean="0">
-                <a:solidFill>
-                  <a:schemeClr val="bg1"/>
-                </a:solidFill>
-                <a:latin typeface="Arial"/>
-                <a:cs typeface="Arial"/>
-              </a:rPr>
-              <a:t>johannes.sim@centric.eu</a:t>
-            </a:r>
-          </a:p>
-          <a:p>
-            <a:endParaRPr lang="nl-NL" sz="1600" dirty="0" smtClean="0">
-              <a:solidFill>
-                <a:schemeClr val="bg1"/>
-              </a:solidFill>
-              <a:latin typeface="Arial"/>
-              <a:cs typeface="Arial"/>
-            </a:endParaRPr>
-          </a:p>
-          <a:p>
-            <a:r>
-              <a:rPr lang="nl-NL" sz="1600" dirty="0" smtClean="0">
-                <a:solidFill>
-                  <a:schemeClr val="bg1"/>
-                </a:solidFill>
-                <a:latin typeface="Arial"/>
-                <a:cs typeface="Arial"/>
-              </a:rPr>
-              <a:t>Renzo Veldkamp</a:t>
-            </a:r>
-          </a:p>
-          <a:p>
-            <a:r>
-              <a:rPr lang="nl-NL" sz="1600" dirty="0" smtClean="0">
-                <a:solidFill>
-                  <a:schemeClr val="bg1"/>
-                </a:solidFill>
-                <a:latin typeface="Arial"/>
-                <a:cs typeface="Arial"/>
-              </a:rPr>
-              <a:t>renzo.veldkamp@centric.eu</a:t>
-            </a:r>
-            <a:endParaRPr lang="nl-NL" sz="1600" dirty="0">
-              <a:solidFill>
-                <a:schemeClr val="bg1"/>
-              </a:solidFill>
-              <a:latin typeface="Arial"/>
-              <a:cs typeface="Arial"/>
-            </a:endParaRPr>
-          </a:p>
-        </p:txBody>
-      </p:sp>
-      <p:sp>
-        <p:nvSpPr>
-          <p:cNvPr id="5" name="Date Placeholder 4"/>
-          <p:cNvSpPr>
-            <a:spLocks noGrp="1"/>
-          </p:cNvSpPr>
-          <p:nvPr>
-            <p:ph type="dt" sz="half" idx="10"/>
-          </p:nvPr>
-        </p:nvSpPr>
-        <p:spPr/>
-        <p:txBody>
-          <a:bodyPr/>
-          <a:lstStyle/>
-          <a:p>
-            <a:fld id="{6C8F2B54-89D2-4D0B-81B9-EBE704C6250E}" type="datetime4">
-              <a:rPr lang="nl-NL" smtClean="0"/>
-              <a:t>8 november 2017</a:t>
-            </a:fld>
-            <a:endParaRPr lang="nl-NL" dirty="0"/>
-          </a:p>
-        </p:txBody>
-      </p:sp>
-      <p:sp>
-        <p:nvSpPr>
-          <p:cNvPr id="6" name="Footer Placeholder 5"/>
-          <p:cNvSpPr>
-            <a:spLocks noGrp="1"/>
-          </p:cNvSpPr>
-          <p:nvPr>
-            <p:ph type="ftr" sz="quarter" idx="11"/>
-          </p:nvPr>
-        </p:nvSpPr>
-        <p:spPr/>
-        <p:txBody>
-          <a:bodyPr/>
-          <a:lstStyle/>
-          <a:p>
-            <a:r>
-              <a:rPr lang="en-US" dirty="0" smtClean="0"/>
-              <a:t>Johannes Sim &amp;</a:t>
-            </a:r>
-          </a:p>
-          <a:p>
-            <a:r>
-              <a:rPr lang="en-US" dirty="0" smtClean="0"/>
-              <a:t>Renzo </a:t>
-            </a:r>
-            <a:r>
-              <a:rPr lang="en-US" dirty="0" err="1" smtClean="0"/>
-              <a:t>veldkamp</a:t>
-            </a:r>
-            <a:endParaRPr lang="nl-NL" dirty="0"/>
-          </a:p>
-        </p:txBody>
-      </p:sp>
-    </p:spTree>
-    <p:extLst>
-      <p:ext uri="{BB962C8B-B14F-4D97-AF65-F5344CB8AC3E}">
-        <p14:creationId xmlns:p14="http://schemas.microsoft.com/office/powerpoint/2010/main" val="1991217779"/>
-      </p:ext>
-    </p:extLst>
-  </p:cSld>
-  <p:clrMapOvr>
-    <a:masterClrMapping/>
-  </p:clrMapOvr>
-  <p:timing>
-    <p:tnLst>
-      <p:par>
-        <p:cTn id="1" dur="indefinite" restart="never" nodeType="tmRoot"/>
-      </p:par>
-    </p:tnLst>
-  </p:timing>
-</p:sld>
-</file>
-
-<file path=ppt/slides/slide9.xml><?xml version="1.0" encoding="utf-8"?>
-<p:sld xmlns:a="http://schemas.openxmlformats.org/drawingml/2006/main" xmlns:r="http://schemas.openxmlformats.org/officeDocument/2006/relationships" xmlns:p="http://schemas.openxmlformats.org/presentationml/2006/main">
-  <p:cSld>
-    <p:spTree>
-      <p:nvGrpSpPr>
-        <p:cNvPr id="1" name=""/>
-        <p:cNvGrpSpPr/>
-        <p:nvPr/>
-      </p:nvGrpSpPr>
-      <p:grpSpPr>
-        <a:xfrm>
-          <a:off x="0" y="0"/>
-          <a:ext cx="0" cy="0"/>
-          <a:chOff x="0" y="0"/>
-          <a:chExt cx="0" cy="0"/>
-        </a:xfrm>
-      </p:grpSpPr>
-      <p:sp>
-        <p:nvSpPr>
-          <p:cNvPr id="2" name="Title 1"/>
-          <p:cNvSpPr>
-            <a:spLocks noGrp="1"/>
-          </p:cNvSpPr>
-          <p:nvPr>
-            <p:ph type="title"/>
-          </p:nvPr>
-        </p:nvSpPr>
-        <p:spPr/>
-        <p:txBody>
-          <a:bodyPr/>
-          <a:lstStyle/>
-          <a:p>
-            <a:r>
-              <a:rPr lang="nl-NL" dirty="0" smtClean="0"/>
+              <a:rPr lang="nl-NL" dirty="0"/>
               <a:t>referenties</a:t>
             </a:r>
-            <a:endParaRPr lang="nl-NL" dirty="0"/>
           </a:p>
         </p:txBody>
       </p:sp>
@@ -10577,18 +9694,18 @@
               </a:spcAft>
             </a:pPr>
             <a:r>
-              <a:rPr lang="nl-NL" dirty="0" smtClean="0">
+              <a:rPr lang="nl-NL" dirty="0">
                 <a:hlinkClick r:id="rId3"/>
               </a:rPr>
               <a:t>Martin </a:t>
             </a:r>
             <a:r>
-              <a:rPr lang="nl-NL" dirty="0" err="1" smtClean="0">
+              <a:rPr lang="nl-NL" dirty="0" err="1">
                 <a:hlinkClick r:id="rId3"/>
               </a:rPr>
               <a:t>Fowler</a:t>
             </a:r>
-            <a:endParaRPr lang="nl-NL" dirty="0" smtClean="0"/>
+            <a:endParaRPr lang="nl-NL" dirty="0"/>
           </a:p>
           <a:p>
             <a:pPr>
@@ -10597,18 +9714,18 @@
               </a:spcAft>
             </a:pPr>
             <a:r>
-              <a:rPr lang="nl-NL" dirty="0" smtClean="0">
+              <a:rPr lang="nl-NL" dirty="0">
                 <a:hlinkClick r:id="rId4"/>
               </a:rPr>
               <a:t>Sam </a:t>
             </a:r>
             <a:r>
-              <a:rPr lang="nl-NL" dirty="0" err="1" smtClean="0">
+              <a:rPr lang="nl-NL" dirty="0" err="1">
                 <a:hlinkClick r:id="rId4"/>
               </a:rPr>
               <a:t>Newman</a:t>
             </a:r>
-            <a:endParaRPr lang="nl-NL" dirty="0" smtClean="0"/>
+            <a:endParaRPr lang="nl-NL" dirty="0"/>
           </a:p>
           <a:p>
             <a:pPr>
@@ -10617,12 +9734,12 @@
               </a:spcAft>
             </a:pPr>
             <a:r>
-              <a:rPr lang="nl-NL" dirty="0" err="1" smtClean="0">
+              <a:rPr lang="nl-NL" dirty="0" err="1">
                 <a:hlinkClick r:id="rId5"/>
               </a:rPr>
               <a:t>Netflix</a:t>
             </a:r>
-            <a:endParaRPr lang="nl-NL" dirty="0" smtClean="0"/>
+            <a:endParaRPr lang="nl-NL" dirty="0"/>
           </a:p>
           <a:p>
             <a:pPr>
@@ -10631,10 +9748,10 @@
               </a:spcAft>
             </a:pPr>
             <a:r>
-              <a:rPr lang="nl-NL" dirty="0" err="1" smtClean="0"/>
+              <a:rPr lang="nl-NL" dirty="0" err="1"/>
               <a:t>Spotify</a:t>
             </a:r>
-            <a:endParaRPr lang="nl-NL" dirty="0" smtClean="0"/>
+            <a:endParaRPr lang="nl-NL" dirty="0"/>
           </a:p>
           <a:p>
             <a:endParaRPr lang="nl-NL" dirty="0"/>
@@ -10662,7 +9779,7 @@
                   <a:srgbClr val="009036"/>
                 </a:solidFill>
               </a:rPr>
-              <a:t>8 november 2017</a:t>
+              <a:t>17 oktober 2018</a:t>
             </a:fld>
             <a:endParaRPr lang="nl-NL" sz="900" cap="all" dirty="0">
               <a:solidFill>
@@ -10688,7 +9805,7 @@
           <a:lstStyle/>
           <a:p>
             <a:r>
-              <a:rPr lang="nl-NL" smtClean="0">
+              <a:rPr lang="nl-NL">
                 <a:solidFill>
                   <a:srgbClr val="009036"/>
                 </a:solidFill>
@@ -10863,13 +9980,6 @@
   <p:clrMapOvr>
     <a:masterClrMapping/>
   </p:clrMapOvr>
-  <p:timing>
-    <p:tnLst>
-      <p:par>
-        <p:cTn id="1" dur="indefinite" restart="never" nodeType="tmRoot"/>
-      </p:par>
-    </p:tnLst>
-  </p:timing>
 </p:sld>
 </file>
 
@@ -11764,6 +10874,21 @@
 </file>
 
 <file path=customXml/item1.xml><?xml version="1.0" encoding="utf-8"?>
+<p:properties xmlns:p="http://schemas.microsoft.com/office/2006/metadata/properties" xmlns:xsi="http://www.w3.org/2001/XMLSchema-instance" xmlns:pc="http://schemas.microsoft.com/office/infopath/2007/PartnerControls">
+  <documentManagement/>
+</p:properties>
+</file>
+
+<file path=customXml/item2.xml><?xml version="1.0" encoding="utf-8"?>
+<?mso-contentType ?>
+<FormTemplates xmlns="http://schemas.microsoft.com/sharepoint/v3/contenttype/forms">
+  <Display>DocumentLibraryForm</Display>
+  <Edit>DocumentLibraryForm</Edit>
+  <New>DocumentLibraryForm</New>
+</FormTemplates>
+</file>
+
+<file path=customXml/item3.xml><?xml version="1.0" encoding="utf-8"?>
 <ct:contentTypeSchema xmlns:ct="http://schemas.microsoft.com/office/2006/metadata/contentType" xmlns:ma="http://schemas.microsoft.com/office/2006/metadata/properties/metaAttributes" ct:_="" ma:_="" ma:contentTypeName="Document" ma:contentTypeID="0x0101009843F10021B1B74BA5DD583B6999787F" ma:contentTypeVersion="1" ma:contentTypeDescription="Een nieuw document maken." ma:contentTypeScope="" ma:versionID="9f7dad7ca3b37095ed9229a6a072267d">
   <xsd:schema xmlns:xsd="http://www.w3.org/2001/XMLSchema" xmlns:xs="http://www.w3.org/2001/XMLSchema" xmlns:p="http://schemas.microsoft.com/office/2006/metadata/properties" targetNamespace="http://schemas.microsoft.com/office/2006/metadata/properties" ma:root="true" ma:fieldsID="a17e5968c79d9fe2fc9f8835eee23f58">
     <xsd:element name="properties">
@@ -11877,22 +11002,30 @@
 </ct:contentTypeSchema>
 </file>
 
-<file path=customXml/item2.xml><?xml version="1.0" encoding="utf-8"?>
-<?mso-contentType ?>
-<FormTemplates xmlns="http://schemas.microsoft.com/sharepoint/v3/contenttype/forms">
-  <Display>DocumentLibraryForm</Display>
-  <Edit>DocumentLibraryForm</Edit>
-  <New>DocumentLibraryForm</New>
-</FormTemplates>
+<file path=customXml/itemProps1.xml><?xml version="1.0" encoding="utf-8"?>
+<ds:datastoreItem xmlns:ds="http://schemas.openxmlformats.org/officeDocument/2006/customXml" ds:itemID="{DE0A3E1F-B2EC-4B36-9F71-3169FFDE4AE0}">
+  <ds:schemaRefs>
+    <ds:schemaRef ds:uri="http://purl.org/dc/elements/1.1/"/>
+    <ds:schemaRef ds:uri="http://schemas.microsoft.com/office/2006/metadata/properties"/>
+    <ds:schemaRef ds:uri="http://schemas.microsoft.com/office/2006/documentManagement/types"/>
+    <ds:schemaRef ds:uri="http://purl.org/dc/terms/"/>
+    <ds:schemaRef ds:uri="http://schemas.openxmlformats.org/package/2006/metadata/core-properties"/>
+    <ds:schemaRef ds:uri="http://purl.org/dc/dcmitype/"/>
+    <ds:schemaRef ds:uri="http://schemas.microsoft.com/office/infopath/2007/PartnerControls"/>
+    <ds:schemaRef ds:uri="http://www.w3.org/XML/1998/namespace"/>
+  </ds:schemaRefs>
+</ds:datastoreItem>
 </file>
 
-<file path=customXml/item3.xml><?xml version="1.0" encoding="utf-8"?>
-<p:properties xmlns:p="http://schemas.microsoft.com/office/2006/metadata/properties" xmlns:xsi="http://www.w3.org/2001/XMLSchema-instance" xmlns:pc="http://schemas.microsoft.com/office/infopath/2007/PartnerControls">
-  <documentManagement/>
-</p:properties>
+<file path=customXml/itemProps2.xml><?xml version="1.0" encoding="utf-8"?>
+<ds:datastoreItem xmlns:ds="http://schemas.openxmlformats.org/officeDocument/2006/customXml" ds:itemID="{4A752D92-0ACC-48D2-A658-AB744FE70ECE}">
+  <ds:schemaRefs>
+    <ds:schemaRef ds:uri="http://schemas.microsoft.com/sharepoint/v3/contenttype/forms"/>
+  </ds:schemaRefs>
+</ds:datastoreItem>
 </file>
 
-<file path=customXml/itemProps1.xml><?xml version="1.0" encoding="utf-8"?>
+<file path=customXml/itemProps3.xml><?xml version="1.0" encoding="utf-8"?>
 <ds:datastoreItem xmlns:ds="http://schemas.openxmlformats.org/officeDocument/2006/customXml" ds:itemID="{3175F035-B069-4F0E-ADC8-454931FDE34D}">
   <ds:schemaRefs>
     <ds:schemaRef ds:uri="http://schemas.microsoft.com/office/2006/metadata/contentType"/>
@@ -11906,27 +11039,4 @@
     <ds:schemaRef ds:uri="http://schemas.microsoft.com/office/infopath/2007/PartnerControls"/>
   </ds:schemaRefs>
 </ds:datastoreItem>
-</file>
-
-<file path=customXml/itemProps2.xml><?xml version="1.0" encoding="utf-8"?>
-<ds:datastoreItem xmlns:ds="http://schemas.openxmlformats.org/officeDocument/2006/customXml" ds:itemID="{4A752D92-0ACC-48D2-A658-AB744FE70ECE}">
-  <ds:schemaRefs>
-    <ds:schemaRef ds:uri="http://schemas.microsoft.com/sharepoint/v3/contenttype/forms"/>
-  </ds:schemaRefs>
-</ds:datastoreItem>
-</file>
-
-<file path=customXml/itemProps3.xml><?xml version="1.0" encoding="utf-8"?>
-<ds:datastoreItem xmlns:ds="http://schemas.openxmlformats.org/officeDocument/2006/customXml" ds:itemID="{DE0A3E1F-B2EC-4B36-9F71-3169FFDE4AE0}">
-  <ds:schemaRefs>
-    <ds:schemaRef ds:uri="http://purl.org/dc/elements/1.1/"/>
-    <ds:schemaRef ds:uri="http://schemas.microsoft.com/office/2006/metadata/properties"/>
-    <ds:schemaRef ds:uri="http://schemas.microsoft.com/office/2006/documentManagement/types"/>
-    <ds:schemaRef ds:uri="http://purl.org/dc/terms/"/>
-    <ds:schemaRef ds:uri="http://schemas.openxmlformats.org/package/2006/metadata/core-properties"/>
-    <ds:schemaRef ds:uri="http://purl.org/dc/dcmitype/"/>
-    <ds:schemaRef ds:uri="http://schemas.microsoft.com/office/infopath/2007/PartnerControls"/>
-    <ds:schemaRef ds:uri="http://www.w3.org/XML/1998/namespace"/>
-  </ds:schemaRefs>
-</ds:datastoreItem>
 </file>
--- a/Presentatie/Microservices 102.pptx
+++ b/Presentatie/Microservices 102.pptx
@@ -17,8 +17,8 @@
     <p:sldId id="267" r:id="rId8"/>
     <p:sldId id="268" r:id="rId9"/>
     <p:sldId id="269" r:id="rId10"/>
-    <p:sldId id="277" r:id="rId11"/>
-    <p:sldId id="264" r:id="rId12"/>
+    <p:sldId id="279" r:id="rId11"/>
+    <p:sldId id="277" r:id="rId12"/>
   </p:sldIdLst>
   <p:sldSz cx="9144000" cy="6858000" type="screen4x3"/>
   <p:notesSz cx="6858000" cy="9144000"/>
@@ -231,7 +231,7 @@
           <a:p>
             <a:fld id="{4FDA5BBF-9A9E-E34C-87D2-CD6D1CA60245}" type="datetime1">
               <a:rPr lang="en-US" smtClean="0"/>
-              <a:t>10/17/2018</a:t>
+              <a:t>11/14/2018</a:t>
             </a:fld>
             <a:endParaRPr lang="en-US" dirty="0"/>
           </a:p>
@@ -397,7 +397,7 @@
           <a:p>
             <a:fld id="{FE5FB5CF-D153-1544-8329-2FC1F4ABF24D}" type="datetime1">
               <a:rPr lang="en-US" smtClean="0"/>
-              <a:t>10/17/2018</a:t>
+              <a:t>11/14/2018</a:t>
             </a:fld>
             <a:endParaRPr lang="nl-NL" dirty="0"/>
           </a:p>
@@ -1474,148 +1474,6 @@
 </p:notes>
 </file>
 
-<file path=ppt/notesSlides/notesSlide6.xml><?xml version="1.0" encoding="utf-8"?>
-<p:notes xmlns:a="http://schemas.openxmlformats.org/drawingml/2006/main" xmlns:r="http://schemas.openxmlformats.org/officeDocument/2006/relationships" xmlns:p="http://schemas.openxmlformats.org/presentationml/2006/main">
-  <p:cSld>
-    <p:spTree>
-      <p:nvGrpSpPr>
-        <p:cNvPr id="1" name=""/>
-        <p:cNvGrpSpPr/>
-        <p:nvPr/>
-      </p:nvGrpSpPr>
-      <p:grpSpPr>
-        <a:xfrm>
-          <a:off x="0" y="0"/>
-          <a:ext cx="0" cy="0"/>
-          <a:chOff x="0" y="0"/>
-          <a:chExt cx="0" cy="0"/>
-        </a:xfrm>
-      </p:grpSpPr>
-      <p:sp>
-        <p:nvSpPr>
-          <p:cNvPr id="2" name="Tijdelijke aanduiding voor dia-afbeelding 1"/>
-          <p:cNvSpPr>
-            <a:spLocks noGrp="1" noRot="1" noChangeAspect="1"/>
-          </p:cNvSpPr>
-          <p:nvPr>
-            <p:ph type="sldImg"/>
-          </p:nvPr>
-        </p:nvSpPr>
-        <p:spPr/>
-      </p:sp>
-      <p:sp>
-        <p:nvSpPr>
-          <p:cNvPr id="3" name="Tijdelijke aanduiding voor notities 2"/>
-          <p:cNvSpPr>
-            <a:spLocks noGrp="1"/>
-          </p:cNvSpPr>
-          <p:nvPr>
-            <p:ph type="body" idx="1"/>
-          </p:nvPr>
-        </p:nvSpPr>
-        <p:spPr/>
-        <p:txBody>
-          <a:bodyPr/>
-          <a:lstStyle/>
-          <a:p>
-            <a:r>
-              <a:rPr lang="en-US" dirty="0"/>
-              <a:t>Martin Fowler </a:t>
-            </a:r>
-            <a:r>
-              <a:rPr lang="en-US" dirty="0">
-                <a:sym typeface="Wingdings" panose="05000000000000000000" pitchFamily="2" charset="2"/>
-              </a:rPr>
-              <a:t> blogs</a:t>
-            </a:r>
-            <a:r>
-              <a:rPr lang="en-US" baseline="0" dirty="0">
-                <a:sym typeface="Wingdings" panose="05000000000000000000" pitchFamily="2" charset="2"/>
-              </a:rPr>
-              <a:t> </a:t>
-            </a:r>
-            <a:r>
-              <a:rPr lang="en-US" baseline="0" dirty="0" err="1">
-                <a:sym typeface="Wingdings" panose="05000000000000000000" pitchFamily="2" charset="2"/>
-              </a:rPr>
-              <a:t>e.d.</a:t>
-            </a:r>
-            <a:endParaRPr lang="en-US" dirty="0"/>
-          </a:p>
-          <a:p>
-            <a:r>
-              <a:rPr lang="en-US" dirty="0"/>
-              <a:t>Sam Newman </a:t>
-            </a:r>
-            <a:r>
-              <a:rPr lang="en-US" dirty="0">
-                <a:sym typeface="Wingdings" panose="05000000000000000000" pitchFamily="2" charset="2"/>
-              </a:rPr>
-              <a:t> </a:t>
-            </a:r>
-            <a:r>
-              <a:rPr lang="en-US" dirty="0" err="1">
-                <a:sym typeface="Wingdings" panose="05000000000000000000" pitchFamily="2" charset="2"/>
-              </a:rPr>
-              <a:t>boek</a:t>
-            </a:r>
-            <a:endParaRPr lang="en-US" dirty="0"/>
-          </a:p>
-          <a:p>
-            <a:r>
-              <a:rPr lang="en-US" dirty="0"/>
-              <a:t>Spotify,</a:t>
-            </a:r>
-            <a:r>
-              <a:rPr lang="en-US" baseline="0" dirty="0"/>
-              <a:t> Netflix etc.</a:t>
-            </a:r>
-          </a:p>
-          <a:p>
-            <a:r>
-              <a:rPr lang="en-US" baseline="0" dirty="0"/>
-              <a:t>Autotelex!</a:t>
-            </a:r>
-            <a:endParaRPr lang="nl-NL" dirty="0"/>
-          </a:p>
-        </p:txBody>
-      </p:sp>
-      <p:sp>
-        <p:nvSpPr>
-          <p:cNvPr id="4" name="Tijdelijke aanduiding voor dianummer 3"/>
-          <p:cNvSpPr>
-            <a:spLocks noGrp="1"/>
-          </p:cNvSpPr>
-          <p:nvPr>
-            <p:ph type="sldNum" sz="quarter" idx="10"/>
-          </p:nvPr>
-        </p:nvSpPr>
-        <p:spPr/>
-        <p:txBody>
-          <a:bodyPr/>
-          <a:lstStyle/>
-          <a:p>
-            <a:fld id="{2DB1139D-5AC7-4B0B-A715-E40E0591EF82}" type="slidenum">
-              <a:rPr lang="nl-NL" smtClean="0"/>
-              <a:t>8</a:t>
-            </a:fld>
-            <a:endParaRPr lang="nl-NL" dirty="0"/>
-          </a:p>
-        </p:txBody>
-      </p:sp>
-    </p:spTree>
-    <p:extLst>
-      <p:ext uri="{BB962C8B-B14F-4D97-AF65-F5344CB8AC3E}">
-        <p14:creationId xmlns:p14="http://schemas.microsoft.com/office/powerpoint/2010/main" val="3796535337"/>
-      </p:ext>
-    </p:extLst>
-  </p:cSld>
-  <p:clrMapOvr>
-    <a:masterClrMapping/>
-  </p:clrMapOvr>
-</p:notes>
-</file>
-
 <file path=ppt/slideLayouts/slideLayout1.xml><?xml version="1.0" encoding="utf-8"?>
 <p:sldLayout xmlns:a="http://schemas.openxmlformats.org/drawingml/2006/main" xmlns:r="http://schemas.openxmlformats.org/officeDocument/2006/relationships" xmlns:p="http://schemas.openxmlformats.org/presentationml/2006/main" preserve="1" userDrawn="1">
   <p:cSld name="Titeldia">
@@ -1767,7 +1625,7 @@
           <a:p>
             <a:fld id="{69E2E37C-AA1E-43B2-B213-E688D587CE49}" type="datetime4">
               <a:rPr lang="nl-NL" smtClean="0"/>
-              <a:t>17 oktober 2018</a:t>
+              <a:t>14 november 2018</a:t>
             </a:fld>
             <a:endParaRPr lang="nl-NL" dirty="0"/>
           </a:p>
@@ -1884,7 +1742,7 @@
           <a:p>
             <a:fld id="{96BF97C2-7262-427C-9F3E-B0D6D33F54E2}" type="datetime4">
               <a:rPr lang="nl-NL" smtClean="0"/>
-              <a:t>17 oktober 2018</a:t>
+              <a:t>14 november 2018</a:t>
             </a:fld>
             <a:endParaRPr lang="nl-NL" dirty="0"/>
           </a:p>
@@ -2108,7 +1966,7 @@
           <a:p>
             <a:fld id="{AB63B3A2-628B-479E-BF05-5959017C6A02}" type="datetime4">
               <a:rPr lang="nl-NL" smtClean="0"/>
-              <a:t>17 oktober 2018</a:t>
+              <a:t>14 november 2018</a:t>
             </a:fld>
             <a:endParaRPr lang="nl-NL" dirty="0"/>
           </a:p>
@@ -2375,7 +2233,7 @@
             <a:fld id="{249B52C1-75DC-496B-AF3F-4978B95BB865}" type="datetime4">
               <a:rPr lang="nl-NL" smtClean="0"/>
               <a:pPr/>
-              <a:t>17 oktober 2018</a:t>
+              <a:t>14 november 2018</a:t>
             </a:fld>
             <a:endParaRPr lang="nl-NL" dirty="0"/>
           </a:p>
@@ -2471,7 +2329,7 @@
           <a:p>
             <a:fld id="{8D31B592-DB5E-43FC-B016-67E26C01643F}" type="datetime4">
               <a:rPr lang="nl-NL" smtClean="0"/>
-              <a:t>17 oktober 2018</a:t>
+              <a:t>14 november 2018</a:t>
             </a:fld>
             <a:endParaRPr lang="nl-NL" dirty="0"/>
           </a:p>
@@ -2681,7 +2539,7 @@
           <a:p>
             <a:fld id="{92E94904-3BB7-4874-AB8B-F31F00F8A078}" type="datetime4">
               <a:rPr lang="nl-NL" smtClean="0"/>
-              <a:t>17 oktober 2018</a:t>
+              <a:t>14 november 2018</a:t>
             </a:fld>
             <a:endParaRPr lang="nl-NL" dirty="0"/>
           </a:p>
@@ -2862,7 +2720,7 @@
           <a:p>
             <a:fld id="{A9642D5E-8E53-4D94-8479-CCF9387ED904}" type="datetime4">
               <a:rPr lang="nl-NL" smtClean="0"/>
-              <a:t>17 oktober 2018</a:t>
+              <a:t>14 november 2018</a:t>
             </a:fld>
             <a:endParaRPr lang="nl-NL" dirty="0"/>
           </a:p>
@@ -3077,7 +2935,7 @@
           <a:p>
             <a:fld id="{87D76D0B-AA25-481F-9FCE-BD155C5A6085}" type="datetime4">
               <a:rPr lang="nl-NL" smtClean="0"/>
-              <a:t>17 oktober 2018</a:t>
+              <a:t>14 november 2018</a:t>
             </a:fld>
             <a:endParaRPr lang="nl-NL" dirty="0"/>
           </a:p>
@@ -3289,7 +3147,7 @@
           <a:p>
             <a:fld id="{88C11819-B839-4C27-8B45-7170CEF46D62}" type="datetime4">
               <a:rPr lang="nl-NL" smtClean="0"/>
-              <a:t>17 oktober 2018</a:t>
+              <a:t>14 november 2018</a:t>
             </a:fld>
             <a:endParaRPr lang="nl-NL" dirty="0"/>
           </a:p>
@@ -3504,7 +3362,7 @@
           <a:p>
             <a:fld id="{174613E7-29CA-4C1D-88BD-FA51696C19FE}" type="datetime4">
               <a:rPr lang="nl-NL" smtClean="0"/>
-              <a:t>17 oktober 2018</a:t>
+              <a:t>14 november 2018</a:t>
             </a:fld>
             <a:endParaRPr lang="nl-NL" dirty="0"/>
           </a:p>
@@ -3697,7 +3555,7 @@
           <a:p>
             <a:fld id="{9F389A9C-5452-4AF4-8D69-2209042ED2AB}" type="datetime4">
               <a:rPr lang="nl-NL" smtClean="0"/>
-              <a:t>17 oktober 2018</a:t>
+              <a:t>14 november 2018</a:t>
             </a:fld>
             <a:endParaRPr lang="nl-NL" dirty="0"/>
           </a:p>
@@ -3901,7 +3759,7 @@
           <a:p>
             <a:fld id="{59ABBC3E-A20C-4DEE-9D7A-437B797B148A}" type="datetime4">
               <a:rPr lang="nl-NL" smtClean="0"/>
-              <a:t>17 oktober 2018</a:t>
+              <a:t>14 november 2018</a:t>
             </a:fld>
             <a:r>
               <a:rPr lang="en-US"/>
@@ -4398,7 +4256,7 @@
           <a:p>
             <a:fld id="{E8809DAD-F941-4A15-ABB1-44FA32742BE9}" type="datetime4">
               <a:rPr lang="nl-NL" smtClean="0"/>
-              <a:t>17 oktober 2018</a:t>
+              <a:t>14 november 2018</a:t>
             </a:fld>
             <a:endParaRPr lang="nl-NL" dirty="0"/>
           </a:p>
@@ -4825,7 +4683,7 @@
           <a:p>
             <a:r>
               <a:rPr lang="nl-NL" cap="all" dirty="0"/>
-              <a:t>onderwerpen</a:t>
+              <a:t>topics</a:t>
             </a:r>
             <a:endParaRPr lang="nl-NL" dirty="0"/>
           </a:p>
@@ -4874,20 +4732,8 @@
               </a:spcAft>
             </a:pPr>
             <a:r>
-              <a:rPr lang="en-US" dirty="0" err="1"/>
-              <a:t>Gevolgen</a:t>
-            </a:r>
-            <a:r>
               <a:rPr lang="en-US" dirty="0"/>
-              <a:t> </a:t>
-            </a:r>
-            <a:r>
-              <a:rPr lang="en-US" dirty="0" err="1"/>
-              <a:t>voor</a:t>
-            </a:r>
-            <a:r>
-              <a:rPr lang="en-US" dirty="0"/>
-              <a:t>:</a:t>
+              <a:t>Consequences for:</a:t>
             </a:r>
           </a:p>
           <a:p>
@@ -4897,10 +4743,9 @@
               </a:spcAft>
             </a:pPr>
             <a:r>
-              <a:rPr lang="en-US" dirty="0" err="1"/>
-              <a:t>bouw</a:t>
-            </a:r>
-            <a:endParaRPr lang="en-US" dirty="0"/>
+              <a:rPr lang="en-US" dirty="0"/>
+              <a:t>build</a:t>
+            </a:r>
           </a:p>
           <a:p>
             <a:pPr lvl="1">
@@ -4920,10 +4765,10 @@
               </a:spcAft>
             </a:pPr>
             <a:r>
-              <a:rPr lang="en-US" dirty="0" err="1"/>
-              <a:t>beheer</a:t>
-            </a:r>
-            <a:endParaRPr lang="en-US" dirty="0"/>
+              <a:rPr lang="en-US" dirty="0"/>
+              <a:t>maintenance</a:t>
+            </a:r>
+            <a:endParaRPr lang="nl-NL" dirty="0"/>
           </a:p>
           <a:p>
             <a:pPr>
@@ -4932,10 +4777,9 @@
               </a:spcAft>
             </a:pPr>
             <a:r>
-              <a:rPr lang="en-US" dirty="0" err="1"/>
-              <a:t>Nadelen</a:t>
-            </a:r>
-            <a:endParaRPr lang="nl-NL" dirty="0"/>
+              <a:rPr lang="en-US" dirty="0"/>
+              <a:t>An example</a:t>
+            </a:r>
           </a:p>
           <a:p>
             <a:pPr>
@@ -4944,21 +4788,10 @@
               </a:spcAft>
             </a:pPr>
             <a:r>
-              <a:rPr lang="en-US" dirty="0" err="1"/>
-              <a:t>Vragen</a:t>
+              <a:rPr lang="en-US" dirty="0"/>
+              <a:t>Questions</a:t>
             </a:r>
             <a:endParaRPr lang="nl-NL" dirty="0"/>
-          </a:p>
-          <a:p>
-            <a:pPr>
-              <a:spcAft>
-                <a:spcPts val="600"/>
-              </a:spcAft>
-            </a:pPr>
-            <a:r>
-              <a:rPr lang="nl-NL" dirty="0"/>
-              <a:t>Referenties</a:t>
-            </a:r>
           </a:p>
         </p:txBody>
       </p:sp>
@@ -5022,7 +4855,7 @@
                   <a:srgbClr val="009036"/>
                 </a:solidFill>
               </a:rPr>
-              <a:t>17 oktober 2018</a:t>
+              <a:t>14 november 2018</a:t>
             </a:fld>
             <a:endParaRPr lang="nl-NL" sz="900" cap="all" dirty="0">
               <a:solidFill>
@@ -5094,16 +4927,16 @@
       </p:grpSpPr>
       <p:sp>
         <p:nvSpPr>
-          <p:cNvPr id="46" name="Rechthoek 45"/>
+          <p:cNvPr id="41" name="Stroomdiagram: Proces 40"/>
           <p:cNvSpPr/>
           <p:nvPr/>
         </p:nvSpPr>
         <p:spPr>
           <a:xfrm>
-            <a:off x="2741748" y="1630007"/>
-            <a:ext cx="1291908" cy="762000"/>
-          </a:xfrm>
-          <a:prstGeom prst="rect">
+            <a:off x="773927" y="2189480"/>
+            <a:ext cx="1291908" cy="724738"/>
+          </a:xfrm>
+          <a:prstGeom prst="flowChartProcess">
             <a:avLst/>
           </a:prstGeom>
           <a:solidFill>
@@ -5137,6 +4970,58 @@
           <a:p>
             <a:pPr algn="ctr"/>
             <a:r>
+              <a:rPr lang="nl-NL" dirty="0" err="1"/>
+              <a:t>api</a:t>
+            </a:r>
+            <a:endParaRPr lang="nl-NL" dirty="0"/>
+          </a:p>
+        </p:txBody>
+      </p:sp>
+      <p:sp>
+        <p:nvSpPr>
+          <p:cNvPr id="46" name="Rechthoek 45"/>
+          <p:cNvSpPr/>
+          <p:nvPr/>
+        </p:nvSpPr>
+        <p:spPr>
+          <a:xfrm>
+            <a:off x="2741748" y="1630007"/>
+            <a:ext cx="1291908" cy="762000"/>
+          </a:xfrm>
+          <a:prstGeom prst="rect">
+            <a:avLst/>
+          </a:prstGeom>
+          <a:solidFill>
+            <a:srgbClr val="92D050"/>
+          </a:solidFill>
+          <a:ln>
+            <a:solidFill>
+              <a:srgbClr val="00B050"/>
+            </a:solidFill>
+          </a:ln>
+        </p:spPr>
+        <p:style>
+          <a:lnRef idx="2">
+            <a:schemeClr val="accent1">
+              <a:shade val="50000"/>
+            </a:schemeClr>
+          </a:lnRef>
+          <a:fillRef idx="1">
+            <a:schemeClr val="accent1"/>
+          </a:fillRef>
+          <a:effectRef idx="0">
+            <a:schemeClr val="accent1"/>
+          </a:effectRef>
+          <a:fontRef idx="minor">
+            <a:schemeClr val="lt1"/>
+          </a:fontRef>
+        </p:style>
+        <p:txBody>
+          <a:bodyPr rtlCol="0" anchor="ctr"/>
+          <a:lstStyle/>
+          <a:p>
+            <a:pPr algn="ctr"/>
+            <a:r>
               <a:rPr lang="nl-NL" dirty="0"/>
               <a:t>logica</a:t>
             </a:r>
@@ -5181,13 +5066,18 @@
           <a:p>
             <a:pPr algn="ctr"/>
             <a:r>
-              <a:rPr lang="nl-NL" dirty="0">
+              <a:rPr lang="nl-NL" sz="1600" dirty="0" err="1">
                 <a:solidFill>
                   <a:schemeClr val="tx1"/>
                 </a:solidFill>
               </a:rPr>
-              <a:t>presentatie</a:t>
-            </a:r>
+              <a:t>presentation</a:t>
+            </a:r>
+            <a:endParaRPr lang="nl-NL" sz="1600" dirty="0">
+              <a:solidFill>
+                <a:schemeClr val="tx1"/>
+              </a:solidFill>
+            </a:endParaRPr>
           </a:p>
         </p:txBody>
       </p:sp>
@@ -5302,7 +5192,7 @@
         <p:spPr>
           <a:xfrm>
             <a:off x="4162425" y="1709306"/>
-            <a:ext cx="1087029" cy="369332"/>
+            <a:ext cx="1013867" cy="369332"/>
           </a:xfrm>
           <a:prstGeom prst="rect">
             <a:avLst/>
@@ -5316,9 +5206,10 @@
           <a:lstStyle/>
           <a:p>
             <a:r>
-              <a:rPr lang="nl-NL" dirty="0"/>
-              <a:t>facturatie</a:t>
-            </a:r>
+              <a:rPr lang="nl-NL" dirty="0" err="1"/>
+              <a:t>invoicing</a:t>
+            </a:r>
+            <a:endParaRPr lang="nl-NL" dirty="0"/>
           </a:p>
         </p:txBody>
       </p:sp>
@@ -5433,7 +5324,7 @@
         <p:spPr>
           <a:xfrm>
             <a:off x="4923790" y="5689916"/>
-            <a:ext cx="1087029" cy="369332"/>
+            <a:ext cx="1013419" cy="369332"/>
           </a:xfrm>
           <a:prstGeom prst="rect">
             <a:avLst/>
@@ -5447,9 +5338,10 @@
           <a:lstStyle/>
           <a:p>
             <a:r>
-              <a:rPr lang="nl-NL" dirty="0"/>
-              <a:t>facturatie</a:t>
-            </a:r>
+              <a:rPr lang="nl-NL" dirty="0" err="1"/>
+              <a:t>invoicing</a:t>
+            </a:r>
+            <a:endParaRPr lang="nl-NL" dirty="0"/>
           </a:p>
         </p:txBody>
       </p:sp>
@@ -5502,7 +5394,7 @@
                   <a:srgbClr val="009036"/>
                 </a:solidFill>
               </a:rPr>
-              <a:t>17 oktober 2018</a:t>
+              <a:t>14 november 2018</a:t>
             </a:fld>
             <a:endParaRPr lang="nl-NL" sz="900" cap="all" dirty="0">
               <a:solidFill>
@@ -5581,13 +5473,18 @@
           <a:p>
             <a:pPr algn="ctr"/>
             <a:r>
-              <a:rPr lang="nl-NL" dirty="0">
+              <a:rPr lang="nl-NL" sz="1600" dirty="0" err="1">
                 <a:solidFill>
                   <a:schemeClr val="tx1"/>
                 </a:solidFill>
               </a:rPr>
-              <a:t>presentatie</a:t>
-            </a:r>
+              <a:t>presentation</a:t>
+            </a:r>
+            <a:endParaRPr lang="nl-NL" sz="1600" dirty="0">
+              <a:solidFill>
+                <a:schemeClr val="tx1"/>
+              </a:solidFill>
+            </a:endParaRPr>
           </a:p>
         </p:txBody>
       </p:sp>
@@ -5731,13 +5628,18 @@
           <a:p>
             <a:pPr algn="ctr"/>
             <a:r>
-              <a:rPr lang="nl-NL" dirty="0">
+              <a:rPr lang="nl-NL" sz="1600" dirty="0" err="1">
                 <a:solidFill>
                   <a:schemeClr val="tx1"/>
                 </a:solidFill>
               </a:rPr>
-              <a:t>presentatie</a:t>
-            </a:r>
+              <a:t>presentation</a:t>
+            </a:r>
+            <a:endParaRPr lang="nl-NL" sz="1600" dirty="0">
+              <a:solidFill>
+                <a:schemeClr val="tx1"/>
+              </a:solidFill>
+            </a:endParaRPr>
           </a:p>
         </p:txBody>
       </p:sp>
@@ -5881,13 +5783,18 @@
           <a:p>
             <a:pPr algn="ctr"/>
             <a:r>
-              <a:rPr lang="nl-NL" dirty="0">
+              <a:rPr lang="nl-NL" sz="1600" dirty="0" err="1">
                 <a:solidFill>
                   <a:schemeClr val="tx1"/>
                 </a:solidFill>
               </a:rPr>
-              <a:t>presentatie</a:t>
-            </a:r>
+              <a:t>presentation</a:t>
+            </a:r>
+            <a:endParaRPr lang="nl-NL" sz="1600" dirty="0">
+              <a:solidFill>
+                <a:schemeClr val="tx1"/>
+              </a:solidFill>
+            </a:endParaRPr>
           </a:p>
         </p:txBody>
       </p:sp>
@@ -6002,7 +5909,7 @@
         <p:spPr>
           <a:xfrm>
             <a:off x="1245415" y="1709306"/>
-            <a:ext cx="1521827" cy="369332"/>
+            <a:ext cx="1535870" cy="369332"/>
           </a:xfrm>
           <a:prstGeom prst="rect">
             <a:avLst/>
@@ -6017,7 +5924,7 @@
           <a:p>
             <a:r>
               <a:rPr lang="nl-NL" dirty="0"/>
-              <a:t>klantgegevens</a:t>
+              <a:t>customer data</a:t>
             </a:r>
           </a:p>
         </p:txBody>
@@ -6030,8 +5937,8 @@
         </p:nvSpPr>
         <p:spPr>
           <a:xfrm>
-            <a:off x="2979039" y="1710868"/>
-            <a:ext cx="821315" cy="369332"/>
+            <a:off x="2680869" y="1710868"/>
+            <a:ext cx="1413336" cy="369332"/>
           </a:xfrm>
           <a:prstGeom prst="rect">
             <a:avLst/>
@@ -6045,9 +5952,10 @@
           <a:lstStyle/>
           <a:p>
             <a:r>
-              <a:rPr lang="nl-NL" dirty="0"/>
-              <a:t>inkoop</a:t>
-            </a:r>
+              <a:rPr lang="nl-NL" dirty="0" err="1"/>
+              <a:t>procurement</a:t>
+            </a:r>
+            <a:endParaRPr lang="nl-NL" dirty="0"/>
           </a:p>
         </p:txBody>
       </p:sp>
@@ -6060,7 +5968,7 @@
         <p:spPr>
           <a:xfrm>
             <a:off x="5441060" y="1710868"/>
-            <a:ext cx="957955" cy="369332"/>
+            <a:ext cx="925894" cy="369332"/>
           </a:xfrm>
           <a:prstGeom prst="rect">
             <a:avLst/>
@@ -6074,24 +5982,25 @@
           <a:lstStyle/>
           <a:p>
             <a:r>
-              <a:rPr lang="nl-NL" dirty="0"/>
-              <a:t>logistiek</a:t>
-            </a:r>
-          </a:p>
-        </p:txBody>
-      </p:sp>
-      <p:sp>
-        <p:nvSpPr>
-          <p:cNvPr id="41" name="Stroomdiagram: Proces 40"/>
+              <a:rPr lang="nl-NL" dirty="0" err="1"/>
+              <a:t>logistics</a:t>
+            </a:r>
+            <a:endParaRPr lang="nl-NL" dirty="0"/>
+          </a:p>
+        </p:txBody>
+      </p:sp>
+      <p:sp>
+        <p:nvSpPr>
+          <p:cNvPr id="42" name="Rechthoek 41"/>
           <p:cNvSpPr/>
           <p:nvPr/>
         </p:nvSpPr>
         <p:spPr>
           <a:xfrm>
-            <a:off x="773927" y="2189480"/>
-            <a:ext cx="1291908" cy="724738"/>
-          </a:xfrm>
-          <a:prstGeom prst="flowChartProcess">
+            <a:off x="773927" y="2914218"/>
+            <a:ext cx="1291908" cy="762000"/>
+          </a:xfrm>
+          <a:prstGeom prst="rect">
             <a:avLst/>
           </a:prstGeom>
           <a:solidFill>
@@ -6125,23 +6034,22 @@
           <a:p>
             <a:pPr algn="ctr"/>
             <a:r>
-              <a:rPr lang="nl-NL" dirty="0" err="1"/>
-              <a:t>api</a:t>
-            </a:r>
-            <a:endParaRPr lang="nl-NL" dirty="0"/>
-          </a:p>
-        </p:txBody>
-      </p:sp>
-      <p:sp>
-        <p:nvSpPr>
-          <p:cNvPr id="42" name="Rechthoek 41"/>
+              <a:rPr lang="nl-NL" dirty="0"/>
+              <a:t>logica</a:t>
+            </a:r>
+          </a:p>
+        </p:txBody>
+      </p:sp>
+      <p:sp>
+        <p:nvSpPr>
+          <p:cNvPr id="43" name="Rechthoek 42"/>
           <p:cNvSpPr/>
           <p:nvPr/>
         </p:nvSpPr>
         <p:spPr>
           <a:xfrm>
-            <a:off x="773927" y="2914218"/>
-            <a:ext cx="1291908" cy="762000"/>
+            <a:off x="772160" y="3676218"/>
+            <a:ext cx="1293675" cy="762000"/>
           </a:xfrm>
           <a:prstGeom prst="rect">
             <a:avLst/>
@@ -6178,23 +6086,52 @@
             <a:pPr algn="ctr"/>
             <a:r>
               <a:rPr lang="nl-NL" dirty="0"/>
-              <a:t>logica</a:t>
-            </a:r>
-          </a:p>
-        </p:txBody>
-      </p:sp>
-      <p:sp>
-        <p:nvSpPr>
-          <p:cNvPr id="43" name="Rechthoek 42"/>
+              <a:t>data</a:t>
+            </a:r>
+          </a:p>
+        </p:txBody>
+      </p:sp>
+      <p:sp>
+        <p:nvSpPr>
+          <p:cNvPr id="44" name="Tekstvak 43"/>
+          <p:cNvSpPr txBox="1"/>
+          <p:nvPr/>
+        </p:nvSpPr>
+        <p:spPr>
+          <a:xfrm>
+            <a:off x="567235" y="1709306"/>
+            <a:ext cx="1568571" cy="369332"/>
+          </a:xfrm>
+          <a:prstGeom prst="rect">
+            <a:avLst/>
+          </a:prstGeom>
+          <a:noFill/>
+        </p:spPr>
+        <p:txBody>
+          <a:bodyPr wrap="none" rtlCol="0">
+            <a:spAutoFit/>
+          </a:bodyPr>
+          <a:lstStyle/>
+          <a:p>
+            <a:r>
+              <a:rPr lang="nl-NL" dirty="0"/>
+              <a:t>customer data</a:t>
+            </a:r>
+          </a:p>
+        </p:txBody>
+      </p:sp>
+      <p:sp>
+        <p:nvSpPr>
+          <p:cNvPr id="45" name="Stroomdiagram: Proces 44"/>
           <p:cNvSpPr/>
           <p:nvPr/>
         </p:nvSpPr>
         <p:spPr>
           <a:xfrm>
-            <a:off x="772160" y="3676218"/>
-            <a:ext cx="1293675" cy="762000"/>
-          </a:xfrm>
-          <a:prstGeom prst="rect">
+            <a:off x="2741748" y="909650"/>
+            <a:ext cx="1291908" cy="727978"/>
+          </a:xfrm>
+          <a:prstGeom prst="flowChartProcess">
             <a:avLst/>
           </a:prstGeom>
           <a:solidFill>
@@ -6228,53 +6165,25 @@
           <a:p>
             <a:pPr algn="ctr"/>
             <a:r>
-              <a:rPr lang="nl-NL" dirty="0"/>
-              <a:t>data</a:t>
-            </a:r>
-          </a:p>
-        </p:txBody>
-      </p:sp>
-      <p:sp>
-        <p:nvSpPr>
-          <p:cNvPr id="44" name="Tekstvak 43"/>
-          <p:cNvSpPr txBox="1"/>
-          <p:nvPr/>
-        </p:nvSpPr>
-        <p:spPr>
-          <a:xfrm>
-            <a:off x="567235" y="1709306"/>
-            <a:ext cx="1521827" cy="369332"/>
-          </a:xfrm>
-          <a:prstGeom prst="rect">
-            <a:avLst/>
-          </a:prstGeom>
-          <a:noFill/>
-        </p:spPr>
-        <p:txBody>
-          <a:bodyPr wrap="none" rtlCol="0">
-            <a:spAutoFit/>
-          </a:bodyPr>
-          <a:lstStyle/>
-          <a:p>
-            <a:r>
-              <a:rPr lang="nl-NL" dirty="0"/>
-              <a:t>klantgegevens</a:t>
-            </a:r>
-          </a:p>
-        </p:txBody>
-      </p:sp>
-      <p:sp>
-        <p:nvSpPr>
-          <p:cNvPr id="45" name="Stroomdiagram: Proces 44"/>
+              <a:rPr lang="nl-NL" dirty="0" err="1"/>
+              <a:t>api</a:t>
+            </a:r>
+            <a:endParaRPr lang="nl-NL" dirty="0"/>
+          </a:p>
+        </p:txBody>
+      </p:sp>
+      <p:sp>
+        <p:nvSpPr>
+          <p:cNvPr id="47" name="Rechthoek 46"/>
           <p:cNvSpPr/>
           <p:nvPr/>
         </p:nvSpPr>
         <p:spPr>
           <a:xfrm>
-            <a:off x="2741748" y="909650"/>
-            <a:ext cx="1291908" cy="727978"/>
-          </a:xfrm>
-          <a:prstGeom prst="flowChartProcess">
+            <a:off x="2746101" y="2392007"/>
+            <a:ext cx="1287420" cy="762000"/>
+          </a:xfrm>
+          <a:prstGeom prst="rect">
             <a:avLst/>
           </a:prstGeom>
           <a:solidFill>
@@ -6308,25 +6217,57 @@
           <a:p>
             <a:pPr algn="ctr"/>
             <a:r>
+              <a:rPr lang="nl-NL" dirty="0"/>
+              <a:t>data</a:t>
+            </a:r>
+          </a:p>
+        </p:txBody>
+      </p:sp>
+      <p:sp>
+        <p:nvSpPr>
+          <p:cNvPr id="48" name="Tekstvak 47"/>
+          <p:cNvSpPr txBox="1"/>
+          <p:nvPr/>
+        </p:nvSpPr>
+        <p:spPr>
+          <a:xfrm>
+            <a:off x="4082050" y="799971"/>
+            <a:ext cx="1413336" cy="646331"/>
+          </a:xfrm>
+          <a:prstGeom prst="rect">
+            <a:avLst/>
+          </a:prstGeom>
+          <a:noFill/>
+        </p:spPr>
+        <p:txBody>
+          <a:bodyPr wrap="none" rtlCol="0">
+            <a:spAutoFit/>
+          </a:bodyPr>
+          <a:lstStyle/>
+          <a:p>
+            <a:r>
               <a:rPr lang="nl-NL" dirty="0" err="1"/>
-              <a:t>api</a:t>
+              <a:t>procurement</a:t>
             </a:r>
             <a:endParaRPr lang="nl-NL" dirty="0"/>
           </a:p>
-        </p:txBody>
-      </p:sp>
-      <p:sp>
-        <p:nvSpPr>
-          <p:cNvPr id="47" name="Rechthoek 46"/>
+          <a:p>
+            <a:endParaRPr lang="nl-NL" dirty="0"/>
+          </a:p>
+        </p:txBody>
+      </p:sp>
+      <p:sp>
+        <p:nvSpPr>
+          <p:cNvPr id="53" name="Stroomdiagram: Proces 52"/>
           <p:cNvSpPr/>
           <p:nvPr/>
         </p:nvSpPr>
         <p:spPr>
           <a:xfrm>
-            <a:off x="2746101" y="2392007"/>
-            <a:ext cx="1287420" cy="762000"/>
-          </a:xfrm>
-          <a:prstGeom prst="rect">
+            <a:off x="6828335" y="2943327"/>
+            <a:ext cx="1291908" cy="725703"/>
+          </a:xfrm>
+          <a:prstGeom prst="flowChartProcess">
             <a:avLst/>
           </a:prstGeom>
           <a:solidFill>
@@ -6360,53 +6301,25 @@
           <a:p>
             <a:pPr algn="ctr"/>
             <a:r>
-              <a:rPr lang="nl-NL" dirty="0"/>
-              <a:t>data</a:t>
-            </a:r>
-          </a:p>
-        </p:txBody>
-      </p:sp>
-      <p:sp>
-        <p:nvSpPr>
-          <p:cNvPr id="48" name="Tekstvak 47"/>
-          <p:cNvSpPr txBox="1"/>
-          <p:nvPr/>
-        </p:nvSpPr>
-        <p:spPr>
-          <a:xfrm>
-            <a:off x="4082050" y="799971"/>
-            <a:ext cx="821315" cy="369332"/>
-          </a:xfrm>
-          <a:prstGeom prst="rect">
-            <a:avLst/>
-          </a:prstGeom>
-          <a:noFill/>
-        </p:spPr>
-        <p:txBody>
-          <a:bodyPr wrap="none" rtlCol="0">
-            <a:spAutoFit/>
-          </a:bodyPr>
-          <a:lstStyle/>
-          <a:p>
-            <a:r>
-              <a:rPr lang="nl-NL" dirty="0"/>
-              <a:t>inkoop</a:t>
-            </a:r>
-          </a:p>
-        </p:txBody>
-      </p:sp>
-      <p:sp>
-        <p:nvSpPr>
-          <p:cNvPr id="53" name="Stroomdiagram: Proces 52"/>
+              <a:rPr lang="nl-NL" dirty="0" err="1"/>
+              <a:t>api</a:t>
+            </a:r>
+            <a:endParaRPr lang="nl-NL" dirty="0"/>
+          </a:p>
+        </p:txBody>
+      </p:sp>
+      <p:sp>
+        <p:nvSpPr>
+          <p:cNvPr id="54" name="Rechthoek 53"/>
           <p:cNvSpPr/>
           <p:nvPr/>
         </p:nvSpPr>
         <p:spPr>
           <a:xfrm>
-            <a:off x="6828335" y="2943327"/>
-            <a:ext cx="1291908" cy="725703"/>
-          </a:xfrm>
-          <a:prstGeom prst="flowChartProcess">
+            <a:off x="6828335" y="3669030"/>
+            <a:ext cx="1291908" cy="762000"/>
+          </a:xfrm>
+          <a:prstGeom prst="rect">
             <a:avLst/>
           </a:prstGeom>
           <a:solidFill>
@@ -6440,23 +6353,22 @@
           <a:p>
             <a:pPr algn="ctr"/>
             <a:r>
-              <a:rPr lang="nl-NL" dirty="0" err="1"/>
-              <a:t>api</a:t>
-            </a:r>
-            <a:endParaRPr lang="nl-NL" dirty="0"/>
-          </a:p>
-        </p:txBody>
-      </p:sp>
-      <p:sp>
-        <p:nvSpPr>
-          <p:cNvPr id="54" name="Rechthoek 53"/>
+              <a:rPr lang="nl-NL" dirty="0"/>
+              <a:t>logica</a:t>
+            </a:r>
+          </a:p>
+        </p:txBody>
+      </p:sp>
+      <p:sp>
+        <p:nvSpPr>
+          <p:cNvPr id="55" name="Rechthoek 54"/>
           <p:cNvSpPr/>
           <p:nvPr/>
         </p:nvSpPr>
         <p:spPr>
           <a:xfrm>
-            <a:off x="6828335" y="3669030"/>
-            <a:ext cx="1291908" cy="762000"/>
+            <a:off x="6828336" y="4431030"/>
+            <a:ext cx="1294152" cy="762000"/>
           </a:xfrm>
           <a:prstGeom prst="rect">
             <a:avLst/>
@@ -6493,57 +6405,6 @@
             <a:pPr algn="ctr"/>
             <a:r>
               <a:rPr lang="nl-NL" dirty="0"/>
-              <a:t>logica</a:t>
-            </a:r>
-          </a:p>
-        </p:txBody>
-      </p:sp>
-      <p:sp>
-        <p:nvSpPr>
-          <p:cNvPr id="55" name="Rechthoek 54"/>
-          <p:cNvSpPr/>
-          <p:nvPr/>
-        </p:nvSpPr>
-        <p:spPr>
-          <a:xfrm>
-            <a:off x="6828336" y="4431030"/>
-            <a:ext cx="1294152" cy="762000"/>
-          </a:xfrm>
-          <a:prstGeom prst="rect">
-            <a:avLst/>
-          </a:prstGeom>
-          <a:solidFill>
-            <a:srgbClr val="92D050"/>
-          </a:solidFill>
-          <a:ln>
-            <a:solidFill>
-              <a:srgbClr val="00B050"/>
-            </a:solidFill>
-          </a:ln>
-        </p:spPr>
-        <p:style>
-          <a:lnRef idx="2">
-            <a:schemeClr val="accent1">
-              <a:shade val="50000"/>
-            </a:schemeClr>
-          </a:lnRef>
-          <a:fillRef idx="1">
-            <a:schemeClr val="accent1"/>
-          </a:fillRef>
-          <a:effectRef idx="0">
-            <a:schemeClr val="accent1"/>
-          </a:effectRef>
-          <a:fontRef idx="minor">
-            <a:schemeClr val="lt1"/>
-          </a:fontRef>
-        </p:style>
-        <p:txBody>
-          <a:bodyPr rtlCol="0" anchor="ctr"/>
-          <a:lstStyle/>
-          <a:p>
-            <a:pPr algn="ctr"/>
-            <a:r>
-              <a:rPr lang="nl-NL" dirty="0"/>
               <a:t>data</a:t>
             </a:r>
           </a:p>
@@ -6558,7 +6419,7 @@
         <p:spPr>
           <a:xfrm>
             <a:off x="6934580" y="2467522"/>
-            <a:ext cx="957955" cy="369332"/>
+            <a:ext cx="925894" cy="369332"/>
           </a:xfrm>
           <a:prstGeom prst="rect">
             <a:avLst/>
@@ -6572,9 +6433,10 @@
           <a:lstStyle/>
           <a:p>
             <a:r>
-              <a:rPr lang="nl-NL" dirty="0"/>
-              <a:t>logistiek</a:t>
-            </a:r>
+              <a:rPr lang="nl-NL" dirty="0" err="1"/>
+              <a:t>logistics</a:t>
+            </a:r>
+            <a:endParaRPr lang="nl-NL" dirty="0"/>
           </a:p>
         </p:txBody>
       </p:sp>
@@ -6861,15 +6723,7 @@
                   <a:schemeClr val="tx1"/>
                 </a:solidFill>
               </a:rPr>
-              <a:t>Client-</a:t>
-            </a:r>
-            <a:r>
-              <a:rPr lang="en-US" dirty="0" err="1">
-                <a:solidFill>
-                  <a:schemeClr val="tx1"/>
-                </a:solidFill>
-              </a:rPr>
-              <a:t>applicatie</a:t>
+              <a:t>Client-application</a:t>
             </a:r>
             <a:endParaRPr lang="nl-NL" dirty="0">
               <a:solidFill>
@@ -8746,6 +8600,7 @@
       </p:par>
     </p:tnLst>
     <p:bldLst>
+      <p:bldP spid="41" grpId="0" animBg="1"/>
       <p:bldP spid="46" grpId="0" animBg="1"/>
       <p:bldP spid="34" grpId="0" animBg="1"/>
       <p:bldP spid="35" grpId="0" animBg="1"/>
@@ -8766,7 +8621,6 @@
       <p:bldP spid="37" grpId="0"/>
       <p:bldP spid="38" grpId="0"/>
       <p:bldP spid="40" grpId="0"/>
-      <p:bldP spid="41" grpId="0" animBg="1"/>
       <p:bldP spid="42" grpId="0" animBg="1"/>
       <p:bldP spid="43" grpId="0" animBg="1"/>
       <p:bldP spid="44" grpId="0"/>
@@ -8822,9 +8676,26 @@
               </a:spcAft>
             </a:pPr>
             <a:r>
+              <a:rPr lang="nl-NL" dirty="0" err="1"/>
+              <a:t>Consequences</a:t>
+            </a:r>
+            <a:r>
               <a:rPr lang="nl-NL" dirty="0"/>
-              <a:t>Gevolgen voor bouw</a:t>
-            </a:r>
+              <a:t> </a:t>
+            </a:r>
+            <a:r>
+              <a:rPr lang="nl-NL" dirty="0" err="1"/>
+              <a:t>for</a:t>
+            </a:r>
+            <a:r>
+              <a:rPr lang="nl-NL" dirty="0"/>
+              <a:t> </a:t>
+            </a:r>
+            <a:r>
+              <a:rPr lang="nl-NL" dirty="0" err="1"/>
+              <a:t>build</a:t>
+            </a:r>
+            <a:endParaRPr lang="nl-NL" dirty="0"/>
           </a:p>
         </p:txBody>
       </p:sp>
@@ -8861,7 +8732,7 @@
             </a:pPr>
             <a:r>
               <a:rPr lang="nl-NL" dirty="0"/>
-              <a:t>(Technisch) ontwerp</a:t>
+              <a:t>(Technical) design</a:t>
             </a:r>
           </a:p>
           <a:p>
@@ -8883,7 +8754,7 @@
             </a:pPr>
             <a:r>
               <a:rPr lang="en-US" dirty="0"/>
-              <a:t>Per service minder code:</a:t>
+              <a:t>Less code per service:</a:t>
             </a:r>
           </a:p>
           <a:p>
@@ -8894,13 +8765,8 @@
             </a:pPr>
             <a:r>
               <a:rPr lang="en-US" dirty="0"/>
-              <a:t>Meer </a:t>
-            </a:r>
-            <a:r>
-              <a:rPr lang="en-US" dirty="0" err="1"/>
-              <a:t>overzicht</a:t>
-            </a:r>
-            <a:endParaRPr lang="nl-NL" dirty="0"/>
+              <a:t>Easier to comprehend</a:t>
+            </a:r>
           </a:p>
           <a:p>
             <a:pPr lvl="1">
@@ -8909,12 +8775,30 @@
               </a:spcAft>
             </a:pPr>
             <a:r>
-              <a:rPr lang="nl-NL" dirty="0"/>
-              <a:t>Gemakkelijker </a:t>
-            </a:r>
-            <a:r>
-              <a:rPr lang="nl-NL" dirty="0" err="1"/>
-              <a:t>testbaar</a:t>
+              <a:rPr lang="en-US" dirty="0"/>
+              <a:t>Easier to read</a:t>
+            </a:r>
+          </a:p>
+          <a:p>
+            <a:pPr lvl="1">
+              <a:spcAft>
+                <a:spcPts val="600"/>
+              </a:spcAft>
+            </a:pPr>
+            <a:r>
+              <a:rPr lang="en-US" dirty="0"/>
+              <a:t>Easier to test</a:t>
+            </a:r>
+          </a:p>
+          <a:p>
+            <a:pPr lvl="1">
+              <a:spcAft>
+                <a:spcPts val="600"/>
+              </a:spcAft>
+            </a:pPr>
+            <a:r>
+              <a:rPr lang="en-US" dirty="0"/>
+              <a:t>Easier to maintain</a:t>
             </a:r>
             <a:endParaRPr lang="nl-NL" dirty="0"/>
           </a:p>
@@ -8941,7 +8825,7 @@
                   <a:srgbClr val="009036"/>
                 </a:solidFill>
               </a:rPr>
-              <a:t>17 oktober 2018</a:t>
+              <a:t>14 november 2018</a:t>
             </a:fld>
             <a:endParaRPr lang="nl-NL" sz="900" cap="all" dirty="0">
               <a:solidFill>
@@ -9033,8 +8917,24 @@
               </a:spcAft>
             </a:pPr>
             <a:r>
+              <a:rPr lang="nl-NL" dirty="0" err="1"/>
+              <a:t>Consequences</a:t>
+            </a:r>
+            <a:r>
               <a:rPr lang="nl-NL" dirty="0"/>
-              <a:t>Gevolgen voor deployment</a:t>
+              <a:t> </a:t>
+            </a:r>
+            <a:r>
+              <a:rPr lang="nl-NL" dirty="0" err="1"/>
+              <a:t>for</a:t>
+            </a:r>
+            <a:r>
+              <a:rPr lang="nl-NL" dirty="0"/>
+              <a:t> </a:t>
+            </a:r>
+            <a:r>
+              <a:rPr lang="nl-NL" dirty="0" err="1"/>
+              <a:t>deployment</a:t>
             </a:r>
             <a:br>
               <a:rPr lang="nl-NL" dirty="0"/>
@@ -9064,8 +8964,12 @@
               </a:spcAft>
             </a:pPr>
             <a:r>
+              <a:rPr lang="nl-NL" dirty="0" err="1"/>
+              <a:t>Automated</a:t>
+            </a:r>
+            <a:r>
               <a:rPr lang="nl-NL" dirty="0"/>
-              <a:t>Zoveel mogelijk geautomatiseerde </a:t>
+              <a:t> </a:t>
             </a:r>
             <a:r>
               <a:rPr lang="nl-NL" dirty="0" err="1"/>
@@ -9104,9 +9008,10 @@
               </a:spcAft>
             </a:pPr>
             <a:r>
-              <a:rPr lang="nl-NL" dirty="0"/>
-              <a:t>Traceerbaarheid</a:t>
-            </a:r>
+              <a:rPr lang="nl-NL" dirty="0" err="1"/>
+              <a:t>Traceability</a:t>
+            </a:r>
+            <a:endParaRPr lang="nl-NL" dirty="0"/>
           </a:p>
         </p:txBody>
       </p:sp>
@@ -9131,7 +9036,7 @@
                   <a:srgbClr val="009036"/>
                 </a:solidFill>
               </a:rPr>
-              <a:t>17 oktober 2018</a:t>
+              <a:t>14 november 2018</a:t>
             </a:fld>
             <a:endParaRPr lang="nl-NL" sz="900" cap="all" dirty="0">
               <a:solidFill>
@@ -9282,8 +9187,20 @@
               </a:spcAft>
             </a:pPr>
             <a:r>
+              <a:rPr lang="nl-NL" dirty="0" err="1"/>
+              <a:t>Consequences</a:t>
+            </a:r>
+            <a:r>
               <a:rPr lang="nl-NL" dirty="0"/>
-              <a:t>Gevolgen voor beheer</a:t>
+              <a:t> </a:t>
+            </a:r>
+            <a:r>
+              <a:rPr lang="nl-NL" dirty="0" err="1"/>
+              <a:t>for</a:t>
+            </a:r>
+            <a:r>
+              <a:rPr lang="nl-NL" dirty="0"/>
+              <a:t> maintenance</a:t>
             </a:r>
             <a:br>
               <a:rPr lang="nl-NL" dirty="0"/>
@@ -9316,9 +9233,14 @@
               </a:spcAft>
             </a:pPr>
             <a:r>
-              <a:rPr lang="nl-NL" dirty="0"/>
-              <a:t>Bewaking</a:t>
-            </a:r>
+              <a:rPr lang="en-US" dirty="0"/>
+              <a:t>M</a:t>
+            </a:r>
+            <a:r>
+              <a:rPr lang="nl-NL" dirty="0" err="1"/>
+              <a:t>onitoring</a:t>
+            </a:r>
+            <a:endParaRPr lang="nl-NL" dirty="0"/>
           </a:p>
           <a:p>
             <a:pPr>
@@ -9339,8 +9261,12 @@
               </a:spcAft>
             </a:pPr>
             <a:r>
+              <a:rPr lang="nl-NL" dirty="0" err="1"/>
+              <a:t>Investigating</a:t>
+            </a:r>
+            <a:r>
               <a:rPr lang="nl-NL" dirty="0"/>
-              <a:t>Foutopsporing</a:t>
+              <a:t> bugs</a:t>
             </a:r>
           </a:p>
           <a:p>
@@ -9366,7 +9292,23 @@
             </a:pPr>
             <a:r>
               <a:rPr lang="nl-NL" dirty="0"/>
-              <a:t>Extra component voor communicatie (eventueel)</a:t>
+              <a:t>Extra component </a:t>
+            </a:r>
+            <a:r>
+              <a:rPr lang="nl-NL" dirty="0" err="1"/>
+              <a:t>to</a:t>
+            </a:r>
+            <a:r>
+              <a:rPr lang="nl-NL" dirty="0"/>
+              <a:t> manage (</a:t>
+            </a:r>
+            <a:r>
+              <a:rPr lang="nl-NL" dirty="0" err="1"/>
+              <a:t>the</a:t>
+            </a:r>
+            <a:r>
+              <a:rPr lang="nl-NL" dirty="0"/>
+              <a:t> bus)</a:t>
             </a:r>
           </a:p>
         </p:txBody>
@@ -9392,7 +9334,7 @@
                   <a:srgbClr val="009036"/>
                 </a:solidFill>
               </a:rPr>
-              <a:t>17 oktober 2018</a:t>
+              <a:t>14 november 2018</a:t>
             </a:fld>
             <a:endParaRPr lang="nl-NL" sz="900" cap="all" dirty="0">
               <a:solidFill>
@@ -9465,12 +9407,12 @@
       </p:grpSpPr>
       <p:sp>
         <p:nvSpPr>
-          <p:cNvPr id="11" name="Titel 10"/>
+          <p:cNvPr id="2" name="Title 1"/>
           <p:cNvSpPr>
             <a:spLocks noGrp="1"/>
           </p:cNvSpPr>
           <p:nvPr>
-            <p:ph type="ctrTitle"/>
+            <p:ph type="title"/>
           </p:nvPr>
         </p:nvSpPr>
         <p:spPr/>
@@ -9478,153 +9420,123 @@
           <a:bodyPr/>
           <a:lstStyle/>
           <a:p>
+            <a:pPr>
+              <a:spcAft>
+                <a:spcPts val="600"/>
+              </a:spcAft>
+            </a:pPr>
             <a:r>
               <a:rPr lang="nl-NL" dirty="0"/>
-              <a:t>Vragen?</a:t>
-            </a:r>
-          </a:p>
-        </p:txBody>
-      </p:sp>
-      <p:sp>
-        <p:nvSpPr>
-          <p:cNvPr id="2" name="Tekstvak 1"/>
-          <p:cNvSpPr txBox="1"/>
-          <p:nvPr/>
-        </p:nvSpPr>
+              <a:t>An </a:t>
+            </a:r>
+            <a:r>
+              <a:rPr lang="nl-NL" dirty="0" err="1"/>
+              <a:t>Example</a:t>
+            </a:r>
+            <a:endParaRPr lang="nl-NL" dirty="0"/>
+          </a:p>
+        </p:txBody>
+      </p:sp>
+      <p:pic>
+        <p:nvPicPr>
+          <p:cNvPr id="7" name="Content Placeholder 6">
+            <a:extLst>
+              <a:ext uri="{FF2B5EF4-FFF2-40B4-BE49-F238E27FC236}">
+                <a16:creationId xmlns:a16="http://schemas.microsoft.com/office/drawing/2014/main" id="{B7D04C02-8251-430C-9F91-4D43669058DC}"/>
+              </a:ext>
+            </a:extLst>
+          </p:cNvPr>
+          <p:cNvPicPr>
+            <a:picLocks noGrp="1" noChangeAspect="1"/>
+          </p:cNvPicPr>
+          <p:nvPr>
+            <p:ph idx="1"/>
+          </p:nvPr>
+        </p:nvPicPr>
+        <p:blipFill rotWithShape="1">
+          <a:blip r:embed="rId2">
+            <a:extLst>
+              <a:ext uri="{28A0092B-C50C-407E-A947-70E740481C1C}">
+                <a14:useLocalDpi xmlns:a14="http://schemas.microsoft.com/office/drawing/2010/main" val="0"/>
+              </a:ext>
+            </a:extLst>
+          </a:blip>
+          <a:srcRect r="57281" b="3363"/>
+          <a:stretch/>
+        </p:blipFill>
         <p:spPr>
           <a:xfrm>
-            <a:off x="634402" y="3851374"/>
-            <a:ext cx="2730235" cy="1323439"/>
-          </a:xfrm>
-          <a:prstGeom prst="rect">
-            <a:avLst/>
-          </a:prstGeom>
-          <a:noFill/>
-        </p:spPr>
-        <p:txBody>
-          <a:bodyPr wrap="none" rtlCol="0">
-            <a:spAutoFit/>
-          </a:bodyPr>
+            <a:off x="3153328" y="3129189"/>
+            <a:ext cx="2632364" cy="599621"/>
+          </a:xfrm>
+        </p:spPr>
+      </p:pic>
+      <p:sp>
+        <p:nvSpPr>
+          <p:cNvPr id="4" name="Date Placeholder 3"/>
+          <p:cNvSpPr>
+            <a:spLocks noGrp="1"/>
+          </p:cNvSpPr>
+          <p:nvPr>
+            <p:ph type="dt" sz="half" idx="10"/>
+          </p:nvPr>
+        </p:nvSpPr>
+        <p:spPr/>
+        <p:txBody>
+          <a:bodyPr vert="horz" lIns="91440" tIns="45720" rIns="91440" bIns="45720" rtlCol="0" anchor="ctr"/>
           <a:lstStyle/>
           <a:p>
-            <a:r>
-              <a:rPr lang="en-US" sz="1600" dirty="0">
+            <a:fld id="{B2AEA59B-01EB-45FF-9C78-C234F8428C87}" type="datetime4">
+              <a:rPr lang="nl-NL" sz="900" cap="all" smtClean="0">
                 <a:solidFill>
-                  <a:schemeClr val="bg1"/>
+                  <a:srgbClr val="009036"/>
                 </a:solidFill>
-                <a:latin typeface="Arial"/>
-                <a:cs typeface="Arial"/>
               </a:rPr>
-              <a:t>Johannes Sim</a:t>
-            </a:r>
-          </a:p>
-          <a:p>
-            <a:r>
-              <a:rPr lang="en-US" sz="1600" dirty="0">
+              <a:t>14 november 2018</a:t>
+            </a:fld>
+            <a:endParaRPr lang="nl-NL" sz="900" cap="all" dirty="0">
+              <a:solidFill>
+                <a:srgbClr val="009036"/>
+              </a:solidFill>
+            </a:endParaRPr>
+          </a:p>
+        </p:txBody>
+      </p:sp>
+      <p:sp>
+        <p:nvSpPr>
+          <p:cNvPr id="5" name="Footer Placeholder 4"/>
+          <p:cNvSpPr>
+            <a:spLocks noGrp="1"/>
+          </p:cNvSpPr>
+          <p:nvPr>
+            <p:ph type="ftr" sz="quarter" idx="11"/>
+          </p:nvPr>
+        </p:nvSpPr>
+        <p:spPr/>
+        <p:txBody>
+          <a:bodyPr vert="horz" lIns="91440" tIns="45720" rIns="91440" bIns="45720" rtlCol="0" anchor="ctr"/>
+          <a:lstStyle/>
+          <a:p>
+            <a:r>
+              <a:rPr lang="nl-NL">
                 <a:solidFill>
-                  <a:schemeClr val="bg1"/>
+                  <a:srgbClr val="009036"/>
                 </a:solidFill>
-                <a:latin typeface="Arial"/>
-                <a:cs typeface="Arial"/>
               </a:rPr>
-              <a:t>johannes.sim@centric.eu</a:t>
-            </a:r>
-          </a:p>
-          <a:p>
-            <a:endParaRPr lang="nl-NL" sz="1600" dirty="0">
+              <a:t>Johannes Sim &amp; Renzo veldkamp</a:t>
+            </a:r>
+            <a:endParaRPr lang="nl-NL" dirty="0">
               <a:solidFill>
-                <a:schemeClr val="bg1"/>
+                <a:srgbClr val="009036"/>
               </a:solidFill>
-              <a:latin typeface="Arial"/>
-              <a:cs typeface="Arial"/>
             </a:endParaRPr>
-          </a:p>
-          <a:p>
-            <a:r>
-              <a:rPr lang="nl-NL" sz="1600" dirty="0">
-                <a:solidFill>
-                  <a:schemeClr val="bg1"/>
-                </a:solidFill>
-                <a:latin typeface="Arial"/>
-                <a:cs typeface="Arial"/>
-              </a:rPr>
-              <a:t>Renzo Veldkamp</a:t>
-            </a:r>
-          </a:p>
-          <a:p>
-            <a:r>
-              <a:rPr lang="nl-NL" sz="1600" dirty="0">
-                <a:solidFill>
-                  <a:schemeClr val="bg1"/>
-                </a:solidFill>
-                <a:latin typeface="Arial"/>
-                <a:cs typeface="Arial"/>
-              </a:rPr>
-              <a:t>renzo.veldkamp@centric.eu</a:t>
-            </a:r>
-          </a:p>
-        </p:txBody>
-      </p:sp>
-      <p:sp>
-        <p:nvSpPr>
-          <p:cNvPr id="5" name="Date Placeholder 4"/>
-          <p:cNvSpPr>
-            <a:spLocks noGrp="1"/>
-          </p:cNvSpPr>
-          <p:nvPr>
-            <p:ph type="dt" sz="half" idx="10"/>
-          </p:nvPr>
-        </p:nvSpPr>
-        <p:spPr/>
-        <p:txBody>
-          <a:bodyPr/>
-          <a:lstStyle/>
-          <a:p>
-            <a:fld id="{6C8F2B54-89D2-4D0B-81B9-EBE704C6250E}" type="datetime4">
-              <a:rPr lang="nl-NL" smtClean="0"/>
-              <a:t>17 oktober 2018</a:t>
-            </a:fld>
-            <a:endParaRPr lang="nl-NL" dirty="0"/>
-          </a:p>
-        </p:txBody>
-      </p:sp>
-      <p:sp>
-        <p:nvSpPr>
-          <p:cNvPr id="6" name="Footer Placeholder 5"/>
-          <p:cNvSpPr>
-            <a:spLocks noGrp="1"/>
-          </p:cNvSpPr>
-          <p:nvPr>
-            <p:ph type="ftr" sz="quarter" idx="11"/>
-          </p:nvPr>
-        </p:nvSpPr>
-        <p:spPr/>
-        <p:txBody>
-          <a:bodyPr/>
-          <a:lstStyle/>
-          <a:p>
-            <a:r>
-              <a:rPr lang="en-US" dirty="0"/>
-              <a:t>Johannes Sim &amp;</a:t>
-            </a:r>
-          </a:p>
-          <a:p>
-            <a:r>
-              <a:rPr lang="en-US" dirty="0"/>
-              <a:t>Renzo </a:t>
-            </a:r>
-            <a:r>
-              <a:rPr lang="en-US" dirty="0" err="1"/>
-              <a:t>veldkamp</a:t>
-            </a:r>
-            <a:endParaRPr lang="nl-NL" dirty="0"/>
           </a:p>
         </p:txBody>
       </p:sp>
     </p:spTree>
     <p:extLst>
       <p:ext uri="{BB962C8B-B14F-4D97-AF65-F5344CB8AC3E}">
-        <p14:creationId xmlns:p14="http://schemas.microsoft.com/office/powerpoint/2010/main" val="1991217779"/>
+        <p14:creationId xmlns:p14="http://schemas.microsoft.com/office/powerpoint/2010/main" val="3945666174"/>
       </p:ext>
     </p:extLst>
   </p:cSld>
@@ -9653,12 +9565,12 @@
       </p:grpSpPr>
       <p:sp>
         <p:nvSpPr>
-          <p:cNvPr id="2" name="Title 1"/>
+          <p:cNvPr id="11" name="Titel 10"/>
           <p:cNvSpPr>
             <a:spLocks noGrp="1"/>
           </p:cNvSpPr>
           <p:nvPr>
-            <p:ph type="title"/>
+            <p:ph type="ctrTitle"/>
           </p:nvPr>
         </p:nvSpPr>
         <p:spPr/>
@@ -9667,313 +9579,156 @@
           <a:lstStyle/>
           <a:p>
             <a:r>
+              <a:rPr lang="nl-NL" dirty="0" err="1"/>
+              <a:t>Questions</a:t>
+            </a:r>
+            <a:r>
               <a:rPr lang="nl-NL" dirty="0"/>
-              <a:t>referenties</a:t>
-            </a:r>
-          </a:p>
-        </p:txBody>
-      </p:sp>
-      <p:sp>
-        <p:nvSpPr>
-          <p:cNvPr id="3" name="Content Placeholder 2"/>
-          <p:cNvSpPr>
-            <a:spLocks noGrp="1"/>
-          </p:cNvSpPr>
-          <p:nvPr>
-            <p:ph idx="1"/>
-          </p:nvPr>
-        </p:nvSpPr>
-        <p:spPr/>
-        <p:txBody>
-          <a:bodyPr/>
-          <a:lstStyle/>
-          <a:p>
-            <a:pPr>
-              <a:spcAft>
-                <a:spcPts val="600"/>
-              </a:spcAft>
-            </a:pPr>
-            <a:r>
-              <a:rPr lang="nl-NL" dirty="0">
-                <a:hlinkClick r:id="rId3"/>
-              </a:rPr>
-              <a:t>Martin </a:t>
-            </a:r>
-            <a:r>
-              <a:rPr lang="nl-NL" dirty="0" err="1">
-                <a:hlinkClick r:id="rId3"/>
-              </a:rPr>
-              <a:t>Fowler</a:t>
-            </a:r>
-            <a:endParaRPr lang="nl-NL" dirty="0"/>
-          </a:p>
-          <a:p>
-            <a:pPr>
-              <a:spcAft>
-                <a:spcPts val="600"/>
-              </a:spcAft>
-            </a:pPr>
-            <a:r>
-              <a:rPr lang="nl-NL" dirty="0">
-                <a:hlinkClick r:id="rId4"/>
-              </a:rPr>
-              <a:t>Sam </a:t>
-            </a:r>
-            <a:r>
-              <a:rPr lang="nl-NL" dirty="0" err="1">
-                <a:hlinkClick r:id="rId4"/>
-              </a:rPr>
-              <a:t>Newman</a:t>
-            </a:r>
-            <a:endParaRPr lang="nl-NL" dirty="0"/>
-          </a:p>
-          <a:p>
-            <a:pPr>
-              <a:spcAft>
-                <a:spcPts val="600"/>
-              </a:spcAft>
-            </a:pPr>
-            <a:r>
-              <a:rPr lang="nl-NL" dirty="0" err="1">
-                <a:hlinkClick r:id="rId5"/>
-              </a:rPr>
-              <a:t>Netflix</a:t>
-            </a:r>
-            <a:endParaRPr lang="nl-NL" dirty="0"/>
-          </a:p>
-          <a:p>
-            <a:pPr>
-              <a:spcAft>
-                <a:spcPts val="600"/>
-              </a:spcAft>
-            </a:pPr>
-            <a:r>
-              <a:rPr lang="nl-NL" dirty="0" err="1"/>
-              <a:t>Spotify</a:t>
-            </a:r>
-            <a:endParaRPr lang="nl-NL" dirty="0"/>
-          </a:p>
-          <a:p>
-            <a:endParaRPr lang="nl-NL" dirty="0"/>
-          </a:p>
-        </p:txBody>
-      </p:sp>
-      <p:sp>
-        <p:nvSpPr>
-          <p:cNvPr id="4" name="Date Placeholder 3"/>
-          <p:cNvSpPr>
-            <a:spLocks noGrp="1"/>
-          </p:cNvSpPr>
-          <p:nvPr>
-            <p:ph type="dt" sz="half" idx="10"/>
-          </p:nvPr>
-        </p:nvSpPr>
-        <p:spPr/>
-        <p:txBody>
-          <a:bodyPr vert="horz" lIns="91440" tIns="45720" rIns="91440" bIns="45720" rtlCol="0" anchor="ctr"/>
-          <a:lstStyle/>
-          <a:p>
-            <a:fld id="{9BAB73B2-709E-45C5-B8D1-C6DD1690EF5D}" type="datetime4">
-              <a:rPr lang="nl-NL" sz="900" cap="all" smtClean="0">
-                <a:solidFill>
-                  <a:srgbClr val="009036"/>
-                </a:solidFill>
-              </a:rPr>
-              <a:t>17 oktober 2018</a:t>
-            </a:fld>
-            <a:endParaRPr lang="nl-NL" sz="900" cap="all" dirty="0">
-              <a:solidFill>
-                <a:srgbClr val="009036"/>
-              </a:solidFill>
-            </a:endParaRPr>
-          </a:p>
-        </p:txBody>
-      </p:sp>
-      <p:sp>
-        <p:nvSpPr>
-          <p:cNvPr id="5" name="Footer Placeholder 4"/>
-          <p:cNvSpPr>
-            <a:spLocks noGrp="1"/>
-          </p:cNvSpPr>
-          <p:nvPr>
-            <p:ph type="ftr" sz="quarter" idx="11"/>
-          </p:nvPr>
-        </p:nvSpPr>
-        <p:spPr/>
-        <p:txBody>
-          <a:bodyPr vert="horz" lIns="91440" tIns="45720" rIns="91440" bIns="45720" rtlCol="0" anchor="ctr"/>
-          <a:lstStyle/>
-          <a:p>
-            <a:r>
-              <a:rPr lang="nl-NL">
-                <a:solidFill>
-                  <a:srgbClr val="009036"/>
-                </a:solidFill>
-              </a:rPr>
-              <a:t>Johannes Sim &amp; Renzo veldkamp</a:t>
-            </a:r>
-            <a:endParaRPr lang="nl-NL" dirty="0">
-              <a:solidFill>
-                <a:srgbClr val="009036"/>
-              </a:solidFill>
-            </a:endParaRPr>
-          </a:p>
-        </p:txBody>
-      </p:sp>
-      <p:pic>
-        <p:nvPicPr>
-          <p:cNvPr id="6" name="Afbeelding 5"/>
-          <p:cNvPicPr>
-            <a:picLocks noChangeAspect="1"/>
-          </p:cNvPicPr>
+              <a:t>?</a:t>
+            </a:r>
+          </a:p>
+        </p:txBody>
+      </p:sp>
+      <p:sp>
+        <p:nvSpPr>
+          <p:cNvPr id="2" name="Tekstvak 1"/>
+          <p:cNvSpPr txBox="1"/>
           <p:nvPr/>
-        </p:nvPicPr>
-        <p:blipFill>
-          <a:blip r:embed="rId6">
-            <a:extLst>
-              <a:ext uri="{28A0092B-C50C-407E-A947-70E740481C1C}">
-                <a14:useLocalDpi xmlns:a14="http://schemas.microsoft.com/office/drawing/2010/main" val="0"/>
-              </a:ext>
-            </a:extLst>
-          </a:blip>
-          <a:stretch>
-            <a:fillRect/>
-          </a:stretch>
-        </p:blipFill>
+        </p:nvSpPr>
         <p:spPr>
           <a:xfrm>
-            <a:off x="2902647" y="3855034"/>
-            <a:ext cx="3133725" cy="1457325"/>
+            <a:off x="634402" y="3851374"/>
+            <a:ext cx="2730235" cy="1323439"/>
           </a:xfrm>
           <a:prstGeom prst="rect">
             <a:avLst/>
           </a:prstGeom>
-        </p:spPr>
-      </p:pic>
-      <p:pic>
-        <p:nvPicPr>
-          <p:cNvPr id="7" name="Afbeelding 6"/>
-          <p:cNvPicPr>
-            <a:picLocks noChangeAspect="1"/>
-          </p:cNvPicPr>
-          <p:nvPr/>
-        </p:nvPicPr>
-        <p:blipFill>
-          <a:blip r:embed="rId7">
-            <a:extLst>
-              <a:ext uri="{28A0092B-C50C-407E-A947-70E740481C1C}">
-                <a14:useLocalDpi xmlns:a14="http://schemas.microsoft.com/office/drawing/2010/main" val="0"/>
-              </a:ext>
-            </a:extLst>
-          </a:blip>
-          <a:stretch>
-            <a:fillRect/>
-          </a:stretch>
-        </p:blipFill>
-        <p:spPr>
-          <a:xfrm>
-            <a:off x="885330" y="3454984"/>
-            <a:ext cx="1857375" cy="1857375"/>
-          </a:xfrm>
-          <a:prstGeom prst="rect">
-            <a:avLst/>
-          </a:prstGeom>
-        </p:spPr>
-      </p:pic>
-      <p:pic>
-        <p:nvPicPr>
-          <p:cNvPr id="8" name="Afbeelding 7"/>
-          <p:cNvPicPr>
-            <a:picLocks noChangeAspect="1"/>
-          </p:cNvPicPr>
-          <p:nvPr/>
-        </p:nvPicPr>
-        <p:blipFill>
-          <a:blip r:embed="rId8">
-            <a:extLst>
-              <a:ext uri="{28A0092B-C50C-407E-A947-70E740481C1C}">
-                <a14:useLocalDpi xmlns:a14="http://schemas.microsoft.com/office/drawing/2010/main" val="0"/>
-              </a:ext>
-            </a:extLst>
-          </a:blip>
-          <a:stretch>
-            <a:fillRect/>
-          </a:stretch>
-        </p:blipFill>
-        <p:spPr>
-          <a:xfrm>
-            <a:off x="6773651" y="1364339"/>
-            <a:ext cx="1714500" cy="2247900"/>
-          </a:xfrm>
-          <a:prstGeom prst="rect">
-            <a:avLst/>
-          </a:prstGeom>
-        </p:spPr>
-      </p:pic>
-      <p:pic>
-        <p:nvPicPr>
-          <p:cNvPr id="9" name="Afbeelding 8"/>
-          <p:cNvPicPr>
-            <a:picLocks noChangeAspect="1"/>
-          </p:cNvPicPr>
-          <p:nvPr/>
-        </p:nvPicPr>
-        <p:blipFill>
-          <a:blip r:embed="rId9">
-            <a:extLst>
-              <a:ext uri="{28A0092B-C50C-407E-A947-70E740481C1C}">
-                <a14:useLocalDpi xmlns:a14="http://schemas.microsoft.com/office/drawing/2010/main" val="0"/>
-              </a:ext>
-            </a:extLst>
-          </a:blip>
-          <a:stretch>
-            <a:fillRect/>
-          </a:stretch>
-        </p:blipFill>
-        <p:spPr>
-          <a:xfrm>
-            <a:off x="3873244" y="1364339"/>
-            <a:ext cx="1789430" cy="1794557"/>
-          </a:xfrm>
-          <a:prstGeom prst="rect">
-            <a:avLst/>
-          </a:prstGeom>
-        </p:spPr>
-      </p:pic>
-      <p:pic>
-        <p:nvPicPr>
-          <p:cNvPr id="11" name="Picture 10"/>
-          <p:cNvPicPr>
-            <a:picLocks noChangeAspect="1"/>
-          </p:cNvPicPr>
-          <p:nvPr/>
-        </p:nvPicPr>
-        <p:blipFill>
-          <a:blip r:embed="rId10">
-            <a:extLst>
-              <a:ext uri="{28A0092B-C50C-407E-A947-70E740481C1C}">
-                <a14:useLocalDpi xmlns:a14="http://schemas.microsoft.com/office/drawing/2010/main" val="0"/>
-              </a:ext>
-            </a:extLst>
-          </a:blip>
-          <a:stretch>
-            <a:fillRect/>
-          </a:stretch>
-        </p:blipFill>
-        <p:spPr>
-          <a:xfrm>
-            <a:off x="6259301" y="4245558"/>
-            <a:ext cx="2743200" cy="276225"/>
-          </a:xfrm>
-          <a:prstGeom prst="rect">
-            <a:avLst/>
-          </a:prstGeom>
-        </p:spPr>
-      </p:pic>
+          <a:noFill/>
+        </p:spPr>
+        <p:txBody>
+          <a:bodyPr wrap="none" rtlCol="0">
+            <a:spAutoFit/>
+          </a:bodyPr>
+          <a:lstStyle/>
+          <a:p>
+            <a:r>
+              <a:rPr lang="en-US" sz="1600" dirty="0">
+                <a:solidFill>
+                  <a:schemeClr val="bg1"/>
+                </a:solidFill>
+                <a:latin typeface="Arial"/>
+                <a:cs typeface="Arial"/>
+              </a:rPr>
+              <a:t>Johannes Sim</a:t>
+            </a:r>
+          </a:p>
+          <a:p>
+            <a:r>
+              <a:rPr lang="en-US" sz="1600" dirty="0">
+                <a:solidFill>
+                  <a:schemeClr val="bg1"/>
+                </a:solidFill>
+                <a:latin typeface="Arial"/>
+                <a:cs typeface="Arial"/>
+              </a:rPr>
+              <a:t>johannes.sim@centric.eu</a:t>
+            </a:r>
+          </a:p>
+          <a:p>
+            <a:endParaRPr lang="nl-NL" sz="1600" dirty="0">
+              <a:solidFill>
+                <a:schemeClr val="bg1"/>
+              </a:solidFill>
+              <a:latin typeface="Arial"/>
+              <a:cs typeface="Arial"/>
+            </a:endParaRPr>
+          </a:p>
+          <a:p>
+            <a:r>
+              <a:rPr lang="nl-NL" sz="1600" dirty="0">
+                <a:solidFill>
+                  <a:schemeClr val="bg1"/>
+                </a:solidFill>
+                <a:latin typeface="Arial"/>
+                <a:cs typeface="Arial"/>
+              </a:rPr>
+              <a:t>Renzo Veldkamp</a:t>
+            </a:r>
+          </a:p>
+          <a:p>
+            <a:r>
+              <a:rPr lang="nl-NL" sz="1600" dirty="0">
+                <a:solidFill>
+                  <a:schemeClr val="bg1"/>
+                </a:solidFill>
+                <a:latin typeface="Arial"/>
+                <a:cs typeface="Arial"/>
+              </a:rPr>
+              <a:t>renzo.veldkamp@centric.eu</a:t>
+            </a:r>
+          </a:p>
+        </p:txBody>
+      </p:sp>
+      <p:sp>
+        <p:nvSpPr>
+          <p:cNvPr id="5" name="Date Placeholder 4"/>
+          <p:cNvSpPr>
+            <a:spLocks noGrp="1"/>
+          </p:cNvSpPr>
+          <p:nvPr>
+            <p:ph type="dt" sz="half" idx="10"/>
+          </p:nvPr>
+        </p:nvSpPr>
+        <p:spPr/>
+        <p:txBody>
+          <a:bodyPr/>
+          <a:lstStyle/>
+          <a:p>
+            <a:fld id="{6C8F2B54-89D2-4D0B-81B9-EBE704C6250E}" type="datetime4">
+              <a:rPr lang="nl-NL" smtClean="0"/>
+              <a:t>14 november 2018</a:t>
+            </a:fld>
+            <a:endParaRPr lang="nl-NL" dirty="0"/>
+          </a:p>
+        </p:txBody>
+      </p:sp>
+      <p:sp>
+        <p:nvSpPr>
+          <p:cNvPr id="6" name="Footer Placeholder 5"/>
+          <p:cNvSpPr>
+            <a:spLocks noGrp="1"/>
+          </p:cNvSpPr>
+          <p:nvPr>
+            <p:ph type="ftr" sz="quarter" idx="11"/>
+          </p:nvPr>
+        </p:nvSpPr>
+        <p:spPr/>
+        <p:txBody>
+          <a:bodyPr/>
+          <a:lstStyle/>
+          <a:p>
+            <a:r>
+              <a:rPr lang="en-US" dirty="0"/>
+              <a:t>Johannes Sim &amp;</a:t>
+            </a:r>
+          </a:p>
+          <a:p>
+            <a:r>
+              <a:rPr lang="en-US" dirty="0"/>
+              <a:t>Renzo </a:t>
+            </a:r>
+            <a:r>
+              <a:rPr lang="en-US" dirty="0" err="1"/>
+              <a:t>veldkamp</a:t>
+            </a:r>
+            <a:endParaRPr lang="nl-NL" dirty="0"/>
+          </a:p>
+        </p:txBody>
+      </p:sp>
     </p:spTree>
     <p:extLst>
       <p:ext uri="{BB962C8B-B14F-4D97-AF65-F5344CB8AC3E}">
-        <p14:creationId xmlns:p14="http://schemas.microsoft.com/office/powerpoint/2010/main" val="2074092005"/>
+        <p14:creationId xmlns:p14="http://schemas.microsoft.com/office/powerpoint/2010/main" val="1991217779"/>
       </p:ext>
     </p:extLst>
   </p:cSld>
@@ -10874,21 +10629,6 @@
 </file>
 
 <file path=customXml/item1.xml><?xml version="1.0" encoding="utf-8"?>
-<p:properties xmlns:p="http://schemas.microsoft.com/office/2006/metadata/properties" xmlns:xsi="http://www.w3.org/2001/XMLSchema-instance" xmlns:pc="http://schemas.microsoft.com/office/infopath/2007/PartnerControls">
-  <documentManagement/>
-</p:properties>
-</file>
-
-<file path=customXml/item2.xml><?xml version="1.0" encoding="utf-8"?>
-<?mso-contentType ?>
-<FormTemplates xmlns="http://schemas.microsoft.com/sharepoint/v3/contenttype/forms">
-  <Display>DocumentLibraryForm</Display>
-  <Edit>DocumentLibraryForm</Edit>
-  <New>DocumentLibraryForm</New>
-</FormTemplates>
-</file>
-
-<file path=customXml/item3.xml><?xml version="1.0" encoding="utf-8"?>
 <ct:contentTypeSchema xmlns:ct="http://schemas.microsoft.com/office/2006/metadata/contentType" xmlns:ma="http://schemas.microsoft.com/office/2006/metadata/properties/metaAttributes" ct:_="" ma:_="" ma:contentTypeName="Document" ma:contentTypeID="0x0101009843F10021B1B74BA5DD583B6999787F" ma:contentTypeVersion="1" ma:contentTypeDescription="Een nieuw document maken." ma:contentTypeScope="" ma:versionID="9f7dad7ca3b37095ed9229a6a072267d">
   <xsd:schema xmlns:xsd="http://www.w3.org/2001/XMLSchema" xmlns:xs="http://www.w3.org/2001/XMLSchema" xmlns:p="http://schemas.microsoft.com/office/2006/metadata/properties" targetNamespace="http://schemas.microsoft.com/office/2006/metadata/properties" ma:root="true" ma:fieldsID="a17e5968c79d9fe2fc9f8835eee23f58">
     <xsd:element name="properties">
@@ -11002,17 +10742,33 @@
 </ct:contentTypeSchema>
 </file>
 
+<file path=customXml/item2.xml><?xml version="1.0" encoding="utf-8"?>
+<?mso-contentType ?>
+<FormTemplates xmlns="http://schemas.microsoft.com/sharepoint/v3/contenttype/forms">
+  <Display>DocumentLibraryForm</Display>
+  <Edit>DocumentLibraryForm</Edit>
+  <New>DocumentLibraryForm</New>
+</FormTemplates>
+</file>
+
+<file path=customXml/item3.xml><?xml version="1.0" encoding="utf-8"?>
+<p:properties xmlns:p="http://schemas.microsoft.com/office/2006/metadata/properties" xmlns:xsi="http://www.w3.org/2001/XMLSchema-instance" xmlns:pc="http://schemas.microsoft.com/office/infopath/2007/PartnerControls">
+  <documentManagement/>
+</p:properties>
+</file>
+
 <file path=customXml/itemProps1.xml><?xml version="1.0" encoding="utf-8"?>
-<ds:datastoreItem xmlns:ds="http://schemas.openxmlformats.org/officeDocument/2006/customXml" ds:itemID="{DE0A3E1F-B2EC-4B36-9F71-3169FFDE4AE0}">
+<ds:datastoreItem xmlns:ds="http://schemas.openxmlformats.org/officeDocument/2006/customXml" ds:itemID="{3175F035-B069-4F0E-ADC8-454931FDE34D}">
   <ds:schemaRefs>
+    <ds:schemaRef ds:uri="http://schemas.microsoft.com/office/2006/metadata/contentType"/>
+    <ds:schemaRef ds:uri="http://schemas.microsoft.com/office/2006/metadata/properties/metaAttributes"/>
+    <ds:schemaRef ds:uri="http://www.w3.org/2001/XMLSchema"/>
+    <ds:schemaRef ds:uri="http://schemas.microsoft.com/office/2006/metadata/properties"/>
+    <ds:schemaRef ds:uri="http://schemas.openxmlformats.org/package/2006/metadata/core-properties"/>
     <ds:schemaRef ds:uri="http://purl.org/dc/elements/1.1/"/>
-    <ds:schemaRef ds:uri="http://schemas.microsoft.com/office/2006/metadata/properties"/>
-    <ds:schemaRef ds:uri="http://schemas.microsoft.com/office/2006/documentManagement/types"/>
     <ds:schemaRef ds:uri="http://purl.org/dc/terms/"/>
-    <ds:schemaRef ds:uri="http://schemas.openxmlformats.org/package/2006/metadata/core-properties"/>
-    <ds:schemaRef ds:uri="http://purl.org/dc/dcmitype/"/>
+    <ds:schemaRef ds:uri="http://schemas.microsoft.com/internal/obd"/>
     <ds:schemaRef ds:uri="http://schemas.microsoft.com/office/infopath/2007/PartnerControls"/>
-    <ds:schemaRef ds:uri="http://www.w3.org/XML/1998/namespace"/>
   </ds:schemaRefs>
 </ds:datastoreItem>
 </file>
@@ -11026,17 +10782,16 @@
 </file>
 
 <file path=customXml/itemProps3.xml><?xml version="1.0" encoding="utf-8"?>
-<ds:datastoreItem xmlns:ds="http://schemas.openxmlformats.org/officeDocument/2006/customXml" ds:itemID="{3175F035-B069-4F0E-ADC8-454931FDE34D}">
+<ds:datastoreItem xmlns:ds="http://schemas.openxmlformats.org/officeDocument/2006/customXml" ds:itemID="{DE0A3E1F-B2EC-4B36-9F71-3169FFDE4AE0}">
   <ds:schemaRefs>
-    <ds:schemaRef ds:uri="http://schemas.microsoft.com/office/2006/metadata/contentType"/>
-    <ds:schemaRef ds:uri="http://schemas.microsoft.com/office/2006/metadata/properties/metaAttributes"/>
-    <ds:schemaRef ds:uri="http://www.w3.org/2001/XMLSchema"/>
+    <ds:schemaRef ds:uri="http://purl.org/dc/elements/1.1/"/>
     <ds:schemaRef ds:uri="http://schemas.microsoft.com/office/2006/metadata/properties"/>
+    <ds:schemaRef ds:uri="http://schemas.microsoft.com/office/2006/documentManagement/types"/>
+    <ds:schemaRef ds:uri="http://purl.org/dc/terms/"/>
     <ds:schemaRef ds:uri="http://schemas.openxmlformats.org/package/2006/metadata/core-properties"/>
-    <ds:schemaRef ds:uri="http://purl.org/dc/elements/1.1/"/>
-    <ds:schemaRef ds:uri="http://purl.org/dc/terms/"/>
-    <ds:schemaRef ds:uri="http://schemas.microsoft.com/internal/obd"/>
+    <ds:schemaRef ds:uri="http://purl.org/dc/dcmitype/"/>
     <ds:schemaRef ds:uri="http://schemas.microsoft.com/office/infopath/2007/PartnerControls"/>
+    <ds:schemaRef ds:uri="http://www.w3.org/XML/1998/namespace"/>
   </ds:schemaRefs>
 </ds:datastoreItem>
 </file>